--- a/Lection_3_SDLC.pptx
+++ b/Lection_3_SDLC.pptx
@@ -1,57 +1,57 @@
 
 <file path=ppt/presentation.xml><?xml version="1.0" encoding="utf-8"?>
-<p:presentation xmlns:a="http://schemas.openxmlformats.org/drawingml/2006/main" xmlns:r="http://schemas.openxmlformats.org/officeDocument/2006/relationships" xmlns:p="http://schemas.openxmlformats.org/presentationml/2006/main" saveSubsetFonts="1">
+<p:presentation xmlns:a="http://schemas.openxmlformats.org/drawingml/2006/main" xmlns:r="http://schemas.openxmlformats.org/officeDocument/2006/relationships" xmlns:p="http://schemas.openxmlformats.org/presentationml/2006/main">
   <p:sldMasterIdLst>
-    <p:sldMasterId id="2147483746" r:id="rId1"/>
+    <p:sldMasterId id="2147483648" r:id="rId1"/>
   </p:sldMasterIdLst>
   <p:notesMasterIdLst>
-    <p:notesMasterId r:id="rId37"/>
+    <p:notesMasterId r:id="rId4"/>
   </p:notesMasterIdLst>
   <p:handoutMasterIdLst>
-    <p:handoutMasterId r:id="rId38"/>
+    <p:handoutMasterId r:id="rId39"/>
   </p:handoutMasterIdLst>
   <p:sldIdLst>
-    <p:sldId id="257" r:id="rId2"/>
-    <p:sldId id="258" r:id="rId3"/>
-    <p:sldId id="259" r:id="rId4"/>
-    <p:sldId id="260" r:id="rId5"/>
-    <p:sldId id="269" r:id="rId6"/>
-    <p:sldId id="291" r:id="rId7"/>
-    <p:sldId id="261" r:id="rId8"/>
-    <p:sldId id="262" r:id="rId9"/>
-    <p:sldId id="270" r:id="rId10"/>
-    <p:sldId id="271" r:id="rId11"/>
-    <p:sldId id="263" r:id="rId12"/>
-    <p:sldId id="272" r:id="rId13"/>
-    <p:sldId id="273" r:id="rId14"/>
-    <p:sldId id="274" r:id="rId15"/>
-    <p:sldId id="264" r:id="rId16"/>
-    <p:sldId id="275" r:id="rId17"/>
-    <p:sldId id="278" r:id="rId18"/>
-    <p:sldId id="276" r:id="rId19"/>
-    <p:sldId id="277" r:id="rId20"/>
-    <p:sldId id="265" r:id="rId21"/>
-    <p:sldId id="279" r:id="rId22"/>
-    <p:sldId id="280" r:id="rId23"/>
-    <p:sldId id="281" r:id="rId24"/>
-    <p:sldId id="283" r:id="rId25"/>
-    <p:sldId id="284" r:id="rId26"/>
-    <p:sldId id="287" r:id="rId27"/>
-    <p:sldId id="282" r:id="rId28"/>
-    <p:sldId id="285" r:id="rId29"/>
-    <p:sldId id="286" r:id="rId30"/>
-    <p:sldId id="266" r:id="rId31"/>
-    <p:sldId id="288" r:id="rId32"/>
-    <p:sldId id="289" r:id="rId33"/>
-    <p:sldId id="267" r:id="rId34"/>
-    <p:sldId id="290" r:id="rId35"/>
-    <p:sldId id="268" r:id="rId36"/>
+    <p:sldId id="257" r:id="rId3"/>
+    <p:sldId id="258" r:id="rId5"/>
+    <p:sldId id="259" r:id="rId6"/>
+    <p:sldId id="260" r:id="rId7"/>
+    <p:sldId id="269" r:id="rId8"/>
+    <p:sldId id="291" r:id="rId9"/>
+    <p:sldId id="261" r:id="rId10"/>
+    <p:sldId id="262" r:id="rId11"/>
+    <p:sldId id="270" r:id="rId12"/>
+    <p:sldId id="271" r:id="rId13"/>
+    <p:sldId id="263" r:id="rId14"/>
+    <p:sldId id="272" r:id="rId15"/>
+    <p:sldId id="273" r:id="rId16"/>
+    <p:sldId id="274" r:id="rId17"/>
+    <p:sldId id="264" r:id="rId18"/>
+    <p:sldId id="275" r:id="rId19"/>
+    <p:sldId id="278" r:id="rId20"/>
+    <p:sldId id="276" r:id="rId21"/>
+    <p:sldId id="277" r:id="rId22"/>
+    <p:sldId id="265" r:id="rId23"/>
+    <p:sldId id="279" r:id="rId24"/>
+    <p:sldId id="280" r:id="rId25"/>
+    <p:sldId id="281" r:id="rId26"/>
+    <p:sldId id="283" r:id="rId27"/>
+    <p:sldId id="284" r:id="rId28"/>
+    <p:sldId id="287" r:id="rId29"/>
+    <p:sldId id="282" r:id="rId30"/>
+    <p:sldId id="285" r:id="rId31"/>
+    <p:sldId id="286" r:id="rId32"/>
+    <p:sldId id="266" r:id="rId33"/>
+    <p:sldId id="288" r:id="rId34"/>
+    <p:sldId id="289" r:id="rId35"/>
+    <p:sldId id="267" r:id="rId36"/>
+    <p:sldId id="290" r:id="rId37"/>
+    <p:sldId id="268" r:id="rId38"/>
   </p:sldIdLst>
   <p:sldSz cx="12192000" cy="6858000"/>
   <p:notesSz cx="6858000" cy="9144000"/>
   <p:defaultTextStyle>
     <a:defPPr rtl="0">
-      <a:defRPr lang="ru-ru"/>
+      <a:defRPr lang="en-US"/>
     </a:defPPr>
     <a:lvl1pPr marL="0" algn="l" defTabSz="914400" rtl="0" eaLnBrk="1" latinLnBrk="0" hangingPunct="1">
       <a:defRPr sz="1800" kern="1200">
@@ -144,14 +144,6 @@
       </a:defRPr>
     </a:lvl9pPr>
   </p:defaultTextStyle>
-  <p:extLst>
-    <p:ext uri="{EFAFB233-063F-42B5-8137-9DF3F51BA10A}">
-      <p15:sldGuideLst xmlns:p15="http://schemas.microsoft.com/office/powerpoint/2012/main"/>
-    </p:ext>
-    <p:ext uri="{2D200454-40CA-4A62-9FC3-DE9A4176ACB9}">
-      <p15:notesGuideLst xmlns:p15="http://schemas.microsoft.com/office/powerpoint/2012/main"/>
-    </p:ext>
-  </p:extLst>
 </p:presentation>
 </file>
 
@@ -239,7 +231,6 @@
             <a:pPr rtl="0"/>
             <a:fld id="{1E51D080-0FA4-452C-BE9C-57B885F95115}" type="datetime1">
               <a:rPr lang="ru-RU" smtClean="0"/>
-              <a:t>13.04.2022</a:t>
             </a:fld>
             <a:endParaRPr lang="en-US" dirty="0"/>
           </a:p>
@@ -307,18 +298,12 @@
             <a:pPr rtl="0"/>
             <a:fld id="{ED92CB86-0DB9-4A70-B1CF-B23508471F6B}" type="slidenum">
               <a:rPr lang="en-US" smtClean="0"/>
-              <a:t>‹#›</a:t>
             </a:fld>
             <a:endParaRPr lang="en-US"/>
           </a:p>
         </p:txBody>
       </p:sp>
     </p:spTree>
-    <p:extLst>
-      <p:ext uri="{BB962C8B-B14F-4D97-AF65-F5344CB8AC3E}">
-        <p14:creationId xmlns:p14="http://schemas.microsoft.com/office/powerpoint/2010/main" val="663557642"/>
-      </p:ext>
-    </p:extLst>
   </p:cSld>
   <p:clrMap bg1="lt1" tx1="dk1" bg2="lt2" tx2="dk2" accent1="accent1" accent2="accent2" accent3="accent3" accent4="accent4" accent5="accent5" accent6="accent6" hlink="hlink" folHlink="folHlink"/>
   <p:hf hdr="0" ftr="0"/>
@@ -409,7 +394,6 @@
             <a:pPr rtl="0"/>
             <a:fld id="{A68A2903-BD5A-4833-B0CA-AB5B8165171B}" type="datetime1">
               <a:rPr lang="ru-RU" smtClean="0"/>
-              <a:t>13.04.2022</a:t>
             </a:fld>
             <a:endParaRPr lang="en-US"/>
           </a:p>
@@ -474,7 +458,7 @@
           <a:p>
             <a:pPr lvl="0" rtl="0"/>
             <a:r>
-              <a:rPr lang="ru"/>
+              <a:rPr lang="en-US"/>
               <a:t>Щелкните, чтобы изменить стили текста образца слайда</a:t>
             </a:r>
             <a:endParaRPr lang="en-US"/>
@@ -482,28 +466,31 @@
           <a:p>
             <a:pPr lvl="1" rtl="0"/>
             <a:r>
-              <a:rPr lang="ru"/>
+              <a:rPr lang="en-US"/>
               <a:t>Второй уровень</a:t>
             </a:r>
+            <a:endParaRPr lang="en-US"/>
           </a:p>
           <a:p>
             <a:pPr lvl="2" rtl="0"/>
             <a:r>
-              <a:rPr lang="ru"/>
+              <a:rPr lang="en-US"/>
               <a:t>Третий уровень</a:t>
             </a:r>
+            <a:endParaRPr lang="en-US"/>
           </a:p>
           <a:p>
             <a:pPr lvl="3" rtl="0"/>
             <a:r>
-              <a:rPr lang="ru"/>
+              <a:rPr lang="en-US"/>
               <a:t>Четвертый уровень</a:t>
             </a:r>
+            <a:endParaRPr lang="en-US"/>
           </a:p>
           <a:p>
             <a:pPr lvl="4" rtl="0"/>
             <a:r>
-              <a:rPr lang="ru"/>
+              <a:rPr lang="en-US"/>
               <a:t>Пятый уровень</a:t>
             </a:r>
             <a:endParaRPr lang="en-US"/>
@@ -572,18 +559,12 @@
             <a:pPr rtl="0"/>
             <a:fld id="{9C2B151B-D7D1-48E5-8230-5AADBC794F88}" type="slidenum">
               <a:rPr lang="en-US" smtClean="0"/>
-              <a:t>‹#›</a:t>
             </a:fld>
             <a:endParaRPr lang="en-US"/>
           </a:p>
         </p:txBody>
       </p:sp>
     </p:spTree>
-    <p:extLst>
-      <p:ext uri="{BB962C8B-B14F-4D97-AF65-F5344CB8AC3E}">
-        <p14:creationId xmlns:p14="http://schemas.microsoft.com/office/powerpoint/2010/main" val="313859278"/>
-      </p:ext>
-    </p:extLst>
   </p:cSld>
   <p:clrMap bg1="lt1" tx1="dk1" bg2="lt2" tx2="dk2" accent1="accent1" accent2="accent2" accent3="accent3" accent4="accent4" accent5="accent5" accent6="accent6" hlink="hlink" folHlink="folHlink"/>
   <p:hf hdr="0" ftr="0"/>
@@ -726,7 +707,7 @@
           <a:bodyPr/>
           <a:lstStyle/>
           <a:p>
-            <a:endParaRPr lang="ru-BY"/>
+            <a:endParaRPr lang="en-US"/>
           </a:p>
         </p:txBody>
       </p:sp>
@@ -748,7 +729,6 @@
             <a:pPr rtl="0"/>
             <a:fld id="{A68A2903-BD5A-4833-B0CA-AB5B8165171B}" type="datetime1">
               <a:rPr lang="ru-RU" smtClean="0"/>
-              <a:t>13.04.2022</a:t>
             </a:fld>
             <a:endParaRPr lang="en-US"/>
           </a:p>
@@ -772,18 +752,12 @@
             <a:pPr rtl="0"/>
             <a:fld id="{9C2B151B-D7D1-48E5-8230-5AADBC794F88}" type="slidenum">
               <a:rPr lang="en-US" smtClean="0"/>
-              <a:t>1</a:t>
             </a:fld>
             <a:endParaRPr lang="en-US"/>
           </a:p>
         </p:txBody>
       </p:sp>
     </p:spTree>
-    <p:extLst>
-      <p:ext uri="{BB962C8B-B14F-4D97-AF65-F5344CB8AC3E}">
-        <p14:creationId xmlns:p14="http://schemas.microsoft.com/office/powerpoint/2010/main" val="510461707"/>
-      </p:ext>
-    </p:extLst>
   </p:cSld>
   <p:clrMapOvr>
     <a:masterClrMapping/>
@@ -835,7 +809,7 @@
           <a:bodyPr/>
           <a:lstStyle/>
           <a:p>
-            <a:endParaRPr lang="ru-BY" dirty="0"/>
+            <a:endParaRPr lang="en-US" dirty="0"/>
           </a:p>
         </p:txBody>
       </p:sp>
@@ -857,7 +831,6 @@
             <a:pPr rtl="0"/>
             <a:fld id="{A68A2903-BD5A-4833-B0CA-AB5B8165171B}" type="datetime1">
               <a:rPr lang="ru-RU" smtClean="0"/>
-              <a:t>13.04.2022</a:t>
             </a:fld>
             <a:endParaRPr lang="en-US"/>
           </a:p>
@@ -881,18 +854,12 @@
             <a:pPr rtl="0"/>
             <a:fld id="{9C2B151B-D7D1-48E5-8230-5AADBC794F88}" type="slidenum">
               <a:rPr lang="en-US" smtClean="0"/>
-              <a:t>21</a:t>
             </a:fld>
             <a:endParaRPr lang="en-US"/>
           </a:p>
         </p:txBody>
       </p:sp>
     </p:spTree>
-    <p:extLst>
-      <p:ext uri="{BB962C8B-B14F-4D97-AF65-F5344CB8AC3E}">
-        <p14:creationId xmlns:p14="http://schemas.microsoft.com/office/powerpoint/2010/main" val="4151981186"/>
-      </p:ext>
-    </p:extLst>
   </p:cSld>
   <p:clrMapOvr>
     <a:masterClrMapping/>
@@ -944,7 +911,7 @@
           <a:bodyPr/>
           <a:lstStyle/>
           <a:p>
-            <a:endParaRPr lang="ru-BY" dirty="0"/>
+            <a:endParaRPr lang="en-US" dirty="0"/>
           </a:p>
         </p:txBody>
       </p:sp>
@@ -966,7 +933,6 @@
             <a:pPr rtl="0"/>
             <a:fld id="{A68A2903-BD5A-4833-B0CA-AB5B8165171B}" type="datetime1">
               <a:rPr lang="ru-RU" smtClean="0"/>
-              <a:t>13.04.2022</a:t>
             </a:fld>
             <a:endParaRPr lang="en-US"/>
           </a:p>
@@ -990,18 +956,12 @@
             <a:pPr rtl="0"/>
             <a:fld id="{9C2B151B-D7D1-48E5-8230-5AADBC794F88}" type="slidenum">
               <a:rPr lang="en-US" smtClean="0"/>
-              <a:t>22</a:t>
             </a:fld>
             <a:endParaRPr lang="en-US"/>
           </a:p>
         </p:txBody>
       </p:sp>
     </p:spTree>
-    <p:extLst>
-      <p:ext uri="{BB962C8B-B14F-4D97-AF65-F5344CB8AC3E}">
-        <p14:creationId xmlns:p14="http://schemas.microsoft.com/office/powerpoint/2010/main" val="3207960273"/>
-      </p:ext>
-    </p:extLst>
   </p:cSld>
   <p:clrMapOvr>
     <a:masterClrMapping/>
@@ -1053,7 +1013,7 @@
           <a:bodyPr/>
           <a:lstStyle/>
           <a:p>
-            <a:endParaRPr lang="ru-BY" dirty="0"/>
+            <a:endParaRPr lang="en-US" dirty="0"/>
           </a:p>
         </p:txBody>
       </p:sp>
@@ -1075,7 +1035,6 @@
             <a:pPr rtl="0"/>
             <a:fld id="{A68A2903-BD5A-4833-B0CA-AB5B8165171B}" type="datetime1">
               <a:rPr lang="ru-RU" smtClean="0"/>
-              <a:t>13.04.2022</a:t>
             </a:fld>
             <a:endParaRPr lang="en-US"/>
           </a:p>
@@ -1099,18 +1058,12 @@
             <a:pPr rtl="0"/>
             <a:fld id="{9C2B151B-D7D1-48E5-8230-5AADBC794F88}" type="slidenum">
               <a:rPr lang="en-US" smtClean="0"/>
-              <a:t>23</a:t>
             </a:fld>
             <a:endParaRPr lang="en-US"/>
           </a:p>
         </p:txBody>
       </p:sp>
     </p:spTree>
-    <p:extLst>
-      <p:ext uri="{BB962C8B-B14F-4D97-AF65-F5344CB8AC3E}">
-        <p14:creationId xmlns:p14="http://schemas.microsoft.com/office/powerpoint/2010/main" val="726154750"/>
-      </p:ext>
-    </p:extLst>
   </p:cSld>
   <p:clrMapOvr>
     <a:masterClrMapping/>
@@ -1119,7 +1072,7 @@
 </file>
 
 <file path=ppt/slideLayouts/slideLayout1.xml><?xml version="1.0" encoding="utf-8"?>
-<p:sldLayout xmlns:a="http://schemas.openxmlformats.org/drawingml/2006/main" xmlns:r="http://schemas.openxmlformats.org/officeDocument/2006/relationships" xmlns:p="http://schemas.openxmlformats.org/presentationml/2006/main" showMasterSp="0" type="title" preserve="1">
+<p:sldLayout xmlns:a="http://schemas.openxmlformats.org/drawingml/2006/main" xmlns:r="http://schemas.openxmlformats.org/officeDocument/2006/relationships" xmlns:p="http://schemas.openxmlformats.org/presentationml/2006/main" type="title" preserve="1" showMasterSp="0">
   <p:cSld name="Титульный слайд">
     <p:spTree>
       <p:nvGrpSpPr>
@@ -1137,13 +1090,7 @@
       </p:grpSpPr>
       <p:sp>
         <p:nvSpPr>
-          <p:cNvPr id="10" name="Прямоугольник 9">
-            <a:extLst>
-              <a:ext uri="{FF2B5EF4-FFF2-40B4-BE49-F238E27FC236}">
-                <a16:creationId xmlns:a16="http://schemas.microsoft.com/office/drawing/2014/main" id="{39E3965E-AC41-4711-9D10-E25ABB132D86}"/>
-              </a:ext>
-            </a:extLst>
-          </p:cNvPr>
+          <p:cNvPr id="10" name="Прямоугольник 9"/>
           <p:cNvSpPr/>
           <p:nvPr/>
         </p:nvSpPr>
@@ -1300,13 +1247,7 @@
       </p:sp>
       <p:cxnSp>
         <p:nvCxnSpPr>
-          <p:cNvPr id="9" name="Прямая соединительная линия 8">
-            <a:extLst>
-              <a:ext uri="{FF2B5EF4-FFF2-40B4-BE49-F238E27FC236}">
-                <a16:creationId xmlns:a16="http://schemas.microsoft.com/office/drawing/2014/main" id="{1F5DC8C3-BA5F-4EED-BB9A-A14272BD82A1}"/>
-              </a:ext>
-            </a:extLst>
-          </p:cNvPr>
+          <p:cNvPr id="9" name="Прямая соединительная линия 8"/>
           <p:cNvCxnSpPr/>
           <p:nvPr/>
         </p:nvCxnSpPr>
@@ -1344,13 +1285,7 @@
       </p:cxnSp>
       <p:sp>
         <p:nvSpPr>
-          <p:cNvPr id="4" name="Дата 3">
-            <a:extLst>
-              <a:ext uri="{FF2B5EF4-FFF2-40B4-BE49-F238E27FC236}">
-                <a16:creationId xmlns:a16="http://schemas.microsoft.com/office/drawing/2014/main" id="{9925CCF1-92C0-4AF3-BFAF-4921631915AB}"/>
-              </a:ext>
-            </a:extLst>
-          </p:cNvPr>
+          <p:cNvPr id="4" name="Дата 3"/>
           <p:cNvSpPr>
             <a:spLocks noGrp="1"/>
           </p:cNvSpPr>
@@ -1366,7 +1301,6 @@
             <a:pPr rtl="0"/>
             <a:fld id="{8D4DAEB3-2211-4CA3-9D23-0143FCF3926F}" type="datetime1">
               <a:rPr lang="ru-RU" smtClean="0"/>
-              <a:t>13.04.2022</a:t>
             </a:fld>
             <a:endParaRPr lang="en-US" dirty="0"/>
           </a:p>
@@ -1374,13 +1308,7 @@
       </p:sp>
       <p:sp>
         <p:nvSpPr>
-          <p:cNvPr id="5" name="Нижний колонтитул 4">
-            <a:extLst>
-              <a:ext uri="{FF2B5EF4-FFF2-40B4-BE49-F238E27FC236}">
-                <a16:creationId xmlns:a16="http://schemas.microsoft.com/office/drawing/2014/main" id="{051A78A9-3DFF-4937-A9F2-5D8CF495F367}"/>
-              </a:ext>
-            </a:extLst>
-          </p:cNvPr>
+          <p:cNvPr id="5" name="Нижний колонтитул 4"/>
           <p:cNvSpPr>
             <a:spLocks noGrp="1"/>
           </p:cNvSpPr>
@@ -1400,13 +1328,7 @@
       </p:sp>
       <p:sp>
         <p:nvSpPr>
-          <p:cNvPr id="6" name="Номер слайда 5">
-            <a:extLst>
-              <a:ext uri="{FF2B5EF4-FFF2-40B4-BE49-F238E27FC236}">
-                <a16:creationId xmlns:a16="http://schemas.microsoft.com/office/drawing/2014/main" id="{5FAEB271-5CC0-4759-BC6E-8BE53AB227C0}"/>
-              </a:ext>
-            </a:extLst>
-          </p:cNvPr>
+          <p:cNvPr id="6" name="Номер слайда 5"/>
           <p:cNvSpPr>
             <a:spLocks noGrp="1"/>
           </p:cNvSpPr>
@@ -1422,18 +1344,12 @@
             <a:pPr rtl="0"/>
             <a:fld id="{3A98EE3D-8CD1-4C3F-BD1C-C98C9596463C}" type="slidenum">
               <a:rPr lang="en-US" smtClean="0"/>
-              <a:t>‹#›</a:t>
             </a:fld>
             <a:endParaRPr lang="en-US" dirty="0"/>
           </a:p>
         </p:txBody>
       </p:sp>
     </p:spTree>
-    <p:extLst>
-      <p:ext uri="{BB962C8B-B14F-4D97-AF65-F5344CB8AC3E}">
-        <p14:creationId xmlns:p14="http://schemas.microsoft.com/office/powerpoint/2010/main" val="4258331492"/>
-      </p:ext>
-    </p:extLst>
   </p:cSld>
   <p:clrMapOvr>
     <a:masterClrMapping/>
@@ -1502,6 +1418,7 @@
               <a:rPr lang="ru-RU"/>
               <a:t>Образец текста</a:t>
             </a:r>
+            <a:endParaRPr lang="ru-RU"/>
           </a:p>
           <a:p>
             <a:pPr lvl="1" rtl="0"/>
@@ -1509,6 +1426,7 @@
               <a:rPr lang="ru-RU"/>
               <a:t>Второй уровень</a:t>
             </a:r>
+            <a:endParaRPr lang="ru-RU"/>
           </a:p>
           <a:p>
             <a:pPr lvl="2" rtl="0"/>
@@ -1516,6 +1434,7 @@
               <a:rPr lang="ru-RU"/>
               <a:t>Третий уровень</a:t>
             </a:r>
+            <a:endParaRPr lang="ru-RU"/>
           </a:p>
           <a:p>
             <a:pPr lvl="3" rtl="0"/>
@@ -1523,6 +1442,7 @@
               <a:rPr lang="ru-RU"/>
               <a:t>Четвертый уровень</a:t>
             </a:r>
+            <a:endParaRPr lang="ru-RU"/>
           </a:p>
           <a:p>
             <a:pPr lvl="4" rtl="0"/>
@@ -1536,13 +1456,7 @@
       </p:sp>
       <p:sp>
         <p:nvSpPr>
-          <p:cNvPr id="7" name="Дата 6">
-            <a:extLst>
-              <a:ext uri="{FF2B5EF4-FFF2-40B4-BE49-F238E27FC236}">
-                <a16:creationId xmlns:a16="http://schemas.microsoft.com/office/drawing/2014/main" id="{7D5506EE-1026-4F35-9ACC-BD05BE0F9B36}"/>
-              </a:ext>
-            </a:extLst>
-          </p:cNvPr>
+          <p:cNvPr id="7" name="Дата 6"/>
           <p:cNvSpPr>
             <a:spLocks noGrp="1"/>
           </p:cNvSpPr>
@@ -1558,7 +1472,6 @@
             <a:pPr rtl="0"/>
             <a:fld id="{A82E9B35-0826-45CC-9C2C-707B22DFAA83}" type="datetime1">
               <a:rPr lang="ru-RU" smtClean="0"/>
-              <a:t>13.04.2022</a:t>
             </a:fld>
             <a:endParaRPr lang="en-US" dirty="0"/>
           </a:p>
@@ -1566,13 +1479,7 @@
       </p:sp>
       <p:sp>
         <p:nvSpPr>
-          <p:cNvPr id="8" name="Нижний колонтитул 7">
-            <a:extLst>
-              <a:ext uri="{FF2B5EF4-FFF2-40B4-BE49-F238E27FC236}">
-                <a16:creationId xmlns:a16="http://schemas.microsoft.com/office/drawing/2014/main" id="{B7696E5F-8D95-4450-AE52-5438E6EDE2BF}"/>
-              </a:ext>
-            </a:extLst>
-          </p:cNvPr>
+          <p:cNvPr id="8" name="Нижний колонтитул 7"/>
           <p:cNvSpPr>
             <a:spLocks noGrp="1"/>
           </p:cNvSpPr>
@@ -1592,13 +1499,7 @@
       </p:sp>
       <p:sp>
         <p:nvSpPr>
-          <p:cNvPr id="9" name="Номер слайда 8">
-            <a:extLst>
-              <a:ext uri="{FF2B5EF4-FFF2-40B4-BE49-F238E27FC236}">
-                <a16:creationId xmlns:a16="http://schemas.microsoft.com/office/drawing/2014/main" id="{999B2253-74CC-409E-BEB0-F8EFCFCB5629}"/>
-              </a:ext>
-            </a:extLst>
-          </p:cNvPr>
+          <p:cNvPr id="9" name="Номер слайда 8"/>
           <p:cNvSpPr>
             <a:spLocks noGrp="1"/>
           </p:cNvSpPr>
@@ -1614,18 +1515,12 @@
             <a:pPr rtl="0"/>
             <a:fld id="{3A98EE3D-8CD1-4C3F-BD1C-C98C9596463C}" type="slidenum">
               <a:rPr lang="en-US" smtClean="0"/>
-              <a:t>‹#›</a:t>
             </a:fld>
             <a:endParaRPr lang="en-US" dirty="0"/>
           </a:p>
         </p:txBody>
       </p:sp>
     </p:spTree>
-    <p:extLst>
-      <p:ext uri="{BB962C8B-B14F-4D97-AF65-F5344CB8AC3E}">
-        <p14:creationId xmlns:p14="http://schemas.microsoft.com/office/powerpoint/2010/main" val="1672269861"/>
-      </p:ext>
-    </p:extLst>
   </p:cSld>
   <p:clrMapOvr>
     <a:masterClrMapping/>
@@ -1634,7 +1529,7 @@
 </file>
 
 <file path=ppt/slideLayouts/slideLayout11.xml><?xml version="1.0" encoding="utf-8"?>
-<p:sldLayout xmlns:a="http://schemas.openxmlformats.org/drawingml/2006/main" xmlns:r="http://schemas.openxmlformats.org/officeDocument/2006/relationships" xmlns:p="http://schemas.openxmlformats.org/presentationml/2006/main" showMasterSp="0" type="vertTitleAndTx" preserve="1">
+<p:sldLayout xmlns:a="http://schemas.openxmlformats.org/drawingml/2006/main" xmlns:r="http://schemas.openxmlformats.org/officeDocument/2006/relationships" xmlns:p="http://schemas.openxmlformats.org/presentationml/2006/main" type="vertTitleAndTx" preserve="1" showMasterSp="0">
   <p:cSld name="Вертикальный заголовок и текст">
     <p:spTree>
       <p:nvGrpSpPr>
@@ -1652,13 +1547,7 @@
       </p:grpSpPr>
       <p:sp>
         <p:nvSpPr>
-          <p:cNvPr id="9" name="Прямоугольник 8">
-            <a:extLst>
-              <a:ext uri="{FF2B5EF4-FFF2-40B4-BE49-F238E27FC236}">
-                <a16:creationId xmlns:a16="http://schemas.microsoft.com/office/drawing/2014/main" id="{E1B68A5B-D9FA-424B-A4EB-30E7223836B3}"/>
-              </a:ext>
-            </a:extLst>
-          </p:cNvPr>
+          <p:cNvPr id="9" name="Прямоугольник 8"/>
           <p:cNvSpPr/>
           <p:nvPr/>
         </p:nvSpPr>
@@ -1748,6 +1637,7 @@
               <a:rPr lang="ru-RU"/>
               <a:t>Образец текста</a:t>
             </a:r>
+            <a:endParaRPr lang="ru-RU"/>
           </a:p>
           <a:p>
             <a:pPr lvl="1" rtl="0"/>
@@ -1755,6 +1645,7 @@
               <a:rPr lang="ru-RU"/>
               <a:t>Второй уровень</a:t>
             </a:r>
+            <a:endParaRPr lang="ru-RU"/>
           </a:p>
           <a:p>
             <a:pPr lvl="2" rtl="0"/>
@@ -1762,6 +1653,7 @@
               <a:rPr lang="ru-RU"/>
               <a:t>Третий уровень</a:t>
             </a:r>
+            <a:endParaRPr lang="ru-RU"/>
           </a:p>
           <a:p>
             <a:pPr lvl="3" rtl="0"/>
@@ -1769,6 +1661,7 @@
               <a:rPr lang="ru-RU"/>
               <a:t>Четвертый уровень</a:t>
             </a:r>
+            <a:endParaRPr lang="ru-RU"/>
           </a:p>
           <a:p>
             <a:pPr lvl="4" rtl="0"/>
@@ -1782,13 +1675,7 @@
       </p:sp>
       <p:sp>
         <p:nvSpPr>
-          <p:cNvPr id="7" name="Дата 6">
-            <a:extLst>
-              <a:ext uri="{FF2B5EF4-FFF2-40B4-BE49-F238E27FC236}">
-                <a16:creationId xmlns:a16="http://schemas.microsoft.com/office/drawing/2014/main" id="{AF33D6B0-F070-45C4-A472-19F432BE3932}"/>
-              </a:ext>
-            </a:extLst>
-          </p:cNvPr>
+          <p:cNvPr id="7" name="Дата 6"/>
           <p:cNvSpPr>
             <a:spLocks noGrp="1"/>
           </p:cNvSpPr>
@@ -1804,7 +1691,6 @@
             <a:pPr rtl="0"/>
             <a:fld id="{74C0063D-EDF2-4190-A726-B9B651F864E7}" type="datetime1">
               <a:rPr lang="ru-RU" smtClean="0"/>
-              <a:t>13.04.2022</a:t>
             </a:fld>
             <a:endParaRPr lang="en-US" dirty="0"/>
           </a:p>
@@ -1812,13 +1698,7 @@
       </p:sp>
       <p:sp>
         <p:nvSpPr>
-          <p:cNvPr id="8" name="Нижний колонтитул 7">
-            <a:extLst>
-              <a:ext uri="{FF2B5EF4-FFF2-40B4-BE49-F238E27FC236}">
-                <a16:creationId xmlns:a16="http://schemas.microsoft.com/office/drawing/2014/main" id="{9975399F-DAB2-410D-967F-ED17E6F796E7}"/>
-              </a:ext>
-            </a:extLst>
-          </p:cNvPr>
+          <p:cNvPr id="8" name="Нижний колонтитул 7"/>
           <p:cNvSpPr>
             <a:spLocks noGrp="1"/>
           </p:cNvSpPr>
@@ -1838,13 +1718,7 @@
       </p:sp>
       <p:sp>
         <p:nvSpPr>
-          <p:cNvPr id="10" name="Номер слайда 9">
-            <a:extLst>
-              <a:ext uri="{FF2B5EF4-FFF2-40B4-BE49-F238E27FC236}">
-                <a16:creationId xmlns:a16="http://schemas.microsoft.com/office/drawing/2014/main" id="{F762A46F-6BE5-4D12-9412-5CA7672EA8EC}"/>
-              </a:ext>
-            </a:extLst>
-          </p:cNvPr>
+          <p:cNvPr id="10" name="Номер слайда 9"/>
           <p:cNvSpPr>
             <a:spLocks noGrp="1"/>
           </p:cNvSpPr>
@@ -1860,18 +1734,12 @@
             <a:pPr rtl="0"/>
             <a:fld id="{3A98EE3D-8CD1-4C3F-BD1C-C98C9596463C}" type="slidenum">
               <a:rPr lang="en-US" smtClean="0"/>
-              <a:t>‹#›</a:t>
             </a:fld>
             <a:endParaRPr lang="en-US" dirty="0"/>
           </a:p>
         </p:txBody>
       </p:sp>
     </p:spTree>
-    <p:extLst>
-      <p:ext uri="{BB962C8B-B14F-4D97-AF65-F5344CB8AC3E}">
-        <p14:creationId xmlns:p14="http://schemas.microsoft.com/office/powerpoint/2010/main" val="761827292"/>
-      </p:ext>
-    </p:extLst>
   </p:cSld>
   <p:clrMapOvr>
     <a:masterClrMapping/>
@@ -1940,6 +1808,7 @@
               <a:rPr lang="ru-RU"/>
               <a:t>Образец текста</a:t>
             </a:r>
+            <a:endParaRPr lang="ru-RU"/>
           </a:p>
           <a:p>
             <a:pPr lvl="1" rtl="0"/>
@@ -1947,6 +1816,7 @@
               <a:rPr lang="ru-RU"/>
               <a:t>Второй уровень</a:t>
             </a:r>
+            <a:endParaRPr lang="ru-RU"/>
           </a:p>
           <a:p>
             <a:pPr lvl="2" rtl="0"/>
@@ -1954,6 +1824,7 @@
               <a:rPr lang="ru-RU"/>
               <a:t>Третий уровень</a:t>
             </a:r>
+            <a:endParaRPr lang="ru-RU"/>
           </a:p>
           <a:p>
             <a:pPr lvl="3" rtl="0"/>
@@ -1961,6 +1832,7 @@
               <a:rPr lang="ru-RU"/>
               <a:t>Четвертый уровень</a:t>
             </a:r>
+            <a:endParaRPr lang="ru-RU"/>
           </a:p>
           <a:p>
             <a:pPr lvl="4" rtl="0"/>
@@ -1974,13 +1846,7 @@
       </p:sp>
       <p:sp>
         <p:nvSpPr>
-          <p:cNvPr id="7" name="Дата 6">
-            <a:extLst>
-              <a:ext uri="{FF2B5EF4-FFF2-40B4-BE49-F238E27FC236}">
-                <a16:creationId xmlns:a16="http://schemas.microsoft.com/office/drawing/2014/main" id="{354D8B55-9EA8-4B81-8E84-9B93B0A27559}"/>
-              </a:ext>
-            </a:extLst>
-          </p:cNvPr>
+          <p:cNvPr id="7" name="Дата 6"/>
           <p:cNvSpPr>
             <a:spLocks noGrp="1"/>
           </p:cNvSpPr>
@@ -1996,7 +1862,6 @@
             <a:pPr rtl="0"/>
             <a:fld id="{BE289488-0C23-4DC8-A9FA-240659547385}" type="datetime1">
               <a:rPr lang="ru-RU" smtClean="0"/>
-              <a:t>13.04.2022</a:t>
             </a:fld>
             <a:endParaRPr lang="en-US" dirty="0"/>
           </a:p>
@@ -2004,13 +1869,7 @@
       </p:sp>
       <p:sp>
         <p:nvSpPr>
-          <p:cNvPr id="8" name="Нижний колонтитул 7">
-            <a:extLst>
-              <a:ext uri="{FF2B5EF4-FFF2-40B4-BE49-F238E27FC236}">
-                <a16:creationId xmlns:a16="http://schemas.microsoft.com/office/drawing/2014/main" id="{062CA021-2578-47CB-822C-BDDFF7223B28}"/>
-              </a:ext>
-            </a:extLst>
-          </p:cNvPr>
+          <p:cNvPr id="8" name="Нижний колонтитул 7"/>
           <p:cNvSpPr>
             <a:spLocks noGrp="1"/>
           </p:cNvSpPr>
@@ -2030,13 +1889,7 @@
       </p:sp>
       <p:sp>
         <p:nvSpPr>
-          <p:cNvPr id="9" name="Номер слайда 8">
-            <a:extLst>
-              <a:ext uri="{FF2B5EF4-FFF2-40B4-BE49-F238E27FC236}">
-                <a16:creationId xmlns:a16="http://schemas.microsoft.com/office/drawing/2014/main" id="{C4AAB51D-4141-4682-9375-DAFD5FB9DD10}"/>
-              </a:ext>
-            </a:extLst>
-          </p:cNvPr>
+          <p:cNvPr id="9" name="Номер слайда 8"/>
           <p:cNvSpPr>
             <a:spLocks noGrp="1"/>
           </p:cNvSpPr>
@@ -2052,18 +1905,12 @@
             <a:pPr rtl="0"/>
             <a:fld id="{3A98EE3D-8CD1-4C3F-BD1C-C98C9596463C}" type="slidenum">
               <a:rPr lang="en-US" smtClean="0"/>
-              <a:t>‹#›</a:t>
             </a:fld>
             <a:endParaRPr lang="en-US" dirty="0"/>
           </a:p>
         </p:txBody>
       </p:sp>
     </p:spTree>
-    <p:extLst>
-      <p:ext uri="{BB962C8B-B14F-4D97-AF65-F5344CB8AC3E}">
-        <p14:creationId xmlns:p14="http://schemas.microsoft.com/office/powerpoint/2010/main" val="892670607"/>
-      </p:ext>
-    </p:extLst>
   </p:cSld>
   <p:clrMapOvr>
     <a:masterClrMapping/>
@@ -2072,7 +1919,7 @@
 </file>
 
 <file path=ppt/slideLayouts/slideLayout3.xml><?xml version="1.0" encoding="utf-8"?>
-<p:sldLayout xmlns:a="http://schemas.openxmlformats.org/drawingml/2006/main" xmlns:r="http://schemas.openxmlformats.org/officeDocument/2006/relationships" xmlns:p="http://schemas.openxmlformats.org/presentationml/2006/main" showMasterSp="0" type="secHead" preserve="1">
+<p:sldLayout xmlns:a="http://schemas.openxmlformats.org/drawingml/2006/main" xmlns:r="http://schemas.openxmlformats.org/officeDocument/2006/relationships" xmlns:p="http://schemas.openxmlformats.org/presentationml/2006/main" type="secHead" preserve="1" showMasterSp="0">
   <p:cSld name="Заголовок раздела">
     <p:bg>
       <p:bgPr>
@@ -2098,13 +1945,7 @@
       </p:grpSpPr>
       <p:sp>
         <p:nvSpPr>
-          <p:cNvPr id="10" name="Прямоугольник 9">
-            <a:extLst>
-              <a:ext uri="{FF2B5EF4-FFF2-40B4-BE49-F238E27FC236}">
-                <a16:creationId xmlns:a16="http://schemas.microsoft.com/office/drawing/2014/main" id="{A585C21A-8B93-4657-B5DF-7EAEAD3BE127}"/>
-              </a:ext>
-            </a:extLst>
-          </p:cNvPr>
+          <p:cNvPr id="10" name="Прямоугольник 9"/>
           <p:cNvSpPr/>
           <p:nvPr/>
         </p:nvSpPr>
@@ -2303,18 +2144,13 @@
               <a:rPr lang="ru-RU"/>
               <a:t>Образец текста</a:t>
             </a:r>
+            <a:endParaRPr lang="ru-RU"/>
           </a:p>
         </p:txBody>
       </p:sp>
       <p:cxnSp>
         <p:nvCxnSpPr>
-          <p:cNvPr id="9" name="Прямая соединительная линия 8">
-            <a:extLst>
-              <a:ext uri="{FF2B5EF4-FFF2-40B4-BE49-F238E27FC236}">
-                <a16:creationId xmlns:a16="http://schemas.microsoft.com/office/drawing/2014/main" id="{459DE2C1-4C52-40A3-8959-27B2C1BEBFF6}"/>
-              </a:ext>
-            </a:extLst>
-          </p:cNvPr>
+          <p:cNvPr id="9" name="Прямая соединительная линия 8"/>
           <p:cNvCxnSpPr/>
           <p:nvPr/>
         </p:nvCxnSpPr>
@@ -2352,13 +2188,7 @@
       </p:cxnSp>
       <p:sp>
         <p:nvSpPr>
-          <p:cNvPr id="7" name="Дата 6">
-            <a:extLst>
-              <a:ext uri="{FF2B5EF4-FFF2-40B4-BE49-F238E27FC236}">
-                <a16:creationId xmlns:a16="http://schemas.microsoft.com/office/drawing/2014/main" id="{AAF2E137-EC28-48F8-9198-1F02539029B6}"/>
-              </a:ext>
-            </a:extLst>
-          </p:cNvPr>
+          <p:cNvPr id="7" name="Дата 6"/>
           <p:cNvSpPr>
             <a:spLocks noGrp="1"/>
           </p:cNvSpPr>
@@ -2374,7 +2204,6 @@
             <a:pPr rtl="0"/>
             <a:fld id="{33EFA117-2261-4A1D-8BE7-0B7E6A1366C0}" type="datetime1">
               <a:rPr lang="ru-RU" smtClean="0"/>
-              <a:t>13.04.2022</a:t>
             </a:fld>
             <a:endParaRPr lang="en-US" dirty="0"/>
           </a:p>
@@ -2382,13 +2211,7 @@
       </p:sp>
       <p:sp>
         <p:nvSpPr>
-          <p:cNvPr id="8" name="Нижний колонтитул 7">
-            <a:extLst>
-              <a:ext uri="{FF2B5EF4-FFF2-40B4-BE49-F238E27FC236}">
-                <a16:creationId xmlns:a16="http://schemas.microsoft.com/office/drawing/2014/main" id="{189422CD-6F62-4DD6-89EF-07A60B42D219}"/>
-              </a:ext>
-            </a:extLst>
-          </p:cNvPr>
+          <p:cNvPr id="8" name="Нижний колонтитул 7"/>
           <p:cNvSpPr>
             <a:spLocks noGrp="1"/>
           </p:cNvSpPr>
@@ -2408,13 +2231,7 @@
       </p:sp>
       <p:sp>
         <p:nvSpPr>
-          <p:cNvPr id="11" name="Номер слайда 10">
-            <a:extLst>
-              <a:ext uri="{FF2B5EF4-FFF2-40B4-BE49-F238E27FC236}">
-                <a16:creationId xmlns:a16="http://schemas.microsoft.com/office/drawing/2014/main" id="{69C6AFF8-42B4-4D05-969B-9F5FB3355555}"/>
-              </a:ext>
-            </a:extLst>
-          </p:cNvPr>
+          <p:cNvPr id="11" name="Номер слайда 10"/>
           <p:cNvSpPr>
             <a:spLocks noGrp="1"/>
           </p:cNvSpPr>
@@ -2430,18 +2247,12 @@
             <a:pPr rtl="0"/>
             <a:fld id="{3A98EE3D-8CD1-4C3F-BD1C-C98C9596463C}" type="slidenum">
               <a:rPr lang="en-US" smtClean="0"/>
-              <a:t>‹#›</a:t>
             </a:fld>
             <a:endParaRPr lang="en-US" dirty="0"/>
           </a:p>
         </p:txBody>
       </p:sp>
     </p:spTree>
-    <p:extLst>
-      <p:ext uri="{BB962C8B-B14F-4D97-AF65-F5344CB8AC3E}">
-        <p14:creationId xmlns:p14="http://schemas.microsoft.com/office/powerpoint/2010/main" val="3304162564"/>
-      </p:ext>
-    </p:extLst>
   </p:cSld>
   <p:clrMapOvr>
     <a:masterClrMapping/>
@@ -2520,6 +2331,7 @@
               <a:rPr lang="ru-RU"/>
               <a:t>Образец текста</a:t>
             </a:r>
+            <a:endParaRPr lang="ru-RU"/>
           </a:p>
           <a:p>
             <a:pPr lvl="1" rtl="0"/>
@@ -2527,6 +2339,7 @@
               <a:rPr lang="ru-RU"/>
               <a:t>Второй уровень</a:t>
             </a:r>
+            <a:endParaRPr lang="ru-RU"/>
           </a:p>
           <a:p>
             <a:pPr lvl="2" rtl="0"/>
@@ -2534,6 +2347,7 @@
               <a:rPr lang="ru-RU"/>
               <a:t>Третий уровень</a:t>
             </a:r>
+            <a:endParaRPr lang="ru-RU"/>
           </a:p>
           <a:p>
             <a:pPr lvl="3" rtl="0"/>
@@ -2541,6 +2355,7 @@
               <a:rPr lang="ru-RU"/>
               <a:t>Четвертый уровень</a:t>
             </a:r>
+            <a:endParaRPr lang="ru-RU"/>
           </a:p>
           <a:p>
             <a:pPr lvl="4" rtl="0"/>
@@ -2577,6 +2392,7 @@
               <a:rPr lang="ru-RU"/>
               <a:t>Образец текста</a:t>
             </a:r>
+            <a:endParaRPr lang="ru-RU"/>
           </a:p>
           <a:p>
             <a:pPr lvl="1" rtl="0"/>
@@ -2584,6 +2400,7 @@
               <a:rPr lang="ru-RU"/>
               <a:t>Второй уровень</a:t>
             </a:r>
+            <a:endParaRPr lang="ru-RU"/>
           </a:p>
           <a:p>
             <a:pPr lvl="2" rtl="0"/>
@@ -2591,6 +2408,7 @@
               <a:rPr lang="ru-RU"/>
               <a:t>Третий уровень</a:t>
             </a:r>
+            <a:endParaRPr lang="ru-RU"/>
           </a:p>
           <a:p>
             <a:pPr lvl="3" rtl="0"/>
@@ -2598,6 +2416,7 @@
               <a:rPr lang="ru-RU"/>
               <a:t>Четвертый уровень</a:t>
             </a:r>
+            <a:endParaRPr lang="ru-RU"/>
           </a:p>
           <a:p>
             <a:pPr lvl="4" rtl="0"/>
@@ -2611,13 +2430,7 @@
       </p:sp>
       <p:sp>
         <p:nvSpPr>
-          <p:cNvPr id="2" name="Дата 1">
-            <a:extLst>
-              <a:ext uri="{FF2B5EF4-FFF2-40B4-BE49-F238E27FC236}">
-                <a16:creationId xmlns:a16="http://schemas.microsoft.com/office/drawing/2014/main" id="{5782D47D-B0DC-4C40-BCC6-BBBA32584A38}"/>
-              </a:ext>
-            </a:extLst>
-          </p:cNvPr>
+          <p:cNvPr id="2" name="Дата 1"/>
           <p:cNvSpPr>
             <a:spLocks noGrp="1"/>
           </p:cNvSpPr>
@@ -2633,7 +2446,6 @@
             <a:pPr rtl="0"/>
             <a:fld id="{659279E9-B6DA-4AB3-A7CE-B748E56BEA69}" type="datetime1">
               <a:rPr lang="ru-RU" smtClean="0"/>
-              <a:t>13.04.2022</a:t>
             </a:fld>
             <a:endParaRPr lang="en-US" dirty="0"/>
           </a:p>
@@ -2641,13 +2453,7 @@
       </p:sp>
       <p:sp>
         <p:nvSpPr>
-          <p:cNvPr id="9" name="Нижний колонтитул 8">
-            <a:extLst>
-              <a:ext uri="{FF2B5EF4-FFF2-40B4-BE49-F238E27FC236}">
-                <a16:creationId xmlns:a16="http://schemas.microsoft.com/office/drawing/2014/main" id="{4690D34E-7EBD-44B2-83CA-4C126A18D7EF}"/>
-              </a:ext>
-            </a:extLst>
-          </p:cNvPr>
+          <p:cNvPr id="9" name="Нижний колонтитул 8"/>
           <p:cNvSpPr>
             <a:spLocks noGrp="1"/>
           </p:cNvSpPr>
@@ -2667,13 +2473,7 @@
       </p:sp>
       <p:sp>
         <p:nvSpPr>
-          <p:cNvPr id="10" name="Номер слайда 9">
-            <a:extLst>
-              <a:ext uri="{FF2B5EF4-FFF2-40B4-BE49-F238E27FC236}">
-                <a16:creationId xmlns:a16="http://schemas.microsoft.com/office/drawing/2014/main" id="{2AC511A1-9BBD-42DE-92FB-2AF44F8E97A9}"/>
-              </a:ext>
-            </a:extLst>
-          </p:cNvPr>
+          <p:cNvPr id="10" name="Номер слайда 9"/>
           <p:cNvSpPr>
             <a:spLocks noGrp="1"/>
           </p:cNvSpPr>
@@ -2689,18 +2489,12 @@
             <a:pPr rtl="0"/>
             <a:fld id="{3A98EE3D-8CD1-4C3F-BD1C-C98C9596463C}" type="slidenum">
               <a:rPr lang="en-US" smtClean="0"/>
-              <a:t>‹#›</a:t>
             </a:fld>
             <a:endParaRPr lang="en-US" dirty="0"/>
           </a:p>
         </p:txBody>
       </p:sp>
     </p:spTree>
-    <p:extLst>
-      <p:ext uri="{BB962C8B-B14F-4D97-AF65-F5344CB8AC3E}">
-        <p14:creationId xmlns:p14="http://schemas.microsoft.com/office/powerpoint/2010/main" val="4256663047"/>
-      </p:ext>
-    </p:extLst>
   </p:cSld>
   <p:clrMapOvr>
     <a:masterClrMapping/>
@@ -2822,6 +2616,7 @@
               <a:rPr lang="ru-RU"/>
               <a:t>Образец текста</a:t>
             </a:r>
+            <a:endParaRPr lang="ru-RU"/>
           </a:p>
         </p:txBody>
       </p:sp>
@@ -2850,6 +2645,7 @@
               <a:rPr lang="ru-RU"/>
               <a:t>Образец текста</a:t>
             </a:r>
+            <a:endParaRPr lang="ru-RU"/>
           </a:p>
           <a:p>
             <a:pPr lvl="1" rtl="0"/>
@@ -2857,6 +2653,7 @@
               <a:rPr lang="ru-RU"/>
               <a:t>Второй уровень</a:t>
             </a:r>
+            <a:endParaRPr lang="ru-RU"/>
           </a:p>
           <a:p>
             <a:pPr lvl="2" rtl="0"/>
@@ -2864,6 +2661,7 @@
               <a:rPr lang="ru-RU"/>
               <a:t>Третий уровень</a:t>
             </a:r>
+            <a:endParaRPr lang="ru-RU"/>
           </a:p>
           <a:p>
             <a:pPr lvl="3" rtl="0"/>
@@ -2871,6 +2669,7 @@
               <a:rPr lang="ru-RU"/>
               <a:t>Четвертый уровень</a:t>
             </a:r>
+            <a:endParaRPr lang="ru-RU"/>
           </a:p>
           <a:p>
             <a:pPr lvl="4" rtl="0"/>
@@ -2950,6 +2749,7 @@
               <a:rPr lang="ru-RU"/>
               <a:t>Образец текста</a:t>
             </a:r>
+            <a:endParaRPr lang="ru-RU"/>
           </a:p>
         </p:txBody>
       </p:sp>
@@ -2978,6 +2778,7 @@
               <a:rPr lang="ru-RU"/>
               <a:t>Образец текста</a:t>
             </a:r>
+            <a:endParaRPr lang="ru-RU"/>
           </a:p>
           <a:p>
             <a:pPr lvl="1" rtl="0"/>
@@ -2985,6 +2786,7 @@
               <a:rPr lang="ru-RU"/>
               <a:t>Второй уровень</a:t>
             </a:r>
+            <a:endParaRPr lang="ru-RU"/>
           </a:p>
           <a:p>
             <a:pPr lvl="2" rtl="0"/>
@@ -2992,6 +2794,7 @@
               <a:rPr lang="ru-RU"/>
               <a:t>Третий уровень</a:t>
             </a:r>
+            <a:endParaRPr lang="ru-RU"/>
           </a:p>
           <a:p>
             <a:pPr lvl="3" rtl="0"/>
@@ -2999,6 +2802,7 @@
               <a:rPr lang="ru-RU"/>
               <a:t>Четвертый уровень</a:t>
             </a:r>
+            <a:endParaRPr lang="ru-RU"/>
           </a:p>
           <a:p>
             <a:pPr lvl="4" rtl="0"/>
@@ -3012,13 +2816,7 @@
       </p:sp>
       <p:sp>
         <p:nvSpPr>
-          <p:cNvPr id="2" name="Дата 1">
-            <a:extLst>
-              <a:ext uri="{FF2B5EF4-FFF2-40B4-BE49-F238E27FC236}">
-                <a16:creationId xmlns:a16="http://schemas.microsoft.com/office/drawing/2014/main" id="{8AF8A515-AA94-45D1-9223-5C2272618D85}"/>
-              </a:ext>
-            </a:extLst>
-          </p:cNvPr>
+          <p:cNvPr id="2" name="Дата 1"/>
           <p:cNvSpPr>
             <a:spLocks noGrp="1"/>
           </p:cNvSpPr>
@@ -3034,7 +2832,6 @@
             <a:pPr rtl="0"/>
             <a:fld id="{17CF7452-61A3-4CDC-ACAB-74E5B4A7EF57}" type="datetime1">
               <a:rPr lang="ru-RU" smtClean="0"/>
-              <a:t>13.04.2022</a:t>
             </a:fld>
             <a:endParaRPr lang="en-US" dirty="0"/>
           </a:p>
@@ -3042,13 +2839,7 @@
       </p:sp>
       <p:sp>
         <p:nvSpPr>
-          <p:cNvPr id="11" name="Нижний колонтитул 10">
-            <a:extLst>
-              <a:ext uri="{FF2B5EF4-FFF2-40B4-BE49-F238E27FC236}">
-                <a16:creationId xmlns:a16="http://schemas.microsoft.com/office/drawing/2014/main" id="{D052F5BC-98E0-4D60-AD67-9547738B7DD4}"/>
-              </a:ext>
-            </a:extLst>
-          </p:cNvPr>
+          <p:cNvPr id="11" name="Нижний колонтитул 10"/>
           <p:cNvSpPr>
             <a:spLocks noGrp="1"/>
           </p:cNvSpPr>
@@ -3068,13 +2859,7 @@
       </p:sp>
       <p:sp>
         <p:nvSpPr>
-          <p:cNvPr id="12" name="Номер слайда 11">
-            <a:extLst>
-              <a:ext uri="{FF2B5EF4-FFF2-40B4-BE49-F238E27FC236}">
-                <a16:creationId xmlns:a16="http://schemas.microsoft.com/office/drawing/2014/main" id="{A38552DC-952E-41EA-AAAF-C2187523C0B0}"/>
-              </a:ext>
-            </a:extLst>
-          </p:cNvPr>
+          <p:cNvPr id="12" name="Номер слайда 11"/>
           <p:cNvSpPr>
             <a:spLocks noGrp="1"/>
           </p:cNvSpPr>
@@ -3090,18 +2875,12 @@
             <a:pPr rtl="0"/>
             <a:fld id="{3A98EE3D-8CD1-4C3F-BD1C-C98C9596463C}" type="slidenum">
               <a:rPr lang="en-US" smtClean="0"/>
-              <a:t>‹#›</a:t>
             </a:fld>
             <a:endParaRPr lang="en-US" dirty="0"/>
           </a:p>
         </p:txBody>
       </p:sp>
     </p:spTree>
-    <p:extLst>
-      <p:ext uri="{BB962C8B-B14F-4D97-AF65-F5344CB8AC3E}">
-        <p14:creationId xmlns:p14="http://schemas.microsoft.com/office/powerpoint/2010/main" val="3068194699"/>
-      </p:ext>
-    </p:extLst>
   </p:cSld>
   <p:clrMapOvr>
     <a:masterClrMapping/>
@@ -3152,13 +2931,7 @@
       </p:sp>
       <p:sp>
         <p:nvSpPr>
-          <p:cNvPr id="6" name="Дата 5">
-            <a:extLst>
-              <a:ext uri="{FF2B5EF4-FFF2-40B4-BE49-F238E27FC236}">
-                <a16:creationId xmlns:a16="http://schemas.microsoft.com/office/drawing/2014/main" id="{7392073F-158F-44A3-8913-917AFFC1BC20}"/>
-              </a:ext>
-            </a:extLst>
-          </p:cNvPr>
+          <p:cNvPr id="6" name="Дата 5"/>
           <p:cNvSpPr>
             <a:spLocks noGrp="1"/>
           </p:cNvSpPr>
@@ -3174,7 +2947,6 @@
             <a:pPr rtl="0"/>
             <a:fld id="{E4D00952-BE77-47A2-BE29-2226E2D6BB12}" type="datetime1">
               <a:rPr lang="ru-RU" smtClean="0"/>
-              <a:t>13.04.2022</a:t>
             </a:fld>
             <a:endParaRPr lang="en-US" dirty="0"/>
           </a:p>
@@ -3182,13 +2954,7 @@
       </p:sp>
       <p:sp>
         <p:nvSpPr>
-          <p:cNvPr id="7" name="Нижний колонтитул 6">
-            <a:extLst>
-              <a:ext uri="{FF2B5EF4-FFF2-40B4-BE49-F238E27FC236}">
-                <a16:creationId xmlns:a16="http://schemas.microsoft.com/office/drawing/2014/main" id="{EED72207-24CA-42B7-A975-2F8E41CBA904}"/>
-              </a:ext>
-            </a:extLst>
-          </p:cNvPr>
+          <p:cNvPr id="7" name="Нижний колонтитул 6"/>
           <p:cNvSpPr>
             <a:spLocks noGrp="1"/>
           </p:cNvSpPr>
@@ -3208,13 +2974,7 @@
       </p:sp>
       <p:sp>
         <p:nvSpPr>
-          <p:cNvPr id="8" name="Номер слайда 7">
-            <a:extLst>
-              <a:ext uri="{FF2B5EF4-FFF2-40B4-BE49-F238E27FC236}">
-                <a16:creationId xmlns:a16="http://schemas.microsoft.com/office/drawing/2014/main" id="{D01080F2-251A-4B88-9A62-16F46D724F83}"/>
-              </a:ext>
-            </a:extLst>
-          </p:cNvPr>
+          <p:cNvPr id="8" name="Номер слайда 7"/>
           <p:cNvSpPr>
             <a:spLocks noGrp="1"/>
           </p:cNvSpPr>
@@ -3230,18 +2990,12 @@
             <a:pPr rtl="0"/>
             <a:fld id="{3A98EE3D-8CD1-4C3F-BD1C-C98C9596463C}" type="slidenum">
               <a:rPr lang="en-US" smtClean="0"/>
-              <a:t>‹#›</a:t>
             </a:fld>
             <a:endParaRPr lang="en-US" dirty="0"/>
           </a:p>
         </p:txBody>
       </p:sp>
     </p:spTree>
-    <p:extLst>
-      <p:ext uri="{BB962C8B-B14F-4D97-AF65-F5344CB8AC3E}">
-        <p14:creationId xmlns:p14="http://schemas.microsoft.com/office/powerpoint/2010/main" val="811860513"/>
-      </p:ext>
-    </p:extLst>
   </p:cSld>
   <p:clrMapOvr>
     <a:masterClrMapping/>
@@ -3250,7 +3004,7 @@
 </file>
 
 <file path=ppt/slideLayouts/slideLayout7.xml><?xml version="1.0" encoding="utf-8"?>
-<p:sldLayout xmlns:a="http://schemas.openxmlformats.org/drawingml/2006/main" xmlns:r="http://schemas.openxmlformats.org/officeDocument/2006/relationships" xmlns:p="http://schemas.openxmlformats.org/presentationml/2006/main" showMasterSp="0" type="blank" preserve="1">
+<p:sldLayout xmlns:a="http://schemas.openxmlformats.org/drawingml/2006/main" xmlns:r="http://schemas.openxmlformats.org/officeDocument/2006/relationships" xmlns:p="http://schemas.openxmlformats.org/presentationml/2006/main" type="blank" preserve="1" showMasterSp="0">
   <p:cSld name="Пустой слайд">
     <p:spTree>
       <p:nvGrpSpPr>
@@ -3268,13 +3022,7 @@
       </p:grpSpPr>
       <p:sp>
         <p:nvSpPr>
-          <p:cNvPr id="10" name="Прямоугольник 9">
-            <a:extLst>
-              <a:ext uri="{FF2B5EF4-FFF2-40B4-BE49-F238E27FC236}">
-                <a16:creationId xmlns:a16="http://schemas.microsoft.com/office/drawing/2014/main" id="{A8E9C91B-7EAD-4562-AB0E-DFB9663AECE3}"/>
-              </a:ext>
-            </a:extLst>
-          </p:cNvPr>
+          <p:cNvPr id="10" name="Прямоугольник 9"/>
           <p:cNvSpPr/>
           <p:nvPr/>
         </p:nvSpPr>
@@ -3312,13 +3060,7 @@
       </p:sp>
       <p:sp>
         <p:nvSpPr>
-          <p:cNvPr id="2" name="Дата 1">
-            <a:extLst>
-              <a:ext uri="{FF2B5EF4-FFF2-40B4-BE49-F238E27FC236}">
-                <a16:creationId xmlns:a16="http://schemas.microsoft.com/office/drawing/2014/main" id="{94E9223F-721F-47BF-9FD5-0F8D12FF0DE1}"/>
-              </a:ext>
-            </a:extLst>
-          </p:cNvPr>
+          <p:cNvPr id="2" name="Дата 1"/>
           <p:cNvSpPr>
             <a:spLocks noGrp="1"/>
           </p:cNvSpPr>
@@ -3334,7 +3076,6 @@
             <a:pPr rtl="0"/>
             <a:fld id="{14D5EF43-AECB-4459-AE90-3AFB54138C76}" type="datetime1">
               <a:rPr lang="ru-RU" smtClean="0"/>
-              <a:t>13.04.2022</a:t>
             </a:fld>
             <a:endParaRPr lang="en-US" dirty="0"/>
           </a:p>
@@ -3342,13 +3083,7 @@
       </p:sp>
       <p:sp>
         <p:nvSpPr>
-          <p:cNvPr id="3" name="Нижний колонтитул 2">
-            <a:extLst>
-              <a:ext uri="{FF2B5EF4-FFF2-40B4-BE49-F238E27FC236}">
-                <a16:creationId xmlns:a16="http://schemas.microsoft.com/office/drawing/2014/main" id="{05915714-6BBA-4593-8591-4E26F7D58D9F}"/>
-              </a:ext>
-            </a:extLst>
-          </p:cNvPr>
+          <p:cNvPr id="3" name="Нижний колонтитул 2"/>
           <p:cNvSpPr>
             <a:spLocks noGrp="1"/>
           </p:cNvSpPr>
@@ -3368,13 +3103,7 @@
       </p:sp>
       <p:sp>
         <p:nvSpPr>
-          <p:cNvPr id="4" name="Номер слайда 3">
-            <a:extLst>
-              <a:ext uri="{FF2B5EF4-FFF2-40B4-BE49-F238E27FC236}">
-                <a16:creationId xmlns:a16="http://schemas.microsoft.com/office/drawing/2014/main" id="{BE06F857-D2E1-44DD-ABDD-EBB739645B67}"/>
-              </a:ext>
-            </a:extLst>
-          </p:cNvPr>
+          <p:cNvPr id="4" name="Номер слайда 3"/>
           <p:cNvSpPr>
             <a:spLocks noGrp="1"/>
           </p:cNvSpPr>
@@ -3390,18 +3119,12 @@
             <a:pPr rtl="0"/>
             <a:fld id="{3A98EE3D-8CD1-4C3F-BD1C-C98C9596463C}" type="slidenum">
               <a:rPr lang="en-US" smtClean="0"/>
-              <a:t>‹#›</a:t>
             </a:fld>
             <a:endParaRPr lang="en-US" dirty="0"/>
           </a:p>
         </p:txBody>
       </p:sp>
     </p:spTree>
-    <p:extLst>
-      <p:ext uri="{BB962C8B-B14F-4D97-AF65-F5344CB8AC3E}">
-        <p14:creationId xmlns:p14="http://schemas.microsoft.com/office/powerpoint/2010/main" val="2001422672"/>
-      </p:ext>
-    </p:extLst>
   </p:cSld>
   <p:clrMapOvr>
     <a:masterClrMapping/>
@@ -3410,7 +3133,7 @@
 </file>
 
 <file path=ppt/slideLayouts/slideLayout8.xml><?xml version="1.0" encoding="utf-8"?>
-<p:sldLayout xmlns:a="http://schemas.openxmlformats.org/drawingml/2006/main" xmlns:r="http://schemas.openxmlformats.org/officeDocument/2006/relationships" xmlns:p="http://schemas.openxmlformats.org/presentationml/2006/main" showMasterSp="0" type="objTx" preserve="1">
+<p:sldLayout xmlns:a="http://schemas.openxmlformats.org/drawingml/2006/main" xmlns:r="http://schemas.openxmlformats.org/officeDocument/2006/relationships" xmlns:p="http://schemas.openxmlformats.org/presentationml/2006/main" type="objTx" preserve="1" showMasterSp="0">
   <p:cSld name="Объект с подписью">
     <p:spTree>
       <p:nvGrpSpPr>
@@ -3428,13 +3151,7 @@
       </p:grpSpPr>
       <p:sp>
         <p:nvSpPr>
-          <p:cNvPr id="8" name="Прямоугольник 7">
-            <a:extLst>
-              <a:ext uri="{FF2B5EF4-FFF2-40B4-BE49-F238E27FC236}">
-                <a16:creationId xmlns:a16="http://schemas.microsoft.com/office/drawing/2014/main" id="{16D90D66-BCB9-4229-A829-628874352AC0}"/>
-              </a:ext>
-            </a:extLst>
-          </p:cNvPr>
+          <p:cNvPr id="8" name="Прямоугольник 7"/>
           <p:cNvSpPr/>
           <p:nvPr/>
         </p:nvSpPr>
@@ -3537,6 +3254,7 @@
               <a:rPr lang="ru-RU"/>
               <a:t>Образец текста</a:t>
             </a:r>
+            <a:endParaRPr lang="ru-RU"/>
           </a:p>
           <a:p>
             <a:pPr lvl="1" rtl="0"/>
@@ -3544,6 +3262,7 @@
               <a:rPr lang="ru-RU"/>
               <a:t>Второй уровень</a:t>
             </a:r>
+            <a:endParaRPr lang="ru-RU"/>
           </a:p>
           <a:p>
             <a:pPr lvl="2" rtl="0"/>
@@ -3551,6 +3270,7 @@
               <a:rPr lang="ru-RU"/>
               <a:t>Третий уровень</a:t>
             </a:r>
+            <a:endParaRPr lang="ru-RU"/>
           </a:p>
           <a:p>
             <a:pPr lvl="3" rtl="0"/>
@@ -3558,6 +3278,7 @@
               <a:rPr lang="ru-RU"/>
               <a:t>Четвертый уровень</a:t>
             </a:r>
+            <a:endParaRPr lang="ru-RU"/>
           </a:p>
           <a:p>
             <a:pPr lvl="4" rtl="0"/>
@@ -3637,6 +3358,7 @@
               <a:rPr lang="ru-RU"/>
               <a:t>Образец текста</a:t>
             </a:r>
+            <a:endParaRPr lang="ru-RU"/>
           </a:p>
         </p:txBody>
       </p:sp>
@@ -3667,7 +3389,6 @@
             <a:pPr rtl="0"/>
             <a:fld id="{FD0FAC8F-653F-479B-B209-9F30C9091843}" type="datetime1">
               <a:rPr lang="ru-RU" smtClean="0"/>
-              <a:t>13.04.2022</a:t>
             </a:fld>
             <a:endParaRPr lang="en-US" dirty="0"/>
           </a:p>
@@ -3732,19 +3453,12 @@
             <a:pPr rtl="0"/>
             <a:fld id="{3A98EE3D-8CD1-4C3F-BD1C-C98C9596463C}" type="slidenum">
               <a:rPr lang="en-US" smtClean="0"/>
-              <a:pPr/>
-              <a:t>‹#›</a:t>
             </a:fld>
             <a:endParaRPr lang="en-US" dirty="0"/>
           </a:p>
         </p:txBody>
       </p:sp>
     </p:spTree>
-    <p:extLst>
-      <p:ext uri="{BB962C8B-B14F-4D97-AF65-F5344CB8AC3E}">
-        <p14:creationId xmlns:p14="http://schemas.microsoft.com/office/powerpoint/2010/main" val="1933282235"/>
-      </p:ext>
-    </p:extLst>
   </p:cSld>
   <p:clrMapOvr>
     <a:masterClrMapping/>
@@ -3753,7 +3467,7 @@
 </file>
 
 <file path=ppt/slideLayouts/slideLayout9.xml><?xml version="1.0" encoding="utf-8"?>
-<p:sldLayout xmlns:a="http://schemas.openxmlformats.org/drawingml/2006/main" xmlns:r="http://schemas.openxmlformats.org/officeDocument/2006/relationships" xmlns:p="http://schemas.openxmlformats.org/presentationml/2006/main" showMasterSp="0" type="picTx" preserve="1">
+<p:sldLayout xmlns:a="http://schemas.openxmlformats.org/drawingml/2006/main" xmlns:r="http://schemas.openxmlformats.org/officeDocument/2006/relationships" xmlns:p="http://schemas.openxmlformats.org/presentationml/2006/main" type="picTx" preserve="1" showMasterSp="0">
   <p:cSld name="Рисунок с подписью">
     <p:spTree>
       <p:nvGrpSpPr>
@@ -3771,13 +3485,7 @@
       </p:grpSpPr>
       <p:sp>
         <p:nvSpPr>
-          <p:cNvPr id="8" name="Прямоугольник 7">
-            <a:extLst>
-              <a:ext uri="{FF2B5EF4-FFF2-40B4-BE49-F238E27FC236}">
-                <a16:creationId xmlns:a16="http://schemas.microsoft.com/office/drawing/2014/main" id="{DA134939-39C0-4522-A125-A13DFDA66490}"/>
-              </a:ext>
-            </a:extLst>
-          </p:cNvPr>
+          <p:cNvPr id="8" name="Прямоугольник 7"/>
           <p:cNvSpPr/>
           <p:nvPr/>
         </p:nvSpPr>
@@ -3997,6 +3705,7 @@
               <a:rPr lang="ru-RU"/>
               <a:t>Образец текста</a:t>
             </a:r>
+            <a:endParaRPr lang="ru-RU"/>
           </a:p>
         </p:txBody>
       </p:sp>
@@ -4022,7 +3731,6 @@
             <a:pPr rtl="0"/>
             <a:fld id="{36FD9FC9-5FD1-4E3B-B719-212F55599717}" type="datetime1">
               <a:rPr lang="ru-RU" smtClean="0"/>
-              <a:t>13.04.2022</a:t>
             </a:fld>
             <a:endParaRPr lang="en-US" dirty="0"/>
           </a:p>
@@ -4071,18 +3779,12 @@
             <a:pPr rtl="0"/>
             <a:fld id="{3A98EE3D-8CD1-4C3F-BD1C-C98C9596463C}" type="slidenum">
               <a:rPr lang="en-US" smtClean="0"/>
-              <a:t>‹#›</a:t>
             </a:fld>
             <a:endParaRPr lang="en-US" dirty="0"/>
           </a:p>
         </p:txBody>
       </p:sp>
     </p:spTree>
-    <p:extLst>
-      <p:ext uri="{BB962C8B-B14F-4D97-AF65-F5344CB8AC3E}">
-        <p14:creationId xmlns:p14="http://schemas.microsoft.com/office/powerpoint/2010/main" val="523267730"/>
-      </p:ext>
-    </p:extLst>
   </p:cSld>
   <p:clrMapOvr>
     <a:masterClrMapping/>
@@ -4114,13 +3816,7 @@
       </p:grpSpPr>
       <p:sp>
         <p:nvSpPr>
-          <p:cNvPr id="7" name="Прямоугольник 6">
-            <a:extLst>
-              <a:ext uri="{FF2B5EF4-FFF2-40B4-BE49-F238E27FC236}">
-                <a16:creationId xmlns:a16="http://schemas.microsoft.com/office/drawing/2014/main" id="{416A0E3C-60E6-4F39-BC55-5F7C224E1F7C}"/>
-              </a:ext>
-            </a:extLst>
-          </p:cNvPr>
+          <p:cNvPr id="7" name="Прямоугольник 6"/>
           <p:cNvSpPr/>
           <p:nvPr/>
         </p:nvSpPr>
@@ -4183,7 +3879,7 @@
           <a:p>
             <a:pPr rtl="0"/>
             <a:r>
-              <a:rPr lang="ru" dirty="0"/>
+              <a:rPr lang="en-US" dirty="0"/>
               <a:t>Стиль образца заголовка</a:t>
             </a:r>
             <a:endParaRPr lang="en-US" dirty="0"/>
@@ -4217,35 +3913,39 @@
           <a:p>
             <a:pPr lvl="0" rtl="0"/>
             <a:r>
-              <a:rPr lang="ru" dirty="0"/>
+              <a:rPr lang="en-US" dirty="0"/>
               <a:t>Щелкните, чтобы изменить стили текста образца слайда</a:t>
             </a:r>
+            <a:endParaRPr lang="en-US" dirty="0"/>
           </a:p>
           <a:p>
             <a:pPr lvl="1" rtl="0"/>
             <a:r>
-              <a:rPr lang="ru" dirty="0"/>
+              <a:rPr lang="en-US" dirty="0"/>
               <a:t>Второй уровень</a:t>
             </a:r>
+            <a:endParaRPr lang="en-US" dirty="0"/>
           </a:p>
           <a:p>
             <a:pPr lvl="2" rtl="0"/>
             <a:r>
-              <a:rPr lang="ru" dirty="0"/>
+              <a:rPr lang="en-US" dirty="0"/>
               <a:t>Третий уровень</a:t>
             </a:r>
+            <a:endParaRPr lang="en-US" dirty="0"/>
           </a:p>
           <a:p>
             <a:pPr lvl="3" rtl="0"/>
             <a:r>
-              <a:rPr lang="ru" dirty="0"/>
+              <a:rPr lang="en-US" dirty="0"/>
               <a:t>Четвертый уровень</a:t>
             </a:r>
+            <a:endParaRPr lang="en-US" dirty="0"/>
           </a:p>
           <a:p>
             <a:pPr lvl="4" rtl="0"/>
             <a:r>
-              <a:rPr lang="ru" dirty="0"/>
+              <a:rPr lang="en-US" dirty="0"/>
               <a:t>Пятый уровень</a:t>
             </a:r>
             <a:endParaRPr lang="en-US" dirty="0"/>
@@ -4287,7 +3987,6 @@
           <a:p>
             <a:fld id="{428A7F57-8526-4A03-89D8-FFB0245E6649}" type="datetime1">
               <a:rPr lang="ru-RU" smtClean="0"/>
-              <a:t>13.04.2022</a:t>
             </a:fld>
             <a:endParaRPr lang="en-US" dirty="0"/>
           </a:p>
@@ -4365,8 +4064,6 @@
           <a:p>
             <a:fld id="{3A98EE3D-8CD1-4C3F-BD1C-C98C9596463C}" type="slidenum">
               <a:rPr lang="en-US" smtClean="0"/>
-              <a:pPr/>
-              <a:t>‹#›</a:t>
             </a:fld>
             <a:endParaRPr lang="en-US" dirty="0"/>
           </a:p>
@@ -4374,13 +4071,7 @@
       </p:sp>
       <p:cxnSp>
         <p:nvCxnSpPr>
-          <p:cNvPr id="10" name="Прямая соединительная линия 9">
-            <a:extLst>
-              <a:ext uri="{FF2B5EF4-FFF2-40B4-BE49-F238E27FC236}">
-                <a16:creationId xmlns:a16="http://schemas.microsoft.com/office/drawing/2014/main" id="{C5025DAC-8B93-4160-B017-3A274A5828C0}"/>
-              </a:ext>
-            </a:extLst>
-          </p:cNvPr>
+          <p:cNvPr id="10" name="Прямая соединительная линия 9"/>
           <p:cNvCxnSpPr/>
           <p:nvPr/>
         </p:nvCxnSpPr>
@@ -4417,25 +4108,20 @@
         </p:style>
       </p:cxnSp>
     </p:spTree>
-    <p:extLst>
-      <p:ext uri="{BB962C8B-B14F-4D97-AF65-F5344CB8AC3E}">
-        <p14:creationId xmlns:p14="http://schemas.microsoft.com/office/powerpoint/2010/main" val="3034982234"/>
-      </p:ext>
-    </p:extLst>
   </p:cSld>
   <p:clrMap bg1="lt1" tx1="dk1" bg2="lt2" tx2="dk2" accent1="accent1" accent2="accent2" accent3="accent3" accent4="accent4" accent5="accent5" accent6="accent6" hlink="hlink" folHlink="folHlink"/>
   <p:sldLayoutIdLst>
-    <p:sldLayoutId id="2147483748" r:id="rId1"/>
-    <p:sldLayoutId id="2147483749" r:id="rId2"/>
-    <p:sldLayoutId id="2147483747" r:id="rId3"/>
-    <p:sldLayoutId id="2147483743" r:id="rId4"/>
-    <p:sldLayoutId id="2147483738" r:id="rId5"/>
-    <p:sldLayoutId id="2147483732" r:id="rId6"/>
-    <p:sldLayoutId id="2147483733" r:id="rId7"/>
-    <p:sldLayoutId id="2147483734" r:id="rId8"/>
-    <p:sldLayoutId id="2147483735" r:id="rId9"/>
-    <p:sldLayoutId id="2147483736" r:id="rId10"/>
-    <p:sldLayoutId id="2147483737" r:id="rId11"/>
+    <p:sldLayoutId id="2147483649" r:id="rId1"/>
+    <p:sldLayoutId id="2147483650" r:id="rId2"/>
+    <p:sldLayoutId id="2147483651" r:id="rId3"/>
+    <p:sldLayoutId id="2147483652" r:id="rId4"/>
+    <p:sldLayoutId id="2147483653" r:id="rId5"/>
+    <p:sldLayoutId id="2147483654" r:id="rId6"/>
+    <p:sldLayoutId id="2147483655" r:id="rId7"/>
+    <p:sldLayoutId id="2147483656" r:id="rId8"/>
+    <p:sldLayoutId id="2147483657" r:id="rId9"/>
+    <p:sldLayoutId id="2147483658" r:id="rId10"/>
+    <p:sldLayoutId id="2147483659" r:id="rId11"/>
   </p:sldLayoutIdLst>
   <p:hf sldNum="0" hdr="0" ftr="0"/>
   <p:txStyles>
@@ -4490,7 +4176,7 @@
           <a:cs typeface="Calibri" panose="020F0502020204030204" pitchFamily="34" charset="0"/>
         </a:defRPr>
       </a:lvl1pPr>
-      <a:lvl2pPr marL="384048" indent="-182880" algn="l" defTabSz="914400" rtl="0" eaLnBrk="1" latinLnBrk="0" hangingPunct="1">
+      <a:lvl2pPr marL="384175" indent="-182880" algn="l" defTabSz="914400" rtl="0" eaLnBrk="1" latinLnBrk="0" hangingPunct="1">
         <a:lnSpc>
           <a:spcPct val="100000"/>
         </a:lnSpc>
@@ -4501,7 +4187,7 @@
           <a:spcPts val="400"/>
         </a:spcAft>
         <a:buClrTx/>
-        <a:buFont typeface="Calibri" pitchFamily="34" charset="0"/>
+        <a:buFont typeface="Calibri" panose="020F0502020204030204" pitchFamily="34" charset="0"/>
         <a:buChar char="◦"/>
         <a:defRPr sz="1700" kern="1200">
           <a:solidFill>
@@ -4515,7 +4201,7 @@
           <a:cs typeface="Calibri" panose="020F0502020204030204" pitchFamily="34" charset="0"/>
         </a:defRPr>
       </a:lvl2pPr>
-      <a:lvl3pPr marL="566928" indent="-182880" algn="l" defTabSz="914400" rtl="0" eaLnBrk="1" latinLnBrk="0" hangingPunct="1">
+      <a:lvl3pPr marL="567055" indent="-182880" algn="l" defTabSz="914400" rtl="0" eaLnBrk="1" latinLnBrk="0" hangingPunct="1">
         <a:lnSpc>
           <a:spcPct val="100000"/>
         </a:lnSpc>
@@ -4526,7 +4212,7 @@
           <a:spcPts val="400"/>
         </a:spcAft>
         <a:buClrTx/>
-        <a:buFont typeface="Calibri" pitchFamily="34" charset="0"/>
+        <a:buFont typeface="Calibri" panose="020F0502020204030204" pitchFamily="34" charset="0"/>
         <a:buChar char="◦"/>
         <a:defRPr sz="1300" kern="1200">
           <a:solidFill>
@@ -4540,7 +4226,7 @@
           <a:cs typeface="Calibri" panose="020F0502020204030204" pitchFamily="34" charset="0"/>
         </a:defRPr>
       </a:lvl3pPr>
-      <a:lvl4pPr marL="749808" indent="-182880" algn="l" defTabSz="914400" rtl="0" eaLnBrk="1" latinLnBrk="0" hangingPunct="1">
+      <a:lvl4pPr marL="749935" indent="-182880" algn="l" defTabSz="914400" rtl="0" eaLnBrk="1" latinLnBrk="0" hangingPunct="1">
         <a:lnSpc>
           <a:spcPct val="100000"/>
         </a:lnSpc>
@@ -4551,7 +4237,7 @@
           <a:spcPts val="400"/>
         </a:spcAft>
         <a:buClrTx/>
-        <a:buFont typeface="Calibri" pitchFamily="34" charset="0"/>
+        <a:buFont typeface="Calibri" panose="020F0502020204030204" pitchFamily="34" charset="0"/>
         <a:buChar char="◦"/>
         <a:defRPr sz="1300" kern="1200">
           <a:solidFill>
@@ -4565,7 +4251,7 @@
           <a:cs typeface="Calibri" panose="020F0502020204030204" pitchFamily="34" charset="0"/>
         </a:defRPr>
       </a:lvl4pPr>
-      <a:lvl5pPr marL="932688" indent="-182880" algn="l" defTabSz="914400" rtl="0" eaLnBrk="1" latinLnBrk="0" hangingPunct="1">
+      <a:lvl5pPr marL="932815" indent="-182880" algn="l" defTabSz="914400" rtl="0" eaLnBrk="1" latinLnBrk="0" hangingPunct="1">
         <a:lnSpc>
           <a:spcPct val="100000"/>
         </a:lnSpc>
@@ -4576,7 +4262,7 @@
           <a:spcPts val="400"/>
         </a:spcAft>
         <a:buClrTx/>
-        <a:buFont typeface="Calibri" pitchFamily="34" charset="0"/>
+        <a:buFont typeface="Calibri" panose="020F0502020204030204" pitchFamily="34" charset="0"/>
         <a:buChar char="◦"/>
         <a:defRPr sz="1300" kern="1200">
           <a:solidFill>
@@ -4590,7 +4276,7 @@
           <a:cs typeface="Calibri" panose="020F0502020204030204" pitchFamily="34" charset="0"/>
         </a:defRPr>
       </a:lvl5pPr>
-      <a:lvl6pPr marL="1100000" indent="-228600" algn="l" defTabSz="914400" rtl="0" eaLnBrk="1" latinLnBrk="0" hangingPunct="1">
+      <a:lvl6pPr marL="1099820" indent="-228600" algn="l" defTabSz="914400" rtl="0" eaLnBrk="1" latinLnBrk="0" hangingPunct="1">
         <a:lnSpc>
           <a:spcPct val="90000"/>
         </a:lnSpc>
@@ -4603,7 +4289,7 @@
         <a:buClr>
           <a:schemeClr val="accent1"/>
         </a:buClr>
-        <a:buFont typeface="Calibri" pitchFamily="34" charset="0"/>
+        <a:buFont typeface="Calibri" panose="020F0502020204030204" pitchFamily="34" charset="0"/>
         <a:buChar char="◦"/>
         <a:defRPr sz="1400" kern="1200">
           <a:solidFill>
@@ -4617,7 +4303,7 @@
           <a:cs typeface="+mn-cs"/>
         </a:defRPr>
       </a:lvl6pPr>
-      <a:lvl7pPr marL="1300000" indent="-228600" algn="l" defTabSz="914400" rtl="0" eaLnBrk="1" latinLnBrk="0" hangingPunct="1">
+      <a:lvl7pPr marL="1299845" indent="-228600" algn="l" defTabSz="914400" rtl="0" eaLnBrk="1" latinLnBrk="0" hangingPunct="1">
         <a:lnSpc>
           <a:spcPct val="90000"/>
         </a:lnSpc>
@@ -4630,7 +4316,7 @@
         <a:buClr>
           <a:schemeClr val="accent1"/>
         </a:buClr>
-        <a:buFont typeface="Calibri" pitchFamily="34" charset="0"/>
+        <a:buFont typeface="Calibri" panose="020F0502020204030204" pitchFamily="34" charset="0"/>
         <a:buChar char="◦"/>
         <a:defRPr sz="1400" kern="1200">
           <a:solidFill>
@@ -4644,7 +4330,7 @@
           <a:cs typeface="+mn-cs"/>
         </a:defRPr>
       </a:lvl7pPr>
-      <a:lvl8pPr marL="1500000" indent="-228600" algn="l" defTabSz="914400" rtl="0" eaLnBrk="1" latinLnBrk="0" hangingPunct="1">
+      <a:lvl8pPr marL="1499870" indent="-228600" algn="l" defTabSz="914400" rtl="0" eaLnBrk="1" latinLnBrk="0" hangingPunct="1">
         <a:lnSpc>
           <a:spcPct val="90000"/>
         </a:lnSpc>
@@ -4657,7 +4343,7 @@
         <a:buClr>
           <a:schemeClr val="accent1"/>
         </a:buClr>
-        <a:buFont typeface="Calibri" pitchFamily="34" charset="0"/>
+        <a:buFont typeface="Calibri" panose="020F0502020204030204" pitchFamily="34" charset="0"/>
         <a:buChar char="◦"/>
         <a:defRPr sz="1400" kern="1200">
           <a:solidFill>
@@ -4671,7 +4357,7 @@
           <a:cs typeface="+mn-cs"/>
         </a:defRPr>
       </a:lvl8pPr>
-      <a:lvl9pPr marL="1700000" indent="-228600" algn="l" defTabSz="914400" rtl="0" eaLnBrk="1" latinLnBrk="0" hangingPunct="1">
+      <a:lvl9pPr marL="1699895" indent="-228600" algn="l" defTabSz="914400" rtl="0" eaLnBrk="1" latinLnBrk="0" hangingPunct="1">
         <a:lnSpc>
           <a:spcPct val="90000"/>
         </a:lnSpc>
@@ -4684,7 +4370,7 @@
         <a:buClr>
           <a:schemeClr val="accent1"/>
         </a:buClr>
-        <a:buFont typeface="Calibri" pitchFamily="34" charset="0"/>
+        <a:buFont typeface="Calibri" panose="020F0502020204030204" pitchFamily="34" charset="0"/>
         <a:buChar char="◦"/>
         <a:defRPr sz="1400" kern="1200">
           <a:solidFill>
@@ -4825,26 +4511,11 @@
       </p:grpSpPr>
       <p:sp useBgFill="1">
         <p:nvSpPr>
-          <p:cNvPr id="22" name="Прямоугольник 21">
-            <a:extLst>
-              <a:ext uri="{FF2B5EF4-FFF2-40B4-BE49-F238E27FC236}">
-                <a16:creationId xmlns:a16="http://schemas.microsoft.com/office/drawing/2014/main" id="{A9286AD2-18A9-4868-A4E3-7A2097A20810}"/>
-              </a:ext>
-              <a:ext uri="{C183D7F6-B498-43B3-948B-1728B52AA6E4}">
-                <adec:decorative xmlns:adec="http://schemas.microsoft.com/office/drawing/2017/decorative" val="1"/>
-              </a:ext>
-            </a:extLst>
-          </p:cNvPr>
+          <p:cNvPr id="22" name="Прямоугольник 21"/>
           <p:cNvSpPr>
             <a:spLocks noGrp="1" noRot="1" noChangeAspect="1" noMove="1" noResize="1" noEditPoints="1" noAdjustHandles="1" noChangeArrowheads="1" noChangeShapeType="1" noTextEdit="1"/>
           </p:cNvSpPr>
-          <p:nvPr>
-            <p:extLst>
-              <p:ext uri="{386F3935-93C4-4BCD-93E2-E3B085C9AB24}">
-                <p16:designElem xmlns:p16="http://schemas.microsoft.com/office/powerpoint/2015/main" val="1"/>
-              </p:ext>
-            </p:extLst>
-          </p:nvPr>
+          <p:nvPr/>
         </p:nvSpPr>
         <p:spPr>
           <a:xfrm>
@@ -4885,13 +4556,7 @@
       </p:sp>
       <p:sp>
         <p:nvSpPr>
-          <p:cNvPr id="2" name="Заголовок 1">
-            <a:extLst>
-              <a:ext uri="{FF2B5EF4-FFF2-40B4-BE49-F238E27FC236}">
-                <a16:creationId xmlns:a16="http://schemas.microsoft.com/office/drawing/2014/main" id="{78FD68DA-43BA-4508-8DE2-BA9BB7B2FA5B}"/>
-              </a:ext>
-            </a:extLst>
-          </p:cNvPr>
+          <p:cNvPr id="2" name="Заголовок 1"/>
           <p:cNvSpPr>
             <a:spLocks noGrp="1"/>
           </p:cNvSpPr>
@@ -4915,19 +4580,13 @@
               <a:rPr lang="ru-RU" sz="7200" dirty="0"/>
               <a:t>Жизненный цикл ПО</a:t>
             </a:r>
-            <a:endParaRPr lang="ru" sz="7200" dirty="0"/>
-          </a:p>
-        </p:txBody>
-      </p:sp>
-      <p:sp>
-        <p:nvSpPr>
-          <p:cNvPr id="3" name="Подзаголовок 2">
-            <a:extLst>
-              <a:ext uri="{FF2B5EF4-FFF2-40B4-BE49-F238E27FC236}">
-                <a16:creationId xmlns:a16="http://schemas.microsoft.com/office/drawing/2014/main" id="{A8E9CFF2-3777-4FF4-A759-8491175B0B7C}"/>
-              </a:ext>
-            </a:extLst>
-          </p:cNvPr>
+            <a:endParaRPr lang="en-US" sz="7200" dirty="0"/>
+          </a:p>
+        </p:txBody>
+      </p:sp>
+      <p:sp>
+        <p:nvSpPr>
+          <p:cNvPr id="3" name="Подзаголовок 2"/>
           <p:cNvSpPr>
             <a:spLocks noGrp="1"/>
           </p:cNvSpPr>
@@ -4959,7 +4618,7 @@
               </a:rPr>
               <a:t>Lection 3</a:t>
             </a:r>
-            <a:endParaRPr lang="ru" sz="2400" dirty="0">
+            <a:endParaRPr lang="en-US" sz="2400" dirty="0">
               <a:solidFill>
                 <a:schemeClr val="tx1">
                   <a:lumMod val="85000"/>
@@ -4972,20 +4631,14 @@
       </p:sp>
       <p:pic>
         <p:nvPicPr>
-          <p:cNvPr id="5" name="Рисунок 4" descr="Изображение здания, места для сидения, скамейки, вид сбоку&#10;&#10;Автоматически созданное описание">
-            <a:extLst>
-              <a:ext uri="{FF2B5EF4-FFF2-40B4-BE49-F238E27FC236}">
-                <a16:creationId xmlns:a16="http://schemas.microsoft.com/office/drawing/2014/main" id="{282CF6DD-7FE8-4063-9551-1B7BBCE92ABE}"/>
-              </a:ext>
-            </a:extLst>
-          </p:cNvPr>
+          <p:cNvPr id="5" name="Рисунок 4" descr="Изображение здания, места для сидения, скамейки, вид сбоку&#10;&#10;Автоматически созданное описание"/>
           <p:cNvPicPr>
             <a:picLocks noChangeAspect="1"/>
           </p:cNvPicPr>
           <p:nvPr/>
         </p:nvPicPr>
         <p:blipFill rotWithShape="1">
-          <a:blip r:embed="rId3">
+          <a:blip r:embed="rId1">
             <a:extLst>
               <a:ext uri="{28A0092B-C50C-407E-A947-70E740481C1C}">
                 <a14:useLocalDpi xmlns:a14="http://schemas.microsoft.com/office/drawing/2010/main" val="0"/>
@@ -4993,7 +4646,9 @@
             </a:extLst>
           </a:blip>
           <a:srcRect/>
-          <a:stretch/>
+          <a:stretch>
+            <a:fillRect/>
+          </a:stretch>
         </p:blipFill>
         <p:spPr>
           <a:xfrm>
@@ -5007,26 +4662,11 @@
       </p:pic>
       <p:cxnSp>
         <p:nvCxnSpPr>
-          <p:cNvPr id="24" name="Прямая соединительная линия 23">
-            <a:extLst>
-              <a:ext uri="{FF2B5EF4-FFF2-40B4-BE49-F238E27FC236}">
-                <a16:creationId xmlns:a16="http://schemas.microsoft.com/office/drawing/2014/main" id="{E7A7CD63-7EC3-44F3-95D0-595C4019FF24}"/>
-              </a:ext>
-              <a:ext uri="{C183D7F6-B498-43B3-948B-1728B52AA6E4}">
-                <adec:decorative xmlns:adec="http://schemas.microsoft.com/office/drawing/2017/decorative" val="1"/>
-              </a:ext>
-            </a:extLst>
-          </p:cNvPr>
+          <p:cNvPr id="24" name="Прямая соединительная линия 23"/>
           <p:cNvCxnSpPr>
             <a:cxnSpLocks noGrp="1" noRot="1" noChangeAspect="1" noMove="1" noResize="1" noEditPoints="1" noAdjustHandles="1" noChangeArrowheads="1" noChangeShapeType="1"/>
           </p:cNvCxnSpPr>
-          <p:nvPr>
-            <p:extLst>
-              <p:ext uri="{386F3935-93C4-4BCD-93E2-E3B085C9AB24}">
-                <p16:designElem xmlns:p16="http://schemas.microsoft.com/office/powerpoint/2015/main" val="1"/>
-              </p:ext>
-            </p:extLst>
-          </p:nvPr>
+          <p:nvPr/>
         </p:nvCxnSpPr>
         <p:spPr>
           <a:xfrm>
@@ -5062,20 +4702,14 @@
       </p:cxnSp>
       <p:sp>
         <p:nvSpPr>
-          <p:cNvPr id="4" name="TextBox 3">
-            <a:extLst>
-              <a:ext uri="{FF2B5EF4-FFF2-40B4-BE49-F238E27FC236}">
-                <a16:creationId xmlns:a16="http://schemas.microsoft.com/office/drawing/2014/main" id="{B9E3468B-5EED-43F5-8314-F5C84E2C0319}"/>
-              </a:ext>
-            </a:extLst>
-          </p:cNvPr>
+          <p:cNvPr id="4" name="TextBox 3"/>
           <p:cNvSpPr txBox="1"/>
           <p:nvPr/>
         </p:nvSpPr>
         <p:spPr>
           <a:xfrm>
             <a:off x="8868792" y="5628443"/>
-            <a:ext cx="3142695" cy="646331"/>
+            <a:ext cx="3142695" cy="645160"/>
           </a:xfrm>
           <a:prstGeom prst="rect">
             <a:avLst/>
@@ -5090,24 +4724,16 @@
           <a:p>
             <a:r>
               <a:rPr lang="en-US" dirty="0"/>
-              <a:t>Learning Technologies Center</a:t>
-            </a:r>
-          </a:p>
-          <a:p>
-            <a:r>
-              <a:rPr lang="en-US" dirty="0"/>
-              <a:t>April 2022</a:t>
-            </a:r>
-            <a:endParaRPr lang="ru-BY" dirty="0"/>
+              <a:t>Innopolis</a:t>
+            </a:r>
+            <a:endParaRPr lang="en-US" dirty="0"/>
+          </a:p>
+          <a:p>
+            <a:endParaRPr lang="en-US" dirty="0"/>
           </a:p>
         </p:txBody>
       </p:sp>
     </p:spTree>
-    <p:extLst>
-      <p:ext uri="{BB962C8B-B14F-4D97-AF65-F5344CB8AC3E}">
-        <p14:creationId xmlns:p14="http://schemas.microsoft.com/office/powerpoint/2010/main" val="4043737824"/>
-      </p:ext>
-    </p:extLst>
   </p:cSld>
   <p:clrMapOvr>
     <a:masterClrMapping/>
@@ -5134,13 +4760,7 @@
       </p:grpSpPr>
       <p:sp>
         <p:nvSpPr>
-          <p:cNvPr id="2" name="Заголовок 1">
-            <a:extLst>
-              <a:ext uri="{FF2B5EF4-FFF2-40B4-BE49-F238E27FC236}">
-                <a16:creationId xmlns:a16="http://schemas.microsoft.com/office/drawing/2014/main" id="{D02AB392-0B07-4666-8D43-E48EEF0D702B}"/>
-              </a:ext>
-            </a:extLst>
-          </p:cNvPr>
+          <p:cNvPr id="2" name="Заголовок 1"/>
           <p:cNvSpPr>
             <a:spLocks noGrp="1"/>
           </p:cNvSpPr>
@@ -5161,19 +4781,13 @@
               <a:rPr lang="ru-RU" dirty="0"/>
               <a:t>недостатки)</a:t>
             </a:r>
-            <a:endParaRPr lang="ru-BY" dirty="0"/>
-          </a:p>
-        </p:txBody>
-      </p:sp>
-      <p:sp>
-        <p:nvSpPr>
-          <p:cNvPr id="3" name="Объект 2">
-            <a:extLst>
-              <a:ext uri="{FF2B5EF4-FFF2-40B4-BE49-F238E27FC236}">
-                <a16:creationId xmlns:a16="http://schemas.microsoft.com/office/drawing/2014/main" id="{972D296B-75DC-4EB6-975E-6D83D635E540}"/>
-              </a:ext>
-            </a:extLst>
-          </p:cNvPr>
+            <a:endParaRPr lang="en-US" dirty="0"/>
+          </a:p>
+        </p:txBody>
+      </p:sp>
+      <p:sp>
+        <p:nvSpPr>
+          <p:cNvPr id="3" name="Объект 2"/>
           <p:cNvSpPr>
             <a:spLocks noGrp="1"/>
           </p:cNvSpPr>
@@ -5232,6 +4846,13 @@
               </a:rPr>
               <a:t>Если в требованиях к продукту была допущена ошибка, то исправить её будет стоить дорого. Тестировщики обнаружат её, когда разработчик уже написал код, а технические писатели — документацию.</a:t>
             </a:r>
+            <a:endParaRPr lang="ru-RU" b="0" i="0" dirty="0">
+              <a:solidFill>
+                <a:srgbClr val="2C2D30"/>
+              </a:solidFill>
+              <a:effectLst/>
+              <a:latin typeface="Roboto" panose="02000000000000000000" pitchFamily="2" charset="0"/>
+            </a:endParaRPr>
           </a:p>
           <a:p>
             <a:pPr algn="l">
@@ -5278,6 +4899,13 @@
               </a:rPr>
               <a:t>Велика вероятность, что результат его не устроит.</a:t>
             </a:r>
+            <a:endParaRPr lang="ru-RU" b="0" i="0" dirty="0">
+              <a:solidFill>
+                <a:srgbClr val="2C2D30"/>
+              </a:solidFill>
+              <a:effectLst/>
+              <a:latin typeface="Roboto" panose="02000000000000000000" pitchFamily="2" charset="0"/>
+            </a:endParaRPr>
           </a:p>
           <a:p>
             <a:pPr algn="l">
@@ -5304,21 +4932,22 @@
               </a:rPr>
               <a:t>Чем обширнее документация у проекта, тем больше изменений нужно вносить и дольше их согласовывать.</a:t>
             </a:r>
-          </a:p>
-          <a:p>
-            <a:endParaRPr lang="ru-BY" dirty="0"/>
-          </a:p>
-        </p:txBody>
-      </p:sp>
-      <p:sp>
-        <p:nvSpPr>
-          <p:cNvPr id="4" name="Дата 3">
-            <a:extLst>
-              <a:ext uri="{FF2B5EF4-FFF2-40B4-BE49-F238E27FC236}">
-                <a16:creationId xmlns:a16="http://schemas.microsoft.com/office/drawing/2014/main" id="{8E5C683C-2159-447C-9451-16F5ABE30D32}"/>
-              </a:ext>
-            </a:extLst>
-          </p:cNvPr>
+            <a:endParaRPr lang="ru-RU" b="0" i="0" dirty="0">
+              <a:solidFill>
+                <a:srgbClr val="2C2D30"/>
+              </a:solidFill>
+              <a:effectLst/>
+              <a:latin typeface="Roboto" panose="02000000000000000000" pitchFamily="2" charset="0"/>
+            </a:endParaRPr>
+          </a:p>
+          <a:p>
+            <a:endParaRPr lang="en-US" dirty="0"/>
+          </a:p>
+        </p:txBody>
+      </p:sp>
+      <p:sp>
+        <p:nvSpPr>
+          <p:cNvPr id="4" name="Дата 3"/>
           <p:cNvSpPr>
             <a:spLocks noGrp="1"/>
           </p:cNvSpPr>
@@ -5334,18 +4963,12 @@
             <a:pPr rtl="0"/>
             <a:fld id="{BE289488-0C23-4DC8-A9FA-240659547385}" type="datetime1">
               <a:rPr lang="ru-RU" smtClean="0"/>
-              <a:t>13.04.2022</a:t>
             </a:fld>
             <a:endParaRPr lang="en-US" dirty="0"/>
           </a:p>
         </p:txBody>
       </p:sp>
     </p:spTree>
-    <p:extLst>
-      <p:ext uri="{BB962C8B-B14F-4D97-AF65-F5344CB8AC3E}">
-        <p14:creationId xmlns:p14="http://schemas.microsoft.com/office/powerpoint/2010/main" val="4162717411"/>
-      </p:ext>
-    </p:extLst>
   </p:cSld>
   <p:clrMapOvr>
     <a:masterClrMapping/>
@@ -5372,13 +4995,7 @@
       </p:grpSpPr>
       <p:sp>
         <p:nvSpPr>
-          <p:cNvPr id="2" name="Заголовок 1">
-            <a:extLst>
-              <a:ext uri="{FF2B5EF4-FFF2-40B4-BE49-F238E27FC236}">
-                <a16:creationId xmlns:a16="http://schemas.microsoft.com/office/drawing/2014/main" id="{D0076AA5-D69E-48A1-A92B-51D07720931F}"/>
-              </a:ext>
-            </a:extLst>
-          </p:cNvPr>
+          <p:cNvPr id="2" name="Заголовок 1"/>
           <p:cNvSpPr>
             <a:spLocks noGrp="1"/>
           </p:cNvSpPr>
@@ -5399,19 +5016,13 @@
               <a:rPr lang="ru-RU" dirty="0"/>
               <a:t>-образная модель</a:t>
             </a:r>
-            <a:endParaRPr lang="ru-BY" dirty="0"/>
-          </a:p>
-        </p:txBody>
-      </p:sp>
-      <p:sp>
-        <p:nvSpPr>
-          <p:cNvPr id="3" name="Объект 2">
-            <a:extLst>
-              <a:ext uri="{FF2B5EF4-FFF2-40B4-BE49-F238E27FC236}">
-                <a16:creationId xmlns:a16="http://schemas.microsoft.com/office/drawing/2014/main" id="{DA6047E1-EC3B-4D81-B38F-D6FC12A4D6CA}"/>
-              </a:ext>
-            </a:extLst>
-          </p:cNvPr>
+            <a:endParaRPr lang="en-US" dirty="0"/>
+          </a:p>
+        </p:txBody>
+      </p:sp>
+      <p:sp>
+        <p:nvSpPr>
+          <p:cNvPr id="3" name="Объект 2"/>
           <p:cNvSpPr>
             <a:spLocks noGrp="1"/>
           </p:cNvSpPr>
@@ -5434,19 +5045,13 @@
               </a:rPr>
               <a:t>Это усовершенствованная каскадная модель, в которой заказчик с командой программистов одновременно составляют требования к системе и описывают, как будут тестировать её на каждом этапе. История этой модели начинается в 1980-х.</a:t>
             </a:r>
-            <a:endParaRPr lang="ru-BY" dirty="0"/>
-          </a:p>
-        </p:txBody>
-      </p:sp>
-      <p:sp>
-        <p:nvSpPr>
-          <p:cNvPr id="4" name="Дата 3">
-            <a:extLst>
-              <a:ext uri="{FF2B5EF4-FFF2-40B4-BE49-F238E27FC236}">
-                <a16:creationId xmlns:a16="http://schemas.microsoft.com/office/drawing/2014/main" id="{B4919DD2-CD53-424A-B42F-8F2735036697}"/>
-              </a:ext>
-            </a:extLst>
-          </p:cNvPr>
+            <a:endParaRPr lang="en-US" dirty="0"/>
+          </a:p>
+        </p:txBody>
+      </p:sp>
+      <p:sp>
+        <p:nvSpPr>
+          <p:cNvPr id="4" name="Дата 3"/>
           <p:cNvSpPr>
             <a:spLocks noGrp="1"/>
           </p:cNvSpPr>
@@ -5462,7 +5067,6 @@
             <a:pPr rtl="0"/>
             <a:fld id="{BE289488-0C23-4DC8-A9FA-240659547385}" type="datetime1">
               <a:rPr lang="ru-RU" smtClean="0"/>
-              <a:t>13.04.2022</a:t>
             </a:fld>
             <a:endParaRPr lang="en-US" dirty="0"/>
           </a:p>
@@ -5470,20 +5074,14 @@
       </p:sp>
       <p:pic>
         <p:nvPicPr>
-          <p:cNvPr id="6" name="Рисунок 5">
-            <a:extLst>
-              <a:ext uri="{FF2B5EF4-FFF2-40B4-BE49-F238E27FC236}">
-                <a16:creationId xmlns:a16="http://schemas.microsoft.com/office/drawing/2014/main" id="{8B218495-5873-4EDD-87CE-46B48E3555CC}"/>
-              </a:ext>
-            </a:extLst>
-          </p:cNvPr>
+          <p:cNvPr id="6" name="Рисунок 5"/>
           <p:cNvPicPr>
             <a:picLocks noChangeAspect="1"/>
           </p:cNvPicPr>
           <p:nvPr/>
         </p:nvPicPr>
         <p:blipFill>
-          <a:blip r:embed="rId2">
+          <a:blip r:embed="rId1">
             <a:extLst>
               <a:ext uri="{28A0092B-C50C-407E-A947-70E740481C1C}">
                 <a14:useLocalDpi xmlns:a14="http://schemas.microsoft.com/office/drawing/2010/main" val="0"/>
@@ -5505,11 +5103,6 @@
         </p:spPr>
       </p:pic>
     </p:spTree>
-    <p:extLst>
-      <p:ext uri="{BB962C8B-B14F-4D97-AF65-F5344CB8AC3E}">
-        <p14:creationId xmlns:p14="http://schemas.microsoft.com/office/powerpoint/2010/main" val="954088695"/>
-      </p:ext>
-    </p:extLst>
   </p:cSld>
   <p:clrMapOvr>
     <a:masterClrMapping/>
@@ -5536,13 +5129,7 @@
       </p:grpSpPr>
       <p:sp>
         <p:nvSpPr>
-          <p:cNvPr id="2" name="Заголовок 1">
-            <a:extLst>
-              <a:ext uri="{FF2B5EF4-FFF2-40B4-BE49-F238E27FC236}">
-                <a16:creationId xmlns:a16="http://schemas.microsoft.com/office/drawing/2014/main" id="{0C57C6D7-D76F-44F8-B5F1-18882FB366C4}"/>
-              </a:ext>
-            </a:extLst>
-          </p:cNvPr>
+          <p:cNvPr id="2" name="Заголовок 1"/>
           <p:cNvSpPr>
             <a:spLocks noGrp="1"/>
           </p:cNvSpPr>
@@ -5563,19 +5150,13 @@
               <a:rPr lang="ru-RU" dirty="0"/>
               <a:t>-образная модель (преимущества)</a:t>
             </a:r>
-            <a:endParaRPr lang="ru-BY" dirty="0"/>
-          </a:p>
-        </p:txBody>
-      </p:sp>
-      <p:sp>
-        <p:nvSpPr>
-          <p:cNvPr id="3" name="Объект 2">
-            <a:extLst>
-              <a:ext uri="{FF2B5EF4-FFF2-40B4-BE49-F238E27FC236}">
-                <a16:creationId xmlns:a16="http://schemas.microsoft.com/office/drawing/2014/main" id="{F53196C5-FFE3-4259-8C3D-C520FCEDA355}"/>
-              </a:ext>
-            </a:extLst>
-          </p:cNvPr>
+            <a:endParaRPr lang="en-US" dirty="0"/>
+          </a:p>
+        </p:txBody>
+      </p:sp>
+      <p:sp>
+        <p:nvSpPr>
+          <p:cNvPr id="3" name="Объект 2"/>
           <p:cNvSpPr>
             <a:spLocks noGrp="1"/>
           </p:cNvSpPr>
@@ -5592,6 +5173,7 @@
               <a:rPr lang="ru-RU" b="1" dirty="0"/>
               <a:t>Преимущества:</a:t>
             </a:r>
+            <a:endParaRPr lang="ru-RU" b="1" dirty="0"/>
           </a:p>
           <a:p>
             <a:pPr>
@@ -5610,6 +5192,7 @@
               <a:rPr lang="ru-RU" dirty="0"/>
               <a:t>;</a:t>
             </a:r>
+            <a:endParaRPr lang="ru-RU" dirty="0"/>
           </a:p>
           <a:p>
             <a:pPr>
@@ -5620,6 +5203,7 @@
               <a:rPr lang="ru-RU" dirty="0"/>
               <a:t>усовершенствованный тайм-менеджмент.</a:t>
             </a:r>
+            <a:endParaRPr lang="ru-RU" dirty="0"/>
           </a:p>
           <a:p>
             <a:pPr>
@@ -5638,21 +5222,16 @@
               <a:rPr lang="ru-RU" dirty="0"/>
               <a:t> продукта, находящегося уже на первоначальных стадиях проектирования. Стадия тестирования проводится одновременно с соответствующей стадией разработки, например, во время кодирования пишутся модульные тесты.</a:t>
             </a:r>
-          </a:p>
-          <a:p>
-            <a:endParaRPr lang="ru-BY" dirty="0"/>
-          </a:p>
-        </p:txBody>
-      </p:sp>
-      <p:sp>
-        <p:nvSpPr>
-          <p:cNvPr id="4" name="Дата 3">
-            <a:extLst>
-              <a:ext uri="{FF2B5EF4-FFF2-40B4-BE49-F238E27FC236}">
-                <a16:creationId xmlns:a16="http://schemas.microsoft.com/office/drawing/2014/main" id="{F2C353A9-8249-4656-AA64-C3618F8550FF}"/>
-              </a:ext>
-            </a:extLst>
-          </p:cNvPr>
+            <a:endParaRPr lang="ru-RU" dirty="0"/>
+          </a:p>
+          <a:p>
+            <a:endParaRPr lang="en-US" dirty="0"/>
+          </a:p>
+        </p:txBody>
+      </p:sp>
+      <p:sp>
+        <p:nvSpPr>
+          <p:cNvPr id="4" name="Дата 3"/>
           <p:cNvSpPr>
             <a:spLocks noGrp="1"/>
           </p:cNvSpPr>
@@ -5668,18 +5247,12 @@
             <a:pPr rtl="0"/>
             <a:fld id="{BE289488-0C23-4DC8-A9FA-240659547385}" type="datetime1">
               <a:rPr lang="ru-RU" smtClean="0"/>
-              <a:t>13.04.2022</a:t>
             </a:fld>
             <a:endParaRPr lang="en-US" dirty="0"/>
           </a:p>
         </p:txBody>
       </p:sp>
     </p:spTree>
-    <p:extLst>
-      <p:ext uri="{BB962C8B-B14F-4D97-AF65-F5344CB8AC3E}">
-        <p14:creationId xmlns:p14="http://schemas.microsoft.com/office/powerpoint/2010/main" val="3762681718"/>
-      </p:ext>
-    </p:extLst>
   </p:cSld>
   <p:clrMapOvr>
     <a:masterClrMapping/>
@@ -5706,13 +5279,7 @@
       </p:grpSpPr>
       <p:sp>
         <p:nvSpPr>
-          <p:cNvPr id="2" name="Заголовок 1">
-            <a:extLst>
-              <a:ext uri="{FF2B5EF4-FFF2-40B4-BE49-F238E27FC236}">
-                <a16:creationId xmlns:a16="http://schemas.microsoft.com/office/drawing/2014/main" id="{4493F346-5E9E-4BBF-817E-6032577431C7}"/>
-              </a:ext>
-            </a:extLst>
-          </p:cNvPr>
+          <p:cNvPr id="2" name="Заголовок 1"/>
           <p:cNvSpPr>
             <a:spLocks noGrp="1"/>
           </p:cNvSpPr>
@@ -5733,19 +5300,13 @@
               <a:rPr lang="ru-RU" dirty="0"/>
               <a:t>-образная модель (недостатки)</a:t>
             </a:r>
-            <a:endParaRPr lang="ru-BY" dirty="0"/>
-          </a:p>
-        </p:txBody>
-      </p:sp>
-      <p:sp>
-        <p:nvSpPr>
-          <p:cNvPr id="3" name="Объект 2">
-            <a:extLst>
-              <a:ext uri="{FF2B5EF4-FFF2-40B4-BE49-F238E27FC236}">
-                <a16:creationId xmlns:a16="http://schemas.microsoft.com/office/drawing/2014/main" id="{A82331DA-74A3-4037-A86B-DF6AE8B483AA}"/>
-              </a:ext>
-            </a:extLst>
-          </p:cNvPr>
+            <a:endParaRPr lang="en-US" dirty="0"/>
+          </a:p>
+        </p:txBody>
+      </p:sp>
+      <p:sp>
+        <p:nvSpPr>
+          <p:cNvPr id="3" name="Объект 2"/>
           <p:cNvSpPr>
             <a:spLocks noGrp="1"/>
           </p:cNvSpPr>
@@ -5762,6 +5323,7 @@
               <a:rPr lang="ru-RU" b="1" dirty="0"/>
               <a:t>Недостатки:</a:t>
             </a:r>
+            <a:endParaRPr lang="ru-RU" b="1" dirty="0"/>
           </a:p>
           <a:p>
             <a:pPr>
@@ -5772,6 +5334,7 @@
               <a:rPr lang="ru-RU" dirty="0"/>
               <a:t>невозможность адаптироваться к измененным требованиям заказчика;</a:t>
             </a:r>
+            <a:endParaRPr lang="ru-RU" dirty="0"/>
           </a:p>
           <a:p>
             <a:pPr>
@@ -5782,6 +5345,7 @@
               <a:rPr lang="ru-RU" dirty="0"/>
               <a:t>длительное время разработки (иногда длится до нескольких лет) приводит к тому, что продукт может быть уже не нужен заказчику, поскольку его потребности меняются;</a:t>
             </a:r>
+            <a:endParaRPr lang="ru-RU" dirty="0"/>
           </a:p>
           <a:p>
             <a:pPr>
@@ -5792,21 +5356,16 @@
               <a:rPr lang="ru-RU" dirty="0"/>
               <a:t>нет действий, направленных на анализ рисков.</a:t>
             </a:r>
-          </a:p>
-          <a:p>
-            <a:endParaRPr lang="ru-BY" dirty="0"/>
-          </a:p>
-        </p:txBody>
-      </p:sp>
-      <p:sp>
-        <p:nvSpPr>
-          <p:cNvPr id="4" name="Дата 3">
-            <a:extLst>
-              <a:ext uri="{FF2B5EF4-FFF2-40B4-BE49-F238E27FC236}">
-                <a16:creationId xmlns:a16="http://schemas.microsoft.com/office/drawing/2014/main" id="{FC813ADC-2E8B-4EE5-8C3A-890F2B4BBBB7}"/>
-              </a:ext>
-            </a:extLst>
-          </p:cNvPr>
+            <a:endParaRPr lang="ru-RU" dirty="0"/>
+          </a:p>
+          <a:p>
+            <a:endParaRPr lang="en-US" dirty="0"/>
+          </a:p>
+        </p:txBody>
+      </p:sp>
+      <p:sp>
+        <p:nvSpPr>
+          <p:cNvPr id="4" name="Дата 3"/>
           <p:cNvSpPr>
             <a:spLocks noGrp="1"/>
           </p:cNvSpPr>
@@ -5822,18 +5381,12 @@
             <a:pPr rtl="0"/>
             <a:fld id="{BE289488-0C23-4DC8-A9FA-240659547385}" type="datetime1">
               <a:rPr lang="ru-RU" smtClean="0"/>
-              <a:t>13.04.2022</a:t>
             </a:fld>
             <a:endParaRPr lang="en-US" dirty="0"/>
           </a:p>
         </p:txBody>
       </p:sp>
     </p:spTree>
-    <p:extLst>
-      <p:ext uri="{BB962C8B-B14F-4D97-AF65-F5344CB8AC3E}">
-        <p14:creationId xmlns:p14="http://schemas.microsoft.com/office/powerpoint/2010/main" val="3790210161"/>
-      </p:ext>
-    </p:extLst>
   </p:cSld>
   <p:clrMapOvr>
     <a:masterClrMapping/>
@@ -5860,13 +5413,7 @@
       </p:grpSpPr>
       <p:sp>
         <p:nvSpPr>
-          <p:cNvPr id="2" name="Заголовок 1">
-            <a:extLst>
-              <a:ext uri="{FF2B5EF4-FFF2-40B4-BE49-F238E27FC236}">
-                <a16:creationId xmlns:a16="http://schemas.microsoft.com/office/drawing/2014/main" id="{F0CBE732-8C25-4BFB-969E-43EBB018BD52}"/>
-              </a:ext>
-            </a:extLst>
-          </p:cNvPr>
+          <p:cNvPr id="2" name="Заголовок 1"/>
           <p:cNvSpPr>
             <a:spLocks noGrp="1"/>
           </p:cNvSpPr>
@@ -5883,19 +5430,13 @@
               <a:rPr lang="ru-RU" dirty="0"/>
               <a:t>Верификация и Валидация</a:t>
             </a:r>
-            <a:endParaRPr lang="ru-BY" dirty="0"/>
+            <a:endParaRPr lang="en-US" dirty="0"/>
           </a:p>
         </p:txBody>
       </p:sp>
       <p:pic>
         <p:nvPicPr>
-          <p:cNvPr id="6" name="Объект 5">
-            <a:extLst>
-              <a:ext uri="{FF2B5EF4-FFF2-40B4-BE49-F238E27FC236}">
-                <a16:creationId xmlns:a16="http://schemas.microsoft.com/office/drawing/2014/main" id="{F0E0AA4A-D76E-4547-9228-6AAB44B37DA7}"/>
-              </a:ext>
-            </a:extLst>
-          </p:cNvPr>
+          <p:cNvPr id="6" name="Объект 5"/>
           <p:cNvPicPr>
             <a:picLocks noGrp="1" noChangeAspect="1"/>
           </p:cNvPicPr>
@@ -5904,7 +5445,7 @@
           </p:nvPr>
         </p:nvPicPr>
         <p:blipFill>
-          <a:blip r:embed="rId2">
+          <a:blip r:embed="rId1">
             <a:extLst>
               <a:ext uri="{28A0092B-C50C-407E-A947-70E740481C1C}">
                 <a14:useLocalDpi xmlns:a14="http://schemas.microsoft.com/office/drawing/2010/main" val="0"/>
@@ -5924,13 +5465,7 @@
       </p:pic>
       <p:sp>
         <p:nvSpPr>
-          <p:cNvPr id="4" name="Дата 3">
-            <a:extLst>
-              <a:ext uri="{FF2B5EF4-FFF2-40B4-BE49-F238E27FC236}">
-                <a16:creationId xmlns:a16="http://schemas.microsoft.com/office/drawing/2014/main" id="{53FDDA0B-25AC-45B4-B843-D91DD2A1215A}"/>
-              </a:ext>
-            </a:extLst>
-          </p:cNvPr>
+          <p:cNvPr id="4" name="Дата 3"/>
           <p:cNvSpPr>
             <a:spLocks noGrp="1"/>
           </p:cNvSpPr>
@@ -5946,18 +5481,12 @@
             <a:pPr rtl="0"/>
             <a:fld id="{BE289488-0C23-4DC8-A9FA-240659547385}" type="datetime1">
               <a:rPr lang="ru-RU" smtClean="0"/>
-              <a:t>13.04.2022</a:t>
             </a:fld>
             <a:endParaRPr lang="en-US" dirty="0"/>
           </a:p>
         </p:txBody>
       </p:sp>
     </p:spTree>
-    <p:extLst>
-      <p:ext uri="{BB962C8B-B14F-4D97-AF65-F5344CB8AC3E}">
-        <p14:creationId xmlns:p14="http://schemas.microsoft.com/office/powerpoint/2010/main" val="3328475449"/>
-      </p:ext>
-    </p:extLst>
   </p:cSld>
   <p:clrMapOvr>
     <a:masterClrMapping/>
@@ -5984,13 +5513,7 @@
       </p:grpSpPr>
       <p:sp>
         <p:nvSpPr>
-          <p:cNvPr id="2" name="Заголовок 1">
-            <a:extLst>
-              <a:ext uri="{FF2B5EF4-FFF2-40B4-BE49-F238E27FC236}">
-                <a16:creationId xmlns:a16="http://schemas.microsoft.com/office/drawing/2014/main" id="{10D47688-39E4-4039-85AB-F4A1E476709B}"/>
-              </a:ext>
-            </a:extLst>
-          </p:cNvPr>
+          <p:cNvPr id="2" name="Заголовок 1"/>
           <p:cNvSpPr>
             <a:spLocks noGrp="1"/>
           </p:cNvSpPr>
@@ -6007,19 +5530,13 @@
               <a:rPr lang="ru-RU" dirty="0"/>
               <a:t>Спиральная модель</a:t>
             </a:r>
-            <a:endParaRPr lang="ru-BY" dirty="0"/>
-          </a:p>
-        </p:txBody>
-      </p:sp>
-      <p:sp>
-        <p:nvSpPr>
-          <p:cNvPr id="3" name="Объект 2">
-            <a:extLst>
-              <a:ext uri="{FF2B5EF4-FFF2-40B4-BE49-F238E27FC236}">
-                <a16:creationId xmlns:a16="http://schemas.microsoft.com/office/drawing/2014/main" id="{FA1C5559-836D-4284-91B0-1DAE879FE3EF}"/>
-              </a:ext>
-            </a:extLst>
-          </p:cNvPr>
+            <a:endParaRPr lang="en-US" dirty="0"/>
+          </a:p>
+        </p:txBody>
+      </p:sp>
+      <p:sp>
+        <p:nvSpPr>
+          <p:cNvPr id="3" name="Объект 2"/>
           <p:cNvSpPr>
             <a:spLocks noGrp="1"/>
           </p:cNvSpPr>
@@ -6042,19 +5559,13 @@
               </a:rPr>
               <a:t>Используя эту модель, заказчик и команда разработчиков серьёзно анализируют риски проекта и выполняют его итерациями. Последующая стадия основывается на предыдущей, а в конце каждого витка — цикла итераций — принимается решение, продолжать ли проект. Эту модель начали использовать в 1988 году.</a:t>
             </a:r>
-            <a:endParaRPr lang="ru-BY" dirty="0"/>
-          </a:p>
-        </p:txBody>
-      </p:sp>
-      <p:sp>
-        <p:nvSpPr>
-          <p:cNvPr id="4" name="Дата 3">
-            <a:extLst>
-              <a:ext uri="{FF2B5EF4-FFF2-40B4-BE49-F238E27FC236}">
-                <a16:creationId xmlns:a16="http://schemas.microsoft.com/office/drawing/2014/main" id="{FB77949D-9CA5-4811-AF24-40EF49284713}"/>
-              </a:ext>
-            </a:extLst>
-          </p:cNvPr>
+            <a:endParaRPr lang="en-US" dirty="0"/>
+          </a:p>
+        </p:txBody>
+      </p:sp>
+      <p:sp>
+        <p:nvSpPr>
+          <p:cNvPr id="4" name="Дата 3"/>
           <p:cNvSpPr>
             <a:spLocks noGrp="1"/>
           </p:cNvSpPr>
@@ -6070,18 +5581,12 @@
             <a:pPr rtl="0"/>
             <a:fld id="{BE289488-0C23-4DC8-A9FA-240659547385}" type="datetime1">
               <a:rPr lang="ru-RU" smtClean="0"/>
-              <a:t>13.04.2022</a:t>
             </a:fld>
             <a:endParaRPr lang="en-US" dirty="0"/>
           </a:p>
         </p:txBody>
       </p:sp>
     </p:spTree>
-    <p:extLst>
-      <p:ext uri="{BB962C8B-B14F-4D97-AF65-F5344CB8AC3E}">
-        <p14:creationId xmlns:p14="http://schemas.microsoft.com/office/powerpoint/2010/main" val="2507359137"/>
-      </p:ext>
-    </p:extLst>
   </p:cSld>
   <p:clrMapOvr>
     <a:masterClrMapping/>
@@ -6108,13 +5613,7 @@
       </p:grpSpPr>
       <p:sp>
         <p:nvSpPr>
-          <p:cNvPr id="2" name="Заголовок 1">
-            <a:extLst>
-              <a:ext uri="{FF2B5EF4-FFF2-40B4-BE49-F238E27FC236}">
-                <a16:creationId xmlns:a16="http://schemas.microsoft.com/office/drawing/2014/main" id="{BCB80FB5-5093-4991-A25F-D42E7F441209}"/>
-              </a:ext>
-            </a:extLst>
-          </p:cNvPr>
+          <p:cNvPr id="2" name="Заголовок 1"/>
           <p:cNvSpPr>
             <a:spLocks noGrp="1"/>
           </p:cNvSpPr>
@@ -6131,19 +5630,13 @@
               <a:rPr lang="ru-RU" dirty="0"/>
               <a:t>Спиральная модель</a:t>
             </a:r>
-            <a:endParaRPr lang="ru-BY" dirty="0"/>
+            <a:endParaRPr lang="en-US" dirty="0"/>
           </a:p>
         </p:txBody>
       </p:sp>
       <p:pic>
         <p:nvPicPr>
-          <p:cNvPr id="6" name="Объект 5">
-            <a:extLst>
-              <a:ext uri="{FF2B5EF4-FFF2-40B4-BE49-F238E27FC236}">
-                <a16:creationId xmlns:a16="http://schemas.microsoft.com/office/drawing/2014/main" id="{6A6B1220-21FA-406A-942A-7B3A21CC90C5}"/>
-              </a:ext>
-            </a:extLst>
-          </p:cNvPr>
+          <p:cNvPr id="6" name="Объект 5"/>
           <p:cNvPicPr>
             <a:picLocks noGrp="1" noChangeAspect="1"/>
           </p:cNvPicPr>
@@ -6152,7 +5645,7 @@
           </p:nvPr>
         </p:nvPicPr>
         <p:blipFill>
-          <a:blip r:embed="rId2">
+          <a:blip r:embed="rId1">
             <a:extLst>
               <a:ext uri="{28A0092B-C50C-407E-A947-70E740481C1C}">
                 <a14:useLocalDpi xmlns:a14="http://schemas.microsoft.com/office/drawing/2010/main" val="0"/>
@@ -6172,13 +5665,7 @@
       </p:pic>
       <p:sp>
         <p:nvSpPr>
-          <p:cNvPr id="4" name="Дата 3">
-            <a:extLst>
-              <a:ext uri="{FF2B5EF4-FFF2-40B4-BE49-F238E27FC236}">
-                <a16:creationId xmlns:a16="http://schemas.microsoft.com/office/drawing/2014/main" id="{FA734C6F-73FF-4BD2-9194-D684798D5BA0}"/>
-              </a:ext>
-            </a:extLst>
-          </p:cNvPr>
+          <p:cNvPr id="4" name="Дата 3"/>
           <p:cNvSpPr>
             <a:spLocks noGrp="1"/>
           </p:cNvSpPr>
@@ -6194,18 +5681,12 @@
             <a:pPr rtl="0"/>
             <a:fld id="{BE289488-0C23-4DC8-A9FA-240659547385}" type="datetime1">
               <a:rPr lang="ru-RU" smtClean="0"/>
-              <a:t>13.04.2022</a:t>
             </a:fld>
             <a:endParaRPr lang="en-US" dirty="0"/>
           </a:p>
         </p:txBody>
       </p:sp>
     </p:spTree>
-    <p:extLst>
-      <p:ext uri="{BB962C8B-B14F-4D97-AF65-F5344CB8AC3E}">
-        <p14:creationId xmlns:p14="http://schemas.microsoft.com/office/powerpoint/2010/main" val="1333429243"/>
-      </p:ext>
-    </p:extLst>
   </p:cSld>
   <p:clrMapOvr>
     <a:masterClrMapping/>
@@ -6232,13 +5713,7 @@
       </p:grpSpPr>
       <p:sp>
         <p:nvSpPr>
-          <p:cNvPr id="2" name="Заголовок 1">
-            <a:extLst>
-              <a:ext uri="{FF2B5EF4-FFF2-40B4-BE49-F238E27FC236}">
-                <a16:creationId xmlns:a16="http://schemas.microsoft.com/office/drawing/2014/main" id="{CABCB2F5-ACB5-40E1-B0BC-A8240643EE29}"/>
-              </a:ext>
-            </a:extLst>
-          </p:cNvPr>
+          <p:cNvPr id="2" name="Заголовок 1"/>
           <p:cNvSpPr>
             <a:spLocks noGrp="1"/>
           </p:cNvSpPr>
@@ -6255,19 +5730,13 @@
               <a:rPr lang="ru-RU" dirty="0"/>
               <a:t>Спиральная модель (пример)</a:t>
             </a:r>
-            <a:endParaRPr lang="ru-BY" dirty="0"/>
-          </a:p>
-        </p:txBody>
-      </p:sp>
-      <p:sp>
-        <p:nvSpPr>
-          <p:cNvPr id="3" name="Объект 2">
-            <a:extLst>
-              <a:ext uri="{FF2B5EF4-FFF2-40B4-BE49-F238E27FC236}">
-                <a16:creationId xmlns:a16="http://schemas.microsoft.com/office/drawing/2014/main" id="{E1BF0AA7-CDE9-47E7-B844-2FCF99ABACF8}"/>
-              </a:ext>
-            </a:extLst>
-          </p:cNvPr>
+            <a:endParaRPr lang="en-US" dirty="0"/>
+          </a:p>
+        </p:txBody>
+      </p:sp>
+      <p:sp>
+        <p:nvSpPr>
+          <p:cNvPr id="3" name="Объект 2"/>
           <p:cNvSpPr>
             <a:spLocks noGrp="1"/>
           </p:cNvSpPr>
@@ -6293,6 +5762,13 @@
               </a:rPr>
               <a:t>Рассмотрим, как функционирует эта модель, на примере разработки системы «Умный дом». </a:t>
             </a:r>
+            <a:endParaRPr lang="ru-RU" b="0" i="0" dirty="0">
+              <a:solidFill>
+                <a:srgbClr val="2C2D30"/>
+              </a:solidFill>
+              <a:effectLst/>
+              <a:latin typeface="Roboto" panose="02000000000000000000" pitchFamily="2" charset="0"/>
+            </a:endParaRPr>
           </a:p>
           <a:p>
             <a:pPr algn="l">
@@ -6309,6 +5785,13 @@
               </a:rPr>
               <a:t>Заказчик решил, что хочет сделать такую систему, и заказал программистам реализовать управление чайником с телефона. Они начали действовать по модели «водопад»: выслушали идею, провели анализ предложений на рынке, обсудили с заказчиком архитектуру системы, решили, как будут её реализовывать, разработали, протестировали и «выкатили» конечный продукт.</a:t>
             </a:r>
+            <a:endParaRPr lang="ru-RU" b="0" i="0" dirty="0">
+              <a:solidFill>
+                <a:srgbClr val="2C2D30"/>
+              </a:solidFill>
+              <a:effectLst/>
+              <a:latin typeface="Roboto" panose="02000000000000000000" pitchFamily="2" charset="0"/>
+            </a:endParaRPr>
           </a:p>
           <a:p>
             <a:pPr algn="l">
@@ -6325,6 +5808,13 @@
               </a:rPr>
               <a:t>Заказчик оценил результат и риски: насколько нужна пользователям следующая версия продукта — уже с управлением телевизором. Рассчитал сроки, бюджет и заказал разработку. Программисты действовали по каскадной модели и представили заказчику более сложный продукт, разработанный на базе первого.</a:t>
             </a:r>
+            <a:endParaRPr lang="ru-RU" b="0" i="0" dirty="0">
+              <a:solidFill>
+                <a:srgbClr val="2C2D30"/>
+              </a:solidFill>
+              <a:effectLst/>
+              <a:latin typeface="Roboto" panose="02000000000000000000" pitchFamily="2" charset="0"/>
+            </a:endParaRPr>
           </a:p>
           <a:p>
             <a:pPr algn="l">
@@ -6361,21 +5851,22 @@
               </a:rPr>
               <a:t>-Fi-модуль, да и производители не заинтересованы в сотрудничестве по этому вопросу. Следовательно, риски превышают потенциальную выгоду. На основе полученных данных заказчик решил прекратить разработку и совершенствовать имеющуюся функциональность, чтобы со временем понять, как развивать систему «Умный дом».</a:t>
             </a:r>
-          </a:p>
-          <a:p>
-            <a:endParaRPr lang="ru-BY" dirty="0"/>
-          </a:p>
-        </p:txBody>
-      </p:sp>
-      <p:sp>
-        <p:nvSpPr>
-          <p:cNvPr id="4" name="Дата 3">
-            <a:extLst>
-              <a:ext uri="{FF2B5EF4-FFF2-40B4-BE49-F238E27FC236}">
-                <a16:creationId xmlns:a16="http://schemas.microsoft.com/office/drawing/2014/main" id="{9E11E121-D978-4B24-87A0-EFE7ECA6C73D}"/>
-              </a:ext>
-            </a:extLst>
-          </p:cNvPr>
+            <a:endParaRPr lang="ru-RU" b="0" i="0" dirty="0">
+              <a:solidFill>
+                <a:srgbClr val="2C2D30"/>
+              </a:solidFill>
+              <a:effectLst/>
+              <a:latin typeface="Roboto" panose="02000000000000000000" pitchFamily="2" charset="0"/>
+            </a:endParaRPr>
+          </a:p>
+          <a:p>
+            <a:endParaRPr lang="en-US" dirty="0"/>
+          </a:p>
+        </p:txBody>
+      </p:sp>
+      <p:sp>
+        <p:nvSpPr>
+          <p:cNvPr id="4" name="Дата 3"/>
           <p:cNvSpPr>
             <a:spLocks noGrp="1"/>
           </p:cNvSpPr>
@@ -6391,18 +5882,12 @@
             <a:pPr rtl="0"/>
             <a:fld id="{BE289488-0C23-4DC8-A9FA-240659547385}" type="datetime1">
               <a:rPr lang="ru-RU" smtClean="0"/>
-              <a:t>13.04.2022</a:t>
             </a:fld>
             <a:endParaRPr lang="en-US" dirty="0"/>
           </a:p>
         </p:txBody>
       </p:sp>
     </p:spTree>
-    <p:extLst>
-      <p:ext uri="{BB962C8B-B14F-4D97-AF65-F5344CB8AC3E}">
-        <p14:creationId xmlns:p14="http://schemas.microsoft.com/office/powerpoint/2010/main" val="3866844882"/>
-      </p:ext>
-    </p:extLst>
   </p:cSld>
   <p:clrMapOvr>
     <a:masterClrMapping/>
@@ -6429,13 +5914,7 @@
       </p:grpSpPr>
       <p:sp>
         <p:nvSpPr>
-          <p:cNvPr id="2" name="Заголовок 1">
-            <a:extLst>
-              <a:ext uri="{FF2B5EF4-FFF2-40B4-BE49-F238E27FC236}">
-                <a16:creationId xmlns:a16="http://schemas.microsoft.com/office/drawing/2014/main" id="{EAE385B0-7A1F-4B51-A9AA-B3CC878DC9F7}"/>
-              </a:ext>
-            </a:extLst>
-          </p:cNvPr>
+          <p:cNvPr id="2" name="Заголовок 1"/>
           <p:cNvSpPr>
             <a:spLocks noGrp="1"/>
           </p:cNvSpPr>
@@ -6452,19 +5931,13 @@
               <a:rPr lang="ru-RU" dirty="0"/>
               <a:t>Спиральная модель (преимущества)</a:t>
             </a:r>
-            <a:endParaRPr lang="ru-BY" dirty="0"/>
-          </a:p>
-        </p:txBody>
-      </p:sp>
-      <p:sp>
-        <p:nvSpPr>
-          <p:cNvPr id="3" name="Объект 2">
-            <a:extLst>
-              <a:ext uri="{FF2B5EF4-FFF2-40B4-BE49-F238E27FC236}">
-                <a16:creationId xmlns:a16="http://schemas.microsoft.com/office/drawing/2014/main" id="{D806A292-F21D-4F5B-871D-D0F64E3DE14F}"/>
-              </a:ext>
-            </a:extLst>
-          </p:cNvPr>
+            <a:endParaRPr lang="en-US" dirty="0"/>
+          </a:p>
+        </p:txBody>
+      </p:sp>
+      <p:sp>
+        <p:nvSpPr>
+          <p:cNvPr id="3" name="Объект 2"/>
           <p:cNvSpPr>
             <a:spLocks noGrp="1"/>
           </p:cNvSpPr>
@@ -6481,6 +5954,7 @@
               <a:rPr lang="ru-RU" b="1" dirty="0"/>
               <a:t>Преимущества:</a:t>
             </a:r>
+            <a:endParaRPr lang="ru-RU" b="1" dirty="0"/>
           </a:p>
           <a:p>
             <a:pPr>
@@ -6491,6 +5965,7 @@
               <a:rPr lang="ru-RU" dirty="0"/>
               <a:t>управлению рисками уделяется особое внимание;</a:t>
             </a:r>
+            <a:endParaRPr lang="ru-RU" dirty="0"/>
           </a:p>
           <a:p>
             <a:pPr>
@@ -6501,6 +5976,7 @@
               <a:rPr lang="ru-RU" dirty="0"/>
               <a:t>дополнительные функции могут быть добавлены на поздних этапах;</a:t>
             </a:r>
+            <a:endParaRPr lang="ru-RU" dirty="0"/>
           </a:p>
           <a:p>
             <a:pPr>
@@ -6511,21 +5987,16 @@
               <a:rPr lang="ru-RU" dirty="0"/>
               <a:t>есть возможность гибкого проектирования.</a:t>
             </a:r>
-          </a:p>
-          <a:p>
-            <a:endParaRPr lang="ru-BY" dirty="0"/>
-          </a:p>
-        </p:txBody>
-      </p:sp>
-      <p:sp>
-        <p:nvSpPr>
-          <p:cNvPr id="4" name="Дата 3">
-            <a:extLst>
-              <a:ext uri="{FF2B5EF4-FFF2-40B4-BE49-F238E27FC236}">
-                <a16:creationId xmlns:a16="http://schemas.microsoft.com/office/drawing/2014/main" id="{7720D21D-E93E-4CE2-92B8-493B0FDF6456}"/>
-              </a:ext>
-            </a:extLst>
-          </p:cNvPr>
+            <a:endParaRPr lang="ru-RU" dirty="0"/>
+          </a:p>
+          <a:p>
+            <a:endParaRPr lang="en-US" dirty="0"/>
+          </a:p>
+        </p:txBody>
+      </p:sp>
+      <p:sp>
+        <p:nvSpPr>
+          <p:cNvPr id="4" name="Дата 3"/>
           <p:cNvSpPr>
             <a:spLocks noGrp="1"/>
           </p:cNvSpPr>
@@ -6541,18 +6012,12 @@
             <a:pPr rtl="0"/>
             <a:fld id="{BE289488-0C23-4DC8-A9FA-240659547385}" type="datetime1">
               <a:rPr lang="ru-RU" smtClean="0"/>
-              <a:t>13.04.2022</a:t>
             </a:fld>
             <a:endParaRPr lang="en-US" dirty="0"/>
           </a:p>
         </p:txBody>
       </p:sp>
     </p:spTree>
-    <p:extLst>
-      <p:ext uri="{BB962C8B-B14F-4D97-AF65-F5344CB8AC3E}">
-        <p14:creationId xmlns:p14="http://schemas.microsoft.com/office/powerpoint/2010/main" val="2247475747"/>
-      </p:ext>
-    </p:extLst>
   </p:cSld>
   <p:clrMapOvr>
     <a:masterClrMapping/>
@@ -6579,13 +6044,7 @@
       </p:grpSpPr>
       <p:sp>
         <p:nvSpPr>
-          <p:cNvPr id="2" name="Заголовок 1">
-            <a:extLst>
-              <a:ext uri="{FF2B5EF4-FFF2-40B4-BE49-F238E27FC236}">
-                <a16:creationId xmlns:a16="http://schemas.microsoft.com/office/drawing/2014/main" id="{CBDBD770-C165-4443-B49B-1BF7EB2D7A13}"/>
-              </a:ext>
-            </a:extLst>
-          </p:cNvPr>
+          <p:cNvPr id="2" name="Заголовок 1"/>
           <p:cNvSpPr>
             <a:spLocks noGrp="1"/>
           </p:cNvSpPr>
@@ -6602,19 +6061,13 @@
               <a:rPr lang="ru-RU" dirty="0"/>
               <a:t>Спиральная модель (недостатки)</a:t>
             </a:r>
-            <a:endParaRPr lang="ru-BY" dirty="0"/>
-          </a:p>
-        </p:txBody>
-      </p:sp>
-      <p:sp>
-        <p:nvSpPr>
-          <p:cNvPr id="3" name="Объект 2">
-            <a:extLst>
-              <a:ext uri="{FF2B5EF4-FFF2-40B4-BE49-F238E27FC236}">
-                <a16:creationId xmlns:a16="http://schemas.microsoft.com/office/drawing/2014/main" id="{D72D9584-F7C3-4B4B-96A1-B7FF6BCA1FE6}"/>
-              </a:ext>
-            </a:extLst>
-          </p:cNvPr>
+            <a:endParaRPr lang="en-US" dirty="0"/>
+          </a:p>
+        </p:txBody>
+      </p:sp>
+      <p:sp>
+        <p:nvSpPr>
+          <p:cNvPr id="3" name="Объект 2"/>
           <p:cNvSpPr>
             <a:spLocks noGrp="1"/>
           </p:cNvSpPr>
@@ -6631,6 +6084,7 @@
               <a:rPr lang="ru-RU" b="1" u="sng" dirty="0"/>
               <a:t>Недостатки:</a:t>
             </a:r>
+            <a:endParaRPr lang="ru-RU" b="1" u="sng" dirty="0"/>
           </a:p>
           <a:p>
             <a:pPr algn="just">
@@ -6641,6 +6095,7 @@
               <a:rPr lang="ru-RU" dirty="0"/>
               <a:t>оценка рисков на каждом этапе является довольно затратной;</a:t>
             </a:r>
+            <a:endParaRPr lang="ru-RU" dirty="0"/>
           </a:p>
           <a:p>
             <a:pPr algn="just">
@@ -6651,6 +6106,7 @@
               <a:rPr lang="ru-RU" dirty="0"/>
               <a:t>постоянные отзывы и реакция заказчика может провоцировать все новые и новые итерации, которые могут приводить к временному затягиванию разработки продукта;</a:t>
             </a:r>
+            <a:endParaRPr lang="ru-RU" dirty="0"/>
           </a:p>
           <a:p>
             <a:pPr algn="just">
@@ -6661,19 +6117,13 @@
               <a:rPr lang="ru-RU" dirty="0"/>
               <a:t>более применима для больших проектов.</a:t>
             </a:r>
-            <a:endParaRPr lang="ru-BY" dirty="0"/>
-          </a:p>
-        </p:txBody>
-      </p:sp>
-      <p:sp>
-        <p:nvSpPr>
-          <p:cNvPr id="4" name="Дата 3">
-            <a:extLst>
-              <a:ext uri="{FF2B5EF4-FFF2-40B4-BE49-F238E27FC236}">
-                <a16:creationId xmlns:a16="http://schemas.microsoft.com/office/drawing/2014/main" id="{F070109E-FC5E-4CCA-B7EF-C1056567B076}"/>
-              </a:ext>
-            </a:extLst>
-          </p:cNvPr>
+            <a:endParaRPr lang="en-US" dirty="0"/>
+          </a:p>
+        </p:txBody>
+      </p:sp>
+      <p:sp>
+        <p:nvSpPr>
+          <p:cNvPr id="4" name="Дата 3"/>
           <p:cNvSpPr>
             <a:spLocks noGrp="1"/>
           </p:cNvSpPr>
@@ -6689,18 +6139,12 @@
             <a:pPr rtl="0"/>
             <a:fld id="{BE289488-0C23-4DC8-A9FA-240659547385}" type="datetime1">
               <a:rPr lang="ru-RU" smtClean="0"/>
-              <a:t>13.04.2022</a:t>
             </a:fld>
             <a:endParaRPr lang="en-US" dirty="0"/>
           </a:p>
         </p:txBody>
       </p:sp>
     </p:spTree>
-    <p:extLst>
-      <p:ext uri="{BB962C8B-B14F-4D97-AF65-F5344CB8AC3E}">
-        <p14:creationId xmlns:p14="http://schemas.microsoft.com/office/powerpoint/2010/main" val="2366320940"/>
-      </p:ext>
-    </p:extLst>
   </p:cSld>
   <p:clrMapOvr>
     <a:masterClrMapping/>
@@ -6735,26 +6179,11 @@
       </p:grpSpPr>
       <p:sp>
         <p:nvSpPr>
-          <p:cNvPr id="47" name="Прямоугольник 46">
-            <a:extLst>
-              <a:ext uri="{FF2B5EF4-FFF2-40B4-BE49-F238E27FC236}">
-                <a16:creationId xmlns:a16="http://schemas.microsoft.com/office/drawing/2014/main" id="{FBDCECDC-EEE3-4128-AA5E-82A8C08796E8}"/>
-              </a:ext>
-              <a:ext uri="{C183D7F6-B498-43B3-948B-1728B52AA6E4}">
-                <adec:decorative xmlns:adec="http://schemas.microsoft.com/office/drawing/2017/decorative" val="1"/>
-              </a:ext>
-            </a:extLst>
-          </p:cNvPr>
+          <p:cNvPr id="47" name="Прямоугольник 46"/>
           <p:cNvSpPr>
             <a:spLocks noGrp="1" noRot="1" noChangeAspect="1" noMove="1" noResize="1" noEditPoints="1" noAdjustHandles="1" noChangeArrowheads="1" noChangeShapeType="1" noTextEdit="1"/>
           </p:cNvSpPr>
-          <p:nvPr>
-            <p:extLst>
-              <p:ext uri="{386F3935-93C4-4BCD-93E2-E3B085C9AB24}">
-                <p16:designElem xmlns:p16="http://schemas.microsoft.com/office/powerpoint/2015/main" val="1"/>
-              </p:ext>
-            </p:extLst>
-          </p:nvPr>
+          <p:nvPr/>
         </p:nvSpPr>
         <p:spPr>
           <a:xfrm>
@@ -6798,13 +6227,7 @@
       </p:sp>
       <p:sp>
         <p:nvSpPr>
-          <p:cNvPr id="2" name="Заголовок 1">
-            <a:extLst>
-              <a:ext uri="{FF2B5EF4-FFF2-40B4-BE49-F238E27FC236}">
-                <a16:creationId xmlns:a16="http://schemas.microsoft.com/office/drawing/2014/main" id="{9AB2EA78-AEB3-469B-9025-3B17201A457B}"/>
-              </a:ext>
-            </a:extLst>
-          </p:cNvPr>
+          <p:cNvPr id="2" name="Заголовок 1"/>
           <p:cNvSpPr>
             <a:spLocks noGrp="1"/>
           </p:cNvSpPr>
@@ -6856,7 +6279,7 @@
               </a:rPr>
               <a:t>принятия решения о необходимости его создания и заканчивается в момент его полного изъятия из эксплуатации.</a:t>
             </a:r>
-            <a:endParaRPr lang="ru" sz="3600" i="1" dirty="0">
+            <a:endParaRPr lang="en-US" sz="3600" i="1" dirty="0">
               <a:solidFill>
                 <a:srgbClr val="FFFFFF"/>
               </a:solidFill>
@@ -6866,26 +6289,11 @@
       </p:sp>
       <p:sp>
         <p:nvSpPr>
-          <p:cNvPr id="49" name="Прямоугольник 48">
-            <a:extLst>
-              <a:ext uri="{FF2B5EF4-FFF2-40B4-BE49-F238E27FC236}">
-                <a16:creationId xmlns:a16="http://schemas.microsoft.com/office/drawing/2014/main" id="{4260EDE0-989C-4E16-AF94-F652294D828E}"/>
-              </a:ext>
-              <a:ext uri="{C183D7F6-B498-43B3-948B-1728B52AA6E4}">
-                <adec:decorative xmlns:adec="http://schemas.microsoft.com/office/drawing/2017/decorative" val="1"/>
-              </a:ext>
-            </a:extLst>
-          </p:cNvPr>
+          <p:cNvPr id="49" name="Прямоугольник 48"/>
           <p:cNvSpPr>
             <a:spLocks noGrp="1" noRot="1" noChangeAspect="1" noMove="1" noResize="1" noEditPoints="1" noAdjustHandles="1" noChangeArrowheads="1" noChangeShapeType="1" noTextEdit="1"/>
           </p:cNvSpPr>
-          <p:nvPr>
-            <p:extLst>
-              <p:ext uri="{386F3935-93C4-4BCD-93E2-E3B085C9AB24}">
-                <p16:designElem xmlns:p16="http://schemas.microsoft.com/office/powerpoint/2015/main" val="1"/>
-              </p:ext>
-            </p:extLst>
-          </p:nvPr>
+          <p:nvPr/>
         </p:nvSpPr>
         <p:spPr bwMode="white">
           <a:xfrm>
@@ -6921,13 +6329,7 @@
       </p:sp>
       <p:sp>
         <p:nvSpPr>
-          <p:cNvPr id="3" name="Подзаголовок 2">
-            <a:extLst>
-              <a:ext uri="{FF2B5EF4-FFF2-40B4-BE49-F238E27FC236}">
-                <a16:creationId xmlns:a16="http://schemas.microsoft.com/office/drawing/2014/main" id="{255E1F2F-E259-4EA8-9FFD-3A10AF541859}"/>
-              </a:ext>
-            </a:extLst>
-          </p:cNvPr>
+          <p:cNvPr id="3" name="Подзаголовок 2"/>
           <p:cNvSpPr>
             <a:spLocks noGrp="1"/>
           </p:cNvSpPr>
@@ -6948,7 +6350,7 @@
           <a:lstStyle/>
           <a:p>
             <a:pPr rtl="0"/>
-            <a:endParaRPr lang="ru" dirty="0">
+            <a:endParaRPr lang="en-US" dirty="0">
               <a:solidFill>
                 <a:srgbClr val="FFFFFF"/>
               </a:solidFill>
@@ -6957,11 +6359,6 @@
         </p:txBody>
       </p:sp>
     </p:spTree>
-    <p:extLst>
-      <p:ext uri="{BB962C8B-B14F-4D97-AF65-F5344CB8AC3E}">
-        <p14:creationId xmlns:p14="http://schemas.microsoft.com/office/powerpoint/2010/main" val="191714609"/>
-      </p:ext>
-    </p:extLst>
   </p:cSld>
   <p:clrMapOvr>
     <a:masterClrMapping/>
@@ -6988,13 +6385,7 @@
       </p:grpSpPr>
       <p:sp>
         <p:nvSpPr>
-          <p:cNvPr id="2" name="Заголовок 1">
-            <a:extLst>
-              <a:ext uri="{FF2B5EF4-FFF2-40B4-BE49-F238E27FC236}">
-                <a16:creationId xmlns:a16="http://schemas.microsoft.com/office/drawing/2014/main" id="{DB17BAFE-6309-42A7-8DF4-B8B810E765DE}"/>
-              </a:ext>
-            </a:extLst>
-          </p:cNvPr>
+          <p:cNvPr id="2" name="Заголовок 1"/>
           <p:cNvSpPr>
             <a:spLocks noGrp="1"/>
           </p:cNvSpPr>
@@ -7011,19 +6402,13 @@
               <a:rPr lang="ru-RU" dirty="0"/>
               <a:t>Инкрементная модель</a:t>
             </a:r>
-            <a:endParaRPr lang="ru-BY" dirty="0"/>
-          </a:p>
-        </p:txBody>
-      </p:sp>
-      <p:sp>
-        <p:nvSpPr>
-          <p:cNvPr id="3" name="Объект 2">
-            <a:extLst>
-              <a:ext uri="{FF2B5EF4-FFF2-40B4-BE49-F238E27FC236}">
-                <a16:creationId xmlns:a16="http://schemas.microsoft.com/office/drawing/2014/main" id="{A3F4FCF6-91AC-4C08-ADEE-D498395E38F4}"/>
-              </a:ext>
-            </a:extLst>
-          </p:cNvPr>
+            <a:endParaRPr lang="en-US" dirty="0"/>
+          </a:p>
+        </p:txBody>
+      </p:sp>
+      <p:sp>
+        <p:nvSpPr>
+          <p:cNvPr id="3" name="Объект 2"/>
           <p:cNvSpPr>
             <a:spLocks noGrp="1"/>
           </p:cNvSpPr>
@@ -7069,6 +6454,13 @@
               </a:rPr>
               <a:t> в переводе с англ. — приращение) уходит корнями в 1930-е. Рассмотрим её на примере создания социальной сети.</a:t>
             </a:r>
+            <a:endParaRPr lang="ru-RU" b="0" i="0" dirty="0">
+              <a:solidFill>
+                <a:srgbClr val="2C2D30"/>
+              </a:solidFill>
+              <a:effectLst/>
+              <a:latin typeface="Roboto" panose="02000000000000000000" pitchFamily="2" charset="0"/>
+            </a:endParaRPr>
           </a:p>
           <a:p>
             <a:pPr algn="just">
@@ -7085,6 +6477,13 @@
               </a:rPr>
               <a:t>Заказчик решил, что хочет запустить соцсеть, и написал подробное техническое задание. Программисты предложили реализовать основные функции — страницу с личной информацией и чат. А затем протестировать на пользователях, «взлетит или нет».</a:t>
             </a:r>
+            <a:endParaRPr lang="ru-RU" b="0" i="0" dirty="0">
+              <a:solidFill>
+                <a:srgbClr val="2C2D30"/>
+              </a:solidFill>
+              <a:effectLst/>
+              <a:latin typeface="Roboto" panose="02000000000000000000" pitchFamily="2" charset="0"/>
+            </a:endParaRPr>
           </a:p>
           <a:p>
             <a:pPr algn="just">
@@ -7101,6 +6500,13 @@
               </a:rPr>
               <a:t>Команда разработки показывает продукт заказчику и выпускает его на рынок. Если и заказчику, и пользователям социальная сеть нравится, работа над ней продолжается, но уже по частям.</a:t>
             </a:r>
+            <a:endParaRPr lang="ru-RU" b="0" i="0" dirty="0">
+              <a:solidFill>
+                <a:srgbClr val="2C2D30"/>
+              </a:solidFill>
+              <a:effectLst/>
+              <a:latin typeface="Roboto" panose="02000000000000000000" pitchFamily="2" charset="0"/>
+            </a:endParaRPr>
           </a:p>
           <a:p>
             <a:pPr algn="just">
@@ -7117,21 +6523,22 @@
               </a:rPr>
               <a:t>Программисты параллельно создают функциональность для загрузки фотографий, обмена документами, прослушивания музыки и других действий, согласованных с заказчиком. Инкремент за инкрементом они совершенствуют продукт, приближаясь к описанному в техническом задании.</a:t>
             </a:r>
-          </a:p>
-          <a:p>
-            <a:endParaRPr lang="ru-BY" dirty="0"/>
-          </a:p>
-        </p:txBody>
-      </p:sp>
-      <p:sp>
-        <p:nvSpPr>
-          <p:cNvPr id="4" name="Дата 3">
-            <a:extLst>
-              <a:ext uri="{FF2B5EF4-FFF2-40B4-BE49-F238E27FC236}">
-                <a16:creationId xmlns:a16="http://schemas.microsoft.com/office/drawing/2014/main" id="{E9081A31-8454-421F-B122-824D8FA76E59}"/>
-              </a:ext>
-            </a:extLst>
-          </p:cNvPr>
+            <a:endParaRPr lang="ru-RU" b="0" i="0" dirty="0">
+              <a:solidFill>
+                <a:srgbClr val="2C2D30"/>
+              </a:solidFill>
+              <a:effectLst/>
+              <a:latin typeface="Roboto" panose="02000000000000000000" pitchFamily="2" charset="0"/>
+            </a:endParaRPr>
+          </a:p>
+          <a:p>
+            <a:endParaRPr lang="en-US" dirty="0"/>
+          </a:p>
+        </p:txBody>
+      </p:sp>
+      <p:sp>
+        <p:nvSpPr>
+          <p:cNvPr id="4" name="Дата 3"/>
           <p:cNvSpPr>
             <a:spLocks noGrp="1"/>
           </p:cNvSpPr>
@@ -7147,18 +6554,12 @@
             <a:pPr rtl="0"/>
             <a:fld id="{BE289488-0C23-4DC8-A9FA-240659547385}" type="datetime1">
               <a:rPr lang="ru-RU" smtClean="0"/>
-              <a:t>13.04.2022</a:t>
             </a:fld>
             <a:endParaRPr lang="en-US" dirty="0"/>
           </a:p>
         </p:txBody>
       </p:sp>
     </p:spTree>
-    <p:extLst>
-      <p:ext uri="{BB962C8B-B14F-4D97-AF65-F5344CB8AC3E}">
-        <p14:creationId xmlns:p14="http://schemas.microsoft.com/office/powerpoint/2010/main" val="2157363562"/>
-      </p:ext>
-    </p:extLst>
   </p:cSld>
   <p:clrMapOvr>
     <a:masterClrMapping/>
@@ -7185,13 +6586,7 @@
       </p:grpSpPr>
       <p:sp>
         <p:nvSpPr>
-          <p:cNvPr id="2" name="Заголовок 1">
-            <a:extLst>
-              <a:ext uri="{FF2B5EF4-FFF2-40B4-BE49-F238E27FC236}">
-                <a16:creationId xmlns:a16="http://schemas.microsoft.com/office/drawing/2014/main" id="{226B6DB8-0741-4D03-9CA7-064F5BF8FC23}"/>
-              </a:ext>
-            </a:extLst>
-          </p:cNvPr>
+          <p:cNvPr id="2" name="Заголовок 1"/>
           <p:cNvSpPr>
             <a:spLocks noGrp="1"/>
           </p:cNvSpPr>
@@ -7208,19 +6603,13 @@
               <a:rPr lang="ru-RU" dirty="0"/>
               <a:t>Инкрементная модель</a:t>
             </a:r>
-            <a:endParaRPr lang="ru-BY" dirty="0"/>
-          </a:p>
-        </p:txBody>
-      </p:sp>
-      <p:sp>
-        <p:nvSpPr>
-          <p:cNvPr id="4" name="Дата 3">
-            <a:extLst>
-              <a:ext uri="{FF2B5EF4-FFF2-40B4-BE49-F238E27FC236}">
-                <a16:creationId xmlns:a16="http://schemas.microsoft.com/office/drawing/2014/main" id="{D6163274-629C-4FB3-9AE9-08A650E164E2}"/>
-              </a:ext>
-            </a:extLst>
-          </p:cNvPr>
+            <a:endParaRPr lang="en-US" dirty="0"/>
+          </a:p>
+        </p:txBody>
+      </p:sp>
+      <p:sp>
+        <p:nvSpPr>
+          <p:cNvPr id="4" name="Дата 3"/>
           <p:cNvSpPr>
             <a:spLocks noGrp="1"/>
           </p:cNvSpPr>
@@ -7236,7 +6625,6 @@
             <a:pPr rtl="0"/>
             <a:fld id="{BE289488-0C23-4DC8-A9FA-240659547385}" type="datetime1">
               <a:rPr lang="ru-RU" smtClean="0"/>
-              <a:t>13.04.2022</a:t>
             </a:fld>
             <a:endParaRPr lang="en-US" dirty="0"/>
           </a:p>
@@ -7244,20 +6632,14 @@
       </p:sp>
       <p:pic>
         <p:nvPicPr>
-          <p:cNvPr id="9" name="Picture 2" descr="Инкрементная модель">
-            <a:extLst>
-              <a:ext uri="{FF2B5EF4-FFF2-40B4-BE49-F238E27FC236}">
-                <a16:creationId xmlns:a16="http://schemas.microsoft.com/office/drawing/2014/main" id="{ACB5F9E7-BA3D-43AE-9CA6-60F251243851}"/>
-              </a:ext>
-            </a:extLst>
-          </p:cNvPr>
+          <p:cNvPr id="9" name="Picture 2" descr="Инкрементная модель"/>
           <p:cNvPicPr>
             <a:picLocks noChangeAspect="1" noChangeArrowheads="1"/>
           </p:cNvPicPr>
           <p:nvPr/>
         </p:nvPicPr>
         <p:blipFill>
-          <a:blip r:embed="rId3">
+          <a:blip r:embed="rId1">
             <a:extLst>
               <a:ext uri="{28A0092B-C50C-407E-A947-70E740481C1C}">
                 <a14:useLocalDpi xmlns:a14="http://schemas.microsoft.com/office/drawing/2010/main" val="0"/>
@@ -7291,13 +6673,7 @@
       </p:pic>
       <p:sp>
         <p:nvSpPr>
-          <p:cNvPr id="11" name="Объект 10">
-            <a:extLst>
-              <a:ext uri="{FF2B5EF4-FFF2-40B4-BE49-F238E27FC236}">
-                <a16:creationId xmlns:a16="http://schemas.microsoft.com/office/drawing/2014/main" id="{774A9194-3AA3-47C2-B096-53B6D8913C48}"/>
-              </a:ext>
-            </a:extLst>
-          </p:cNvPr>
+          <p:cNvPr id="11" name="Объект 10"/>
           <p:cNvSpPr>
             <a:spLocks noGrp="1"/>
           </p:cNvSpPr>
@@ -7310,16 +6686,11 @@
           <a:bodyPr/>
           <a:lstStyle/>
           <a:p>
-            <a:endParaRPr lang="ru-BY" dirty="0"/>
+            <a:endParaRPr lang="en-US" dirty="0"/>
           </a:p>
         </p:txBody>
       </p:sp>
     </p:spTree>
-    <p:extLst>
-      <p:ext uri="{BB962C8B-B14F-4D97-AF65-F5344CB8AC3E}">
-        <p14:creationId xmlns:p14="http://schemas.microsoft.com/office/powerpoint/2010/main" val="2052523302"/>
-      </p:ext>
-    </p:extLst>
   </p:cSld>
   <p:clrMapOvr>
     <a:masterClrMapping/>
@@ -7346,13 +6717,7 @@
       </p:grpSpPr>
       <p:sp>
         <p:nvSpPr>
-          <p:cNvPr id="2" name="Заголовок 1">
-            <a:extLst>
-              <a:ext uri="{FF2B5EF4-FFF2-40B4-BE49-F238E27FC236}">
-                <a16:creationId xmlns:a16="http://schemas.microsoft.com/office/drawing/2014/main" id="{0EFB5919-1327-4B1D-AD86-41E5CBCF3680}"/>
-              </a:ext>
-            </a:extLst>
-          </p:cNvPr>
+          <p:cNvPr id="2" name="Заголовок 1"/>
           <p:cNvSpPr>
             <a:spLocks noGrp="1"/>
           </p:cNvSpPr>
@@ -7369,19 +6734,13 @@
               <a:rPr lang="ru-RU" dirty="0"/>
               <a:t>Инкрементная модель (преимущества)</a:t>
             </a:r>
-            <a:endParaRPr lang="ru-BY" dirty="0"/>
-          </a:p>
-        </p:txBody>
-      </p:sp>
-      <p:sp>
-        <p:nvSpPr>
-          <p:cNvPr id="3" name="Объект 2">
-            <a:extLst>
-              <a:ext uri="{FF2B5EF4-FFF2-40B4-BE49-F238E27FC236}">
-                <a16:creationId xmlns:a16="http://schemas.microsoft.com/office/drawing/2014/main" id="{703E62A1-9919-41F9-9DDD-2E5259D54A4D}"/>
-              </a:ext>
-            </a:extLst>
-          </p:cNvPr>
+            <a:endParaRPr lang="en-US" dirty="0"/>
+          </a:p>
+        </p:txBody>
+      </p:sp>
+      <p:sp>
+        <p:nvSpPr>
+          <p:cNvPr id="3" name="Объект 2"/>
           <p:cNvSpPr>
             <a:spLocks noGrp="1"/>
           </p:cNvSpPr>
@@ -7438,6 +6797,13 @@
               </a:rPr>
               <a:t> Заказчик оплачивает создание основных функций, получает продукт, «выкатывает» его на рынок — и по итогам обратной связи решает, продолжать ли разработку.</a:t>
             </a:r>
+            <a:endParaRPr lang="ru-RU" b="0" i="0" dirty="0">
+              <a:solidFill>
+                <a:srgbClr val="2C2D30"/>
+              </a:solidFill>
+              <a:effectLst/>
+              <a:latin typeface="Roboto" panose="02000000000000000000" pitchFamily="2" charset="0"/>
+            </a:endParaRPr>
           </a:p>
           <a:p>
             <a:pPr algn="l">
@@ -7464,6 +6830,13 @@
               </a:rPr>
               <a:t> Так снижается риск создать продукт, который никому не нужен.</a:t>
             </a:r>
+            <a:endParaRPr lang="ru-RU" b="0" i="0" dirty="0">
+              <a:solidFill>
+                <a:srgbClr val="2C2D30"/>
+              </a:solidFill>
+              <a:effectLst/>
+              <a:latin typeface="Roboto" panose="02000000000000000000" pitchFamily="2" charset="0"/>
+            </a:endParaRPr>
           </a:p>
           <a:p>
             <a:pPr algn="l">
@@ -7500,21 +6873,22 @@
               </a:rPr>
               <a:t>Если при разработке архитектуры была допущена ошибка, то исправить её будет стоить не так дорого, как в «водопаде» или V-образной модели.</a:t>
             </a:r>
-          </a:p>
-          <a:p>
-            <a:endParaRPr lang="ru-BY" dirty="0"/>
-          </a:p>
-        </p:txBody>
-      </p:sp>
-      <p:sp>
-        <p:nvSpPr>
-          <p:cNvPr id="4" name="Дата 3">
-            <a:extLst>
-              <a:ext uri="{FF2B5EF4-FFF2-40B4-BE49-F238E27FC236}">
-                <a16:creationId xmlns:a16="http://schemas.microsoft.com/office/drawing/2014/main" id="{E983E773-D70F-45CB-84C3-6991754CBDE9}"/>
-              </a:ext>
-            </a:extLst>
-          </p:cNvPr>
+            <a:endParaRPr lang="ru-RU" b="0" i="0" dirty="0">
+              <a:solidFill>
+                <a:srgbClr val="2C2D30"/>
+              </a:solidFill>
+              <a:effectLst/>
+              <a:latin typeface="Roboto" panose="02000000000000000000" pitchFamily="2" charset="0"/>
+            </a:endParaRPr>
+          </a:p>
+          <a:p>
+            <a:endParaRPr lang="en-US" dirty="0"/>
+          </a:p>
+        </p:txBody>
+      </p:sp>
+      <p:sp>
+        <p:nvSpPr>
+          <p:cNvPr id="4" name="Дата 3"/>
           <p:cNvSpPr>
             <a:spLocks noGrp="1"/>
           </p:cNvSpPr>
@@ -7530,18 +6904,12 @@
             <a:pPr rtl="0"/>
             <a:fld id="{BE289488-0C23-4DC8-A9FA-240659547385}" type="datetime1">
               <a:rPr lang="ru-RU" smtClean="0"/>
-              <a:t>13.04.2022</a:t>
             </a:fld>
             <a:endParaRPr lang="en-US" dirty="0"/>
           </a:p>
         </p:txBody>
       </p:sp>
     </p:spTree>
-    <p:extLst>
-      <p:ext uri="{BB962C8B-B14F-4D97-AF65-F5344CB8AC3E}">
-        <p14:creationId xmlns:p14="http://schemas.microsoft.com/office/powerpoint/2010/main" val="1740153054"/>
-      </p:ext>
-    </p:extLst>
   </p:cSld>
   <p:clrMapOvr>
     <a:masterClrMapping/>
@@ -7568,13 +6936,7 @@
       </p:grpSpPr>
       <p:sp>
         <p:nvSpPr>
-          <p:cNvPr id="2" name="Заголовок 1">
-            <a:extLst>
-              <a:ext uri="{FF2B5EF4-FFF2-40B4-BE49-F238E27FC236}">
-                <a16:creationId xmlns:a16="http://schemas.microsoft.com/office/drawing/2014/main" id="{3A5C3F53-3E03-48C4-A4FB-40CC6BCA2AE9}"/>
-              </a:ext>
-            </a:extLst>
-          </p:cNvPr>
+          <p:cNvPr id="2" name="Заголовок 1"/>
           <p:cNvSpPr>
             <a:spLocks noGrp="1"/>
           </p:cNvSpPr>
@@ -7591,19 +6953,13 @@
               <a:rPr lang="ru-RU" dirty="0"/>
               <a:t>Инкрементная модель (недостатки)</a:t>
             </a:r>
-            <a:endParaRPr lang="ru-BY" dirty="0"/>
-          </a:p>
-        </p:txBody>
-      </p:sp>
-      <p:sp>
-        <p:nvSpPr>
-          <p:cNvPr id="3" name="Объект 2">
-            <a:extLst>
-              <a:ext uri="{FF2B5EF4-FFF2-40B4-BE49-F238E27FC236}">
-                <a16:creationId xmlns:a16="http://schemas.microsoft.com/office/drawing/2014/main" id="{6B315CED-10BB-4F8A-A250-84FB89DDBD6A}"/>
-              </a:ext>
-            </a:extLst>
-          </p:cNvPr>
+            <a:endParaRPr lang="en-US" dirty="0"/>
+          </a:p>
+        </p:txBody>
+      </p:sp>
+      <p:sp>
+        <p:nvSpPr>
+          <p:cNvPr id="3" name="Объект 2"/>
           <p:cNvSpPr>
             <a:spLocks noGrp="1"/>
           </p:cNvSpPr>
@@ -7662,6 +7018,13 @@
               </a:rPr>
               <a:t> Чтобы этого не произошло, важно на этапе обсуждения техзадания объяснить, каким он будет, чтобы у всех участников проекта сложилось единое понимание. </a:t>
             </a:r>
+            <a:endParaRPr lang="ru-RU" b="0" i="0" dirty="0">
+              <a:solidFill>
+                <a:srgbClr val="2C2D30"/>
+              </a:solidFill>
+              <a:effectLst/>
+              <a:latin typeface="Roboto" panose="02000000000000000000" pitchFamily="2" charset="0"/>
+            </a:endParaRPr>
           </a:p>
           <a:p>
             <a:pPr algn="l">
@@ -7688,21 +7051,22 @@
               </a:rPr>
               <a:t> Чтобы этого не случилось, менеджер проекта должен контролировать, чем занимается каждая команда.</a:t>
             </a:r>
-          </a:p>
-          <a:p>
-            <a:endParaRPr lang="ru-BY" dirty="0"/>
-          </a:p>
-        </p:txBody>
-      </p:sp>
-      <p:sp>
-        <p:nvSpPr>
-          <p:cNvPr id="4" name="Дата 3">
-            <a:extLst>
-              <a:ext uri="{FF2B5EF4-FFF2-40B4-BE49-F238E27FC236}">
-                <a16:creationId xmlns:a16="http://schemas.microsoft.com/office/drawing/2014/main" id="{C76CC13E-A1FA-4275-88EB-E41854D11CCC}"/>
-              </a:ext>
-            </a:extLst>
-          </p:cNvPr>
+            <a:endParaRPr lang="ru-RU" b="0" i="0" dirty="0">
+              <a:solidFill>
+                <a:srgbClr val="2C2D30"/>
+              </a:solidFill>
+              <a:effectLst/>
+              <a:latin typeface="Roboto" panose="02000000000000000000" pitchFamily="2" charset="0"/>
+            </a:endParaRPr>
+          </a:p>
+          <a:p>
+            <a:endParaRPr lang="en-US" dirty="0"/>
+          </a:p>
+        </p:txBody>
+      </p:sp>
+      <p:sp>
+        <p:nvSpPr>
+          <p:cNvPr id="4" name="Дата 3"/>
           <p:cNvSpPr>
             <a:spLocks noGrp="1"/>
           </p:cNvSpPr>
@@ -7718,18 +7082,12 @@
             <a:pPr rtl="0"/>
             <a:fld id="{BE289488-0C23-4DC8-A9FA-240659547385}" type="datetime1">
               <a:rPr lang="ru-RU" smtClean="0"/>
-              <a:t>13.04.2022</a:t>
             </a:fld>
             <a:endParaRPr lang="en-US" dirty="0"/>
           </a:p>
         </p:txBody>
       </p:sp>
     </p:spTree>
-    <p:extLst>
-      <p:ext uri="{BB962C8B-B14F-4D97-AF65-F5344CB8AC3E}">
-        <p14:creationId xmlns:p14="http://schemas.microsoft.com/office/powerpoint/2010/main" val="2908164392"/>
-      </p:ext>
-    </p:extLst>
   </p:cSld>
   <p:clrMapOvr>
     <a:masterClrMapping/>
@@ -7756,13 +7114,7 @@
       </p:grpSpPr>
       <p:sp>
         <p:nvSpPr>
-          <p:cNvPr id="2" name="Заголовок 1">
-            <a:extLst>
-              <a:ext uri="{FF2B5EF4-FFF2-40B4-BE49-F238E27FC236}">
-                <a16:creationId xmlns:a16="http://schemas.microsoft.com/office/drawing/2014/main" id="{AC9B859A-561F-4286-BE36-2C8F574004A3}"/>
-              </a:ext>
-            </a:extLst>
-          </p:cNvPr>
+          <p:cNvPr id="2" name="Заголовок 1"/>
           <p:cNvSpPr>
             <a:spLocks noGrp="1"/>
           </p:cNvSpPr>
@@ -7779,19 +7131,13 @@
               <a:rPr lang="ru-RU" dirty="0"/>
               <a:t>Итеративная модель </a:t>
             </a:r>
-            <a:endParaRPr lang="ru-BY" dirty="0"/>
-          </a:p>
-        </p:txBody>
-      </p:sp>
-      <p:sp>
-        <p:nvSpPr>
-          <p:cNvPr id="3" name="Объект 2">
-            <a:extLst>
-              <a:ext uri="{FF2B5EF4-FFF2-40B4-BE49-F238E27FC236}">
-                <a16:creationId xmlns:a16="http://schemas.microsoft.com/office/drawing/2014/main" id="{DD742496-E516-4FAE-BF46-AFDB654B3B42}"/>
-              </a:ext>
-            </a:extLst>
-          </p:cNvPr>
+            <a:endParaRPr lang="en-US" dirty="0"/>
+          </a:p>
+        </p:txBody>
+      </p:sp>
+      <p:sp>
+        <p:nvSpPr>
+          <p:cNvPr id="3" name="Объект 2"/>
           <p:cNvSpPr>
             <a:spLocks noGrp="1"/>
           </p:cNvSpPr>
@@ -7822,6 +7168,13 @@
               </a:rPr>
               <a:t>Это модель, при которой заказчик не обязан понимать, какой продукт хочет получить в итоге, и может не прописывать сразу подробное техзадание.</a:t>
             </a:r>
+            <a:endParaRPr lang="ru-RU" b="0" i="0" dirty="0">
+              <a:solidFill>
+                <a:srgbClr val="2C2D30"/>
+              </a:solidFill>
+              <a:effectLst/>
+              <a:latin typeface="Roboto" panose="02000000000000000000" pitchFamily="2" charset="0"/>
+            </a:endParaRPr>
           </a:p>
           <a:p>
             <a:pPr algn="l"/>
@@ -7835,6 +7188,13 @@
               </a:rPr>
               <a:t>Не требует для начала полной спецификации требований. Создание начинается с реализации части функционала, становящейся базой для определения дальнейших требований. </a:t>
             </a:r>
+            <a:endParaRPr lang="ru-RU" b="0" i="0" dirty="0">
+              <a:solidFill>
+                <a:srgbClr val="2C2D30"/>
+              </a:solidFill>
+              <a:effectLst/>
+              <a:latin typeface="Roboto" panose="02000000000000000000" pitchFamily="2" charset="0"/>
+            </a:endParaRPr>
           </a:p>
           <a:p>
             <a:pPr marL="0" indent="0" algn="l">
@@ -7860,6 +7220,13 @@
               </a:rPr>
               <a:t>Этот процесс повторяется. Версия может быть неидеальна, главное, чтобы она работала. </a:t>
             </a:r>
+            <a:endParaRPr lang="ru-RU" b="0" i="0" dirty="0">
+              <a:solidFill>
+                <a:srgbClr val="2C2D30"/>
+              </a:solidFill>
+              <a:effectLst/>
+              <a:latin typeface="Roboto" panose="02000000000000000000" pitchFamily="2" charset="0"/>
+            </a:endParaRPr>
           </a:p>
           <a:p>
             <a:pPr algn="l"/>
@@ -7875,19 +7242,13 @@
             <a:br>
               <a:rPr lang="ru-RU" dirty="0"/>
             </a:br>
-            <a:endParaRPr lang="ru-BY" dirty="0"/>
-          </a:p>
-        </p:txBody>
-      </p:sp>
-      <p:sp>
-        <p:nvSpPr>
-          <p:cNvPr id="4" name="Дата 3">
-            <a:extLst>
-              <a:ext uri="{FF2B5EF4-FFF2-40B4-BE49-F238E27FC236}">
-                <a16:creationId xmlns:a16="http://schemas.microsoft.com/office/drawing/2014/main" id="{8C8C22F7-C535-4731-908E-B04CED77DBF0}"/>
-              </a:ext>
-            </a:extLst>
-          </p:cNvPr>
+            <a:endParaRPr lang="en-US" dirty="0"/>
+          </a:p>
+        </p:txBody>
+      </p:sp>
+      <p:sp>
+        <p:nvSpPr>
+          <p:cNvPr id="4" name="Дата 3"/>
           <p:cNvSpPr>
             <a:spLocks noGrp="1"/>
           </p:cNvSpPr>
@@ -7903,18 +7264,12 @@
             <a:pPr rtl="0"/>
             <a:fld id="{BE289488-0C23-4DC8-A9FA-240659547385}" type="datetime1">
               <a:rPr lang="ru-RU" smtClean="0"/>
-              <a:t>13.04.2022</a:t>
             </a:fld>
             <a:endParaRPr lang="en-US" dirty="0"/>
           </a:p>
         </p:txBody>
       </p:sp>
     </p:spTree>
-    <p:extLst>
-      <p:ext uri="{BB962C8B-B14F-4D97-AF65-F5344CB8AC3E}">
-        <p14:creationId xmlns:p14="http://schemas.microsoft.com/office/powerpoint/2010/main" val="1029772564"/>
-      </p:ext>
-    </p:extLst>
   </p:cSld>
   <p:clrMapOvr>
     <a:masterClrMapping/>
@@ -7941,13 +7296,7 @@
       </p:grpSpPr>
       <p:sp>
         <p:nvSpPr>
-          <p:cNvPr id="2" name="Заголовок 1">
-            <a:extLst>
-              <a:ext uri="{FF2B5EF4-FFF2-40B4-BE49-F238E27FC236}">
-                <a16:creationId xmlns:a16="http://schemas.microsoft.com/office/drawing/2014/main" id="{189632AB-55A6-47EB-AF64-F9E3FF195634}"/>
-              </a:ext>
-            </a:extLst>
-          </p:cNvPr>
+          <p:cNvPr id="2" name="Заголовок 1"/>
           <p:cNvSpPr>
             <a:spLocks noGrp="1"/>
           </p:cNvSpPr>
@@ -7964,19 +7313,13 @@
               <a:rPr lang="ru-RU" dirty="0"/>
               <a:t>Итеративная модель </a:t>
             </a:r>
-            <a:endParaRPr lang="ru-BY" dirty="0"/>
+            <a:endParaRPr lang="en-US" dirty="0"/>
           </a:p>
         </p:txBody>
       </p:sp>
       <p:pic>
         <p:nvPicPr>
-          <p:cNvPr id="6" name="Объект 5">
-            <a:extLst>
-              <a:ext uri="{FF2B5EF4-FFF2-40B4-BE49-F238E27FC236}">
-                <a16:creationId xmlns:a16="http://schemas.microsoft.com/office/drawing/2014/main" id="{5ECA9E1F-D240-45A2-95EE-4CED73B3E829}"/>
-              </a:ext>
-            </a:extLst>
-          </p:cNvPr>
+          <p:cNvPr id="6" name="Объект 5"/>
           <p:cNvPicPr>
             <a:picLocks noGrp="1" noChangeAspect="1"/>
           </p:cNvPicPr>
@@ -7985,7 +7328,7 @@
           </p:nvPr>
         </p:nvPicPr>
         <p:blipFill>
-          <a:blip r:embed="rId2">
+          <a:blip r:embed="rId1">
             <a:extLst>
               <a:ext uri="{28A0092B-C50C-407E-A947-70E740481C1C}">
                 <a14:useLocalDpi xmlns:a14="http://schemas.microsoft.com/office/drawing/2010/main" val="0"/>
@@ -8005,13 +7348,7 @@
       </p:pic>
       <p:sp>
         <p:nvSpPr>
-          <p:cNvPr id="4" name="Дата 3">
-            <a:extLst>
-              <a:ext uri="{FF2B5EF4-FFF2-40B4-BE49-F238E27FC236}">
-                <a16:creationId xmlns:a16="http://schemas.microsoft.com/office/drawing/2014/main" id="{70D6F4A1-6D96-4FB3-9D2F-3040C5F63C7B}"/>
-              </a:ext>
-            </a:extLst>
-          </p:cNvPr>
+          <p:cNvPr id="4" name="Дата 3"/>
           <p:cNvSpPr>
             <a:spLocks noGrp="1"/>
           </p:cNvSpPr>
@@ -8027,18 +7364,12 @@
             <a:pPr rtl="0"/>
             <a:fld id="{BE289488-0C23-4DC8-A9FA-240659547385}" type="datetime1">
               <a:rPr lang="ru-RU" smtClean="0"/>
-              <a:t>13.04.2022</a:t>
             </a:fld>
             <a:endParaRPr lang="en-US" dirty="0"/>
           </a:p>
         </p:txBody>
       </p:sp>
     </p:spTree>
-    <p:extLst>
-      <p:ext uri="{BB962C8B-B14F-4D97-AF65-F5344CB8AC3E}">
-        <p14:creationId xmlns:p14="http://schemas.microsoft.com/office/powerpoint/2010/main" val="1508434214"/>
-      </p:ext>
-    </p:extLst>
   </p:cSld>
   <p:clrMapOvr>
     <a:masterClrMapping/>
@@ -8065,13 +7396,7 @@
       </p:grpSpPr>
       <p:sp>
         <p:nvSpPr>
-          <p:cNvPr id="2" name="Заголовок 1">
-            <a:extLst>
-              <a:ext uri="{FF2B5EF4-FFF2-40B4-BE49-F238E27FC236}">
-                <a16:creationId xmlns:a16="http://schemas.microsoft.com/office/drawing/2014/main" id="{6DD156DF-B740-4EBA-AB3A-ECB33FB4DB6B}"/>
-              </a:ext>
-            </a:extLst>
-          </p:cNvPr>
+          <p:cNvPr id="2" name="Заголовок 1"/>
           <p:cNvSpPr>
             <a:spLocks noGrp="1"/>
           </p:cNvSpPr>
@@ -8088,19 +7413,13 @@
               <a:rPr lang="ru-RU" dirty="0"/>
               <a:t>Итеративная модель </a:t>
             </a:r>
-            <a:endParaRPr lang="ru-BY" dirty="0"/>
-          </a:p>
-        </p:txBody>
-      </p:sp>
-      <p:sp>
-        <p:nvSpPr>
-          <p:cNvPr id="3" name="Объект 2">
-            <a:extLst>
-              <a:ext uri="{FF2B5EF4-FFF2-40B4-BE49-F238E27FC236}">
-                <a16:creationId xmlns:a16="http://schemas.microsoft.com/office/drawing/2014/main" id="{ECD2B793-5140-47B8-8E44-D342A50F91CA}"/>
-              </a:ext>
-            </a:extLst>
-          </p:cNvPr>
+            <a:endParaRPr lang="en-US" dirty="0"/>
+          </a:p>
+        </p:txBody>
+      </p:sp>
+      <p:sp>
+        <p:nvSpPr>
+          <p:cNvPr id="3" name="Объект 2"/>
           <p:cNvSpPr>
             <a:spLocks noGrp="1"/>
           </p:cNvSpPr>
@@ -8117,6 +7436,7 @@
               <a:rPr lang="ru-RU" dirty="0"/>
               <a:t>Рассмотрим на примере создания мессенджера, как эта модель работает.</a:t>
             </a:r>
+            <a:endParaRPr lang="ru-RU" dirty="0"/>
           </a:p>
           <a:p>
             <a:pPr marL="457200" indent="-457200" algn="just">
@@ -8127,6 +7447,7 @@
               <a:rPr lang="ru-RU" dirty="0"/>
               <a:t>Заказчик решил, что хочет создать мессенджер. Разработчики сделали приложение, в котором можно добавить друга и запустить чат на двоих.</a:t>
             </a:r>
+            <a:endParaRPr lang="ru-RU" dirty="0"/>
           </a:p>
           <a:p>
             <a:pPr marL="457200" indent="-457200" algn="just">
@@ -8137,6 +7458,7 @@
               <a:rPr lang="ru-RU" dirty="0"/>
               <a:t>Мессенджер «выкатили» в магазин приложений, пользователи начали его скачивать и активно использовать. Заказчик понял, что продукт пользуется популярностью, и решил его доработать.</a:t>
             </a:r>
+            <a:endParaRPr lang="ru-RU" dirty="0"/>
           </a:p>
           <a:p>
             <a:pPr marL="457200" indent="-457200" algn="just">
@@ -8147,19 +7469,13 @@
               <a:rPr lang="ru-RU" dirty="0"/>
               <a:t>Программисты добавили в мессенджер возможность просмотра видео, загрузки фотографий, записи аудиосообщений. Они постепенно улучшают функциональность приложения, адаптируют его к требованиям рынка.</a:t>
             </a:r>
-            <a:endParaRPr lang="ru-BY" dirty="0"/>
-          </a:p>
-        </p:txBody>
-      </p:sp>
-      <p:sp>
-        <p:nvSpPr>
-          <p:cNvPr id="4" name="Дата 3">
-            <a:extLst>
-              <a:ext uri="{FF2B5EF4-FFF2-40B4-BE49-F238E27FC236}">
-                <a16:creationId xmlns:a16="http://schemas.microsoft.com/office/drawing/2014/main" id="{C59F874B-5223-4539-A37B-D23BD06933DA}"/>
-              </a:ext>
-            </a:extLst>
-          </p:cNvPr>
+            <a:endParaRPr lang="en-US" dirty="0"/>
+          </a:p>
+        </p:txBody>
+      </p:sp>
+      <p:sp>
+        <p:nvSpPr>
+          <p:cNvPr id="4" name="Дата 3"/>
           <p:cNvSpPr>
             <a:spLocks noGrp="1"/>
           </p:cNvSpPr>
@@ -8175,18 +7491,12 @@
             <a:pPr rtl="0"/>
             <a:fld id="{BE289488-0C23-4DC8-A9FA-240659547385}" type="datetime1">
               <a:rPr lang="ru-RU" smtClean="0"/>
-              <a:t>13.04.2022</a:t>
             </a:fld>
             <a:endParaRPr lang="en-US" dirty="0"/>
           </a:p>
         </p:txBody>
       </p:sp>
     </p:spTree>
-    <p:extLst>
-      <p:ext uri="{BB962C8B-B14F-4D97-AF65-F5344CB8AC3E}">
-        <p14:creationId xmlns:p14="http://schemas.microsoft.com/office/powerpoint/2010/main" val="3768801285"/>
-      </p:ext>
-    </p:extLst>
   </p:cSld>
   <p:clrMapOvr>
     <a:masterClrMapping/>
@@ -8213,13 +7523,7 @@
       </p:grpSpPr>
       <p:sp>
         <p:nvSpPr>
-          <p:cNvPr id="2" name="Заголовок 1">
-            <a:extLst>
-              <a:ext uri="{FF2B5EF4-FFF2-40B4-BE49-F238E27FC236}">
-                <a16:creationId xmlns:a16="http://schemas.microsoft.com/office/drawing/2014/main" id="{BB26F7D9-FD9C-4925-A88B-A5388C788136}"/>
-              </a:ext>
-            </a:extLst>
-          </p:cNvPr>
+          <p:cNvPr id="2" name="Заголовок 1"/>
           <p:cNvSpPr>
             <a:spLocks noGrp="1"/>
           </p:cNvSpPr>
@@ -8236,19 +7540,13 @@
               <a:rPr lang="ru-RU" dirty="0"/>
               <a:t>Итеративная модель (преимущества) </a:t>
             </a:r>
-            <a:endParaRPr lang="ru-BY" dirty="0"/>
-          </a:p>
-        </p:txBody>
-      </p:sp>
-      <p:sp>
-        <p:nvSpPr>
-          <p:cNvPr id="3" name="Объект 2">
-            <a:extLst>
-              <a:ext uri="{FF2B5EF4-FFF2-40B4-BE49-F238E27FC236}">
-                <a16:creationId xmlns:a16="http://schemas.microsoft.com/office/drawing/2014/main" id="{15AE07AF-EA81-4890-AD95-28286903AA44}"/>
-              </a:ext>
-            </a:extLst>
-          </p:cNvPr>
+            <a:endParaRPr lang="en-US" dirty="0"/>
+          </a:p>
+        </p:txBody>
+      </p:sp>
+      <p:sp>
+        <p:nvSpPr>
+          <p:cNvPr id="3" name="Объект 2"/>
           <p:cNvSpPr>
             <a:spLocks noGrp="1"/>
           </p:cNvSpPr>
@@ -8315,6 +7613,13 @@
               </a:rPr>
               <a:t>даёт возможность оперативно получать обратную связь от заказчика и пользователей. А значит, фокусироваться на наиболее важных функциях ПО и улучшать их в соответствии с требованиями рынка и пожеланиями клиента.</a:t>
             </a:r>
+            <a:endParaRPr lang="ru-RU" b="0" i="0" dirty="0">
+              <a:solidFill>
+                <a:srgbClr val="2C2D30"/>
+              </a:solidFill>
+              <a:effectLst/>
+              <a:latin typeface="Roboto" panose="02000000000000000000" pitchFamily="2" charset="0"/>
+            </a:endParaRPr>
           </a:p>
           <a:p>
             <a:pPr algn="l">
@@ -8341,6 +7646,13 @@
               </a:rPr>
               <a:t> позволяет быстро обнаруживать и устранять ошибки.</a:t>
             </a:r>
+            <a:endParaRPr lang="ru-RU" b="0" i="0" dirty="0">
+              <a:solidFill>
+                <a:srgbClr val="2C2D30"/>
+              </a:solidFill>
+              <a:effectLst/>
+              <a:latin typeface="Roboto" panose="02000000000000000000" pitchFamily="2" charset="0"/>
+            </a:endParaRPr>
           </a:p>
           <a:p>
             <a:pPr marL="0" indent="0" algn="l">
@@ -8355,19 +7667,13 @@
             </a:endParaRPr>
           </a:p>
           <a:p>
-            <a:endParaRPr lang="ru-BY" dirty="0"/>
-          </a:p>
-        </p:txBody>
-      </p:sp>
-      <p:sp>
-        <p:nvSpPr>
-          <p:cNvPr id="4" name="Дата 3">
-            <a:extLst>
-              <a:ext uri="{FF2B5EF4-FFF2-40B4-BE49-F238E27FC236}">
-                <a16:creationId xmlns:a16="http://schemas.microsoft.com/office/drawing/2014/main" id="{22F6AB2A-7251-4049-BDE6-05E761EA45D3}"/>
-              </a:ext>
-            </a:extLst>
-          </p:cNvPr>
+            <a:endParaRPr lang="en-US" dirty="0"/>
+          </a:p>
+        </p:txBody>
+      </p:sp>
+      <p:sp>
+        <p:nvSpPr>
+          <p:cNvPr id="4" name="Дата 3"/>
           <p:cNvSpPr>
             <a:spLocks noGrp="1"/>
           </p:cNvSpPr>
@@ -8383,18 +7689,12 @@
             <a:pPr rtl="0"/>
             <a:fld id="{BE289488-0C23-4DC8-A9FA-240659547385}" type="datetime1">
               <a:rPr lang="ru-RU" smtClean="0"/>
-              <a:t>13.04.2022</a:t>
             </a:fld>
             <a:endParaRPr lang="en-US" dirty="0"/>
           </a:p>
         </p:txBody>
       </p:sp>
     </p:spTree>
-    <p:extLst>
-      <p:ext uri="{BB962C8B-B14F-4D97-AF65-F5344CB8AC3E}">
-        <p14:creationId xmlns:p14="http://schemas.microsoft.com/office/powerpoint/2010/main" val="3908104733"/>
-      </p:ext>
-    </p:extLst>
   </p:cSld>
   <p:clrMapOvr>
     <a:masterClrMapping/>
@@ -8421,13 +7721,7 @@
       </p:grpSpPr>
       <p:sp>
         <p:nvSpPr>
-          <p:cNvPr id="2" name="Заголовок 1">
-            <a:extLst>
-              <a:ext uri="{FF2B5EF4-FFF2-40B4-BE49-F238E27FC236}">
-                <a16:creationId xmlns:a16="http://schemas.microsoft.com/office/drawing/2014/main" id="{49D12D90-06E4-4904-BB7C-9A1D7ED11B4F}"/>
-              </a:ext>
-            </a:extLst>
-          </p:cNvPr>
+          <p:cNvPr id="2" name="Заголовок 1"/>
           <p:cNvSpPr>
             <a:spLocks noGrp="1"/>
           </p:cNvSpPr>
@@ -8444,19 +7738,13 @@
               <a:rPr lang="ru-RU" dirty="0"/>
               <a:t>Итеративная модель (недостатки)</a:t>
             </a:r>
-            <a:endParaRPr lang="ru-BY" dirty="0"/>
-          </a:p>
-        </p:txBody>
-      </p:sp>
-      <p:sp>
-        <p:nvSpPr>
-          <p:cNvPr id="3" name="Объект 2">
-            <a:extLst>
-              <a:ext uri="{FF2B5EF4-FFF2-40B4-BE49-F238E27FC236}">
-                <a16:creationId xmlns:a16="http://schemas.microsoft.com/office/drawing/2014/main" id="{A0271805-40B9-45C7-9C97-0DCC4EEC3E01}"/>
-              </a:ext>
-            </a:extLst>
-          </p:cNvPr>
+            <a:endParaRPr lang="en-US" dirty="0"/>
+          </a:p>
+        </p:txBody>
+      </p:sp>
+      <p:sp>
+        <p:nvSpPr>
+          <p:cNvPr id="3" name="Объект 2"/>
           <p:cNvSpPr>
             <a:spLocks noGrp="1"/>
           </p:cNvSpPr>
@@ -8482,6 +7770,13 @@
               </a:rPr>
               <a:t>Недостатки итеративной модели:</a:t>
             </a:r>
+            <a:endParaRPr lang="ru-RU" b="1" u="sng" dirty="0">
+              <a:solidFill>
+                <a:srgbClr val="2C2D30"/>
+              </a:solidFill>
+              <a:effectLst/>
+              <a:latin typeface="Roboto" panose="02000000000000000000" pitchFamily="2" charset="0"/>
+            </a:endParaRPr>
           </a:p>
           <a:p>
             <a:pPr algn="l">
@@ -8518,6 +7813,13 @@
               </a:rPr>
               <a:t>— первые сложно масштабировать, а вторые не выдерживают нагрузку. Возможно, придётся переписывать большую часть приложения.</a:t>
             </a:r>
+            <a:endParaRPr lang="ru-RU" b="0" i="0" dirty="0">
+              <a:solidFill>
+                <a:srgbClr val="2C2D30"/>
+              </a:solidFill>
+              <a:effectLst/>
+              <a:latin typeface="Roboto" panose="02000000000000000000" pitchFamily="2" charset="0"/>
+            </a:endParaRPr>
           </a:p>
           <a:p>
             <a:pPr algn="l">
@@ -8544,21 +7846,22 @@
               </a:rPr>
               <a:t> Заказчик не знает, как выглядит конечная цель и когда закончится разработка.</a:t>
             </a:r>
-          </a:p>
-          <a:p>
-            <a:endParaRPr lang="ru-BY" dirty="0"/>
-          </a:p>
-        </p:txBody>
-      </p:sp>
-      <p:sp>
-        <p:nvSpPr>
-          <p:cNvPr id="4" name="Дата 3">
-            <a:extLst>
-              <a:ext uri="{FF2B5EF4-FFF2-40B4-BE49-F238E27FC236}">
-                <a16:creationId xmlns:a16="http://schemas.microsoft.com/office/drawing/2014/main" id="{D7E4D7EF-F155-4442-94A0-88B65A5C43E9}"/>
-              </a:ext>
-            </a:extLst>
-          </p:cNvPr>
+            <a:endParaRPr lang="ru-RU" b="0" i="0" dirty="0">
+              <a:solidFill>
+                <a:srgbClr val="2C2D30"/>
+              </a:solidFill>
+              <a:effectLst/>
+              <a:latin typeface="Roboto" panose="02000000000000000000" pitchFamily="2" charset="0"/>
+            </a:endParaRPr>
+          </a:p>
+          <a:p>
+            <a:endParaRPr lang="en-US" dirty="0"/>
+          </a:p>
+        </p:txBody>
+      </p:sp>
+      <p:sp>
+        <p:nvSpPr>
+          <p:cNvPr id="4" name="Дата 3"/>
           <p:cNvSpPr>
             <a:spLocks noGrp="1"/>
           </p:cNvSpPr>
@@ -8574,18 +7877,12 @@
             <a:pPr rtl="0"/>
             <a:fld id="{BE289488-0C23-4DC8-A9FA-240659547385}" type="datetime1">
               <a:rPr lang="ru-RU" smtClean="0"/>
-              <a:t>13.04.2022</a:t>
             </a:fld>
             <a:endParaRPr lang="en-US" dirty="0"/>
           </a:p>
         </p:txBody>
       </p:sp>
     </p:spTree>
-    <p:extLst>
-      <p:ext uri="{BB962C8B-B14F-4D97-AF65-F5344CB8AC3E}">
-        <p14:creationId xmlns:p14="http://schemas.microsoft.com/office/powerpoint/2010/main" val="3308711116"/>
-      </p:ext>
-    </p:extLst>
   </p:cSld>
   <p:clrMapOvr>
     <a:masterClrMapping/>
@@ -8612,13 +7909,7 @@
       </p:grpSpPr>
       <p:sp>
         <p:nvSpPr>
-          <p:cNvPr id="2" name="Заголовок 1">
-            <a:extLst>
-              <a:ext uri="{FF2B5EF4-FFF2-40B4-BE49-F238E27FC236}">
-                <a16:creationId xmlns:a16="http://schemas.microsoft.com/office/drawing/2014/main" id="{85FB194D-7E54-47DE-AA2E-744E49C10298}"/>
-              </a:ext>
-            </a:extLst>
-          </p:cNvPr>
+          <p:cNvPr id="2" name="Заголовок 1"/>
           <p:cNvSpPr>
             <a:spLocks noGrp="1"/>
           </p:cNvSpPr>
@@ -8643,19 +7934,13 @@
               <a:rPr lang="ru-RU" dirty="0"/>
               <a:t>Итеративная</a:t>
             </a:r>
-            <a:endParaRPr lang="ru-BY" dirty="0"/>
-          </a:p>
-        </p:txBody>
-      </p:sp>
-      <p:sp>
-        <p:nvSpPr>
-          <p:cNvPr id="4" name="Дата 3">
-            <a:extLst>
-              <a:ext uri="{FF2B5EF4-FFF2-40B4-BE49-F238E27FC236}">
-                <a16:creationId xmlns:a16="http://schemas.microsoft.com/office/drawing/2014/main" id="{E26880DE-3DE5-455A-8895-5BB0033C8776}"/>
-              </a:ext>
-            </a:extLst>
-          </p:cNvPr>
+            <a:endParaRPr lang="en-US" dirty="0"/>
+          </a:p>
+        </p:txBody>
+      </p:sp>
+      <p:sp>
+        <p:nvSpPr>
+          <p:cNvPr id="4" name="Дата 3"/>
           <p:cNvSpPr>
             <a:spLocks noGrp="1"/>
           </p:cNvSpPr>
@@ -8671,7 +7956,6 @@
             <a:pPr rtl="0"/>
             <a:fld id="{BE289488-0C23-4DC8-A9FA-240659547385}" type="datetime1">
               <a:rPr lang="ru-RU" smtClean="0"/>
-              <a:t>13.04.2022</a:t>
             </a:fld>
             <a:endParaRPr lang="en-US" dirty="0"/>
           </a:p>
@@ -8679,13 +7963,7 @@
       </p:sp>
       <p:pic>
         <p:nvPicPr>
-          <p:cNvPr id="5" name="Picture 2">
-            <a:extLst>
-              <a:ext uri="{FF2B5EF4-FFF2-40B4-BE49-F238E27FC236}">
-                <a16:creationId xmlns:a16="http://schemas.microsoft.com/office/drawing/2014/main" id="{713B5AF4-5885-4481-A74B-0AAAB53116C6}"/>
-              </a:ext>
-            </a:extLst>
-          </p:cNvPr>
+          <p:cNvPr id="5" name="Picture 2"/>
           <p:cNvPicPr>
             <a:picLocks noGrp="1" noChangeAspect="1" noChangeArrowheads="1"/>
           </p:cNvPicPr>
@@ -8694,7 +7972,7 @@
           </p:nvPr>
         </p:nvPicPr>
         <p:blipFill>
-          <a:blip r:embed="rId2">
+          <a:blip r:embed="rId1">
             <a:extLst>
               <a:ext uri="{28A0092B-C50C-407E-A947-70E740481C1C}">
                 <a14:useLocalDpi xmlns:a14="http://schemas.microsoft.com/office/drawing/2010/main" val="0"/>
@@ -8727,11 +8005,6 @@
         </p:spPr>
       </p:pic>
     </p:spTree>
-    <p:extLst>
-      <p:ext uri="{BB962C8B-B14F-4D97-AF65-F5344CB8AC3E}">
-        <p14:creationId xmlns:p14="http://schemas.microsoft.com/office/powerpoint/2010/main" val="3540448431"/>
-      </p:ext>
-    </p:extLst>
   </p:cSld>
   <p:clrMapOvr>
     <a:masterClrMapping/>
@@ -8758,13 +8031,7 @@
       </p:grpSpPr>
       <p:sp>
         <p:nvSpPr>
-          <p:cNvPr id="2" name="Заголовок 1">
-            <a:extLst>
-              <a:ext uri="{FF2B5EF4-FFF2-40B4-BE49-F238E27FC236}">
-                <a16:creationId xmlns:a16="http://schemas.microsoft.com/office/drawing/2014/main" id="{D2829FD1-9A8E-4DC2-B8AC-5F65FAEFEFA8}"/>
-              </a:ext>
-            </a:extLst>
-          </p:cNvPr>
+          <p:cNvPr id="2" name="Заголовок 1"/>
           <p:cNvSpPr>
             <a:spLocks noGrp="1"/>
           </p:cNvSpPr>
@@ -8781,19 +8048,13 @@
               <a:rPr lang="ru-RU" dirty="0"/>
               <a:t>Стандарты, регламентирующие ЖЦ ПО (1/2)</a:t>
             </a:r>
-            <a:endParaRPr lang="ru-BY" dirty="0"/>
-          </a:p>
-        </p:txBody>
-      </p:sp>
-      <p:sp>
-        <p:nvSpPr>
-          <p:cNvPr id="3" name="Объект 2">
-            <a:extLst>
-              <a:ext uri="{FF2B5EF4-FFF2-40B4-BE49-F238E27FC236}">
-                <a16:creationId xmlns:a16="http://schemas.microsoft.com/office/drawing/2014/main" id="{CA32B75B-5614-4A9C-ABF2-8D6491231C90}"/>
-              </a:ext>
-            </a:extLst>
-          </p:cNvPr>
+            <a:endParaRPr lang="en-US" dirty="0"/>
+          </a:p>
+        </p:txBody>
+      </p:sp>
+      <p:sp>
+        <p:nvSpPr>
+          <p:cNvPr id="3" name="Объект 2"/>
           <p:cNvSpPr>
             <a:spLocks noGrp="1"/>
           </p:cNvSpPr>
@@ -8816,6 +8077,7 @@
               <a:rPr lang="ru-RU" dirty="0"/>
               <a:t>- распространяется на автоматизированные системы и устанавливает стадии и этапы их создания. Кроме того, в стандарте содержится описание содержания работ на каждом этапе. Стадии и этапы работы, закрепленные в стандарте, в большей степени соответствуют каскадной модели жизненного цикла. </a:t>
             </a:r>
+            <a:endParaRPr lang="ru-RU" dirty="0"/>
           </a:p>
           <a:p>
             <a:r>
@@ -8826,6 +8088,7 @@
               <a:rPr lang="ru-RU" dirty="0"/>
               <a:t>- стандарт на процессы и организацию жизненного цикла. Распространяется на все виды заказного ПО. Стандарт не содержит описания фаз, стадий и этапов. </a:t>
             </a:r>
+            <a:endParaRPr lang="ru-RU" dirty="0"/>
           </a:p>
           <a:p>
             <a:r>
@@ -8848,18 +8111,13 @@
               <a:rPr lang="ru-RU" dirty="0"/>
               <a:t>(методика Oracle) по разработке прикладных информационных систем - технологический материал, детализированный до уровня заготовок проектных документов, рассчитанных на использование в проектах с применением Oracle. Применяется CDM для классической модели ЖЦ (предусмотрены все работы/задачи и этапы), а также для технологий "быстрой разработки" (Fast Track) или "облегченного подхода", рекомендуемых в случае малых проектов. </a:t>
             </a:r>
-          </a:p>
-        </p:txBody>
-      </p:sp>
-      <p:sp>
-        <p:nvSpPr>
-          <p:cNvPr id="4" name="Дата 3">
-            <a:extLst>
-              <a:ext uri="{FF2B5EF4-FFF2-40B4-BE49-F238E27FC236}">
-                <a16:creationId xmlns:a16="http://schemas.microsoft.com/office/drawing/2014/main" id="{3184F4BA-C674-45E3-A933-7F3DDD72C9F1}"/>
-              </a:ext>
-            </a:extLst>
-          </p:cNvPr>
+            <a:endParaRPr lang="ru-RU" dirty="0"/>
+          </a:p>
+        </p:txBody>
+      </p:sp>
+      <p:sp>
+        <p:nvSpPr>
+          <p:cNvPr id="4" name="Дата 3"/>
           <p:cNvSpPr>
             <a:spLocks noGrp="1"/>
           </p:cNvSpPr>
@@ -8875,18 +8133,12 @@
             <a:pPr rtl="0"/>
             <a:fld id="{BE289488-0C23-4DC8-A9FA-240659547385}" type="datetime1">
               <a:rPr lang="ru-RU" smtClean="0"/>
-              <a:t>13.04.2022</a:t>
             </a:fld>
             <a:endParaRPr lang="en-US" dirty="0"/>
           </a:p>
         </p:txBody>
       </p:sp>
     </p:spTree>
-    <p:extLst>
-      <p:ext uri="{BB962C8B-B14F-4D97-AF65-F5344CB8AC3E}">
-        <p14:creationId xmlns:p14="http://schemas.microsoft.com/office/powerpoint/2010/main" val="3241487616"/>
-      </p:ext>
-    </p:extLst>
   </p:cSld>
   <p:clrMapOvr>
     <a:masterClrMapping/>
@@ -8913,13 +8165,7 @@
       </p:grpSpPr>
       <p:sp>
         <p:nvSpPr>
-          <p:cNvPr id="2" name="Заголовок 1">
-            <a:extLst>
-              <a:ext uri="{FF2B5EF4-FFF2-40B4-BE49-F238E27FC236}">
-                <a16:creationId xmlns:a16="http://schemas.microsoft.com/office/drawing/2014/main" id="{2F604644-6837-4B53-84AC-2B1A6B177A5B}"/>
-              </a:ext>
-            </a:extLst>
-          </p:cNvPr>
+          <p:cNvPr id="2" name="Заголовок 1"/>
           <p:cNvSpPr>
             <a:spLocks noGrp="1"/>
           </p:cNvSpPr>
@@ -8940,19 +8186,13 @@
               <a:rPr lang="ru-RU" dirty="0"/>
               <a:t>«гибкие методологии»)</a:t>
             </a:r>
-            <a:endParaRPr lang="ru-BY" dirty="0"/>
-          </a:p>
-        </p:txBody>
-      </p:sp>
-      <p:sp>
-        <p:nvSpPr>
-          <p:cNvPr id="3" name="Объект 2">
-            <a:extLst>
-              <a:ext uri="{FF2B5EF4-FFF2-40B4-BE49-F238E27FC236}">
-                <a16:creationId xmlns:a16="http://schemas.microsoft.com/office/drawing/2014/main" id="{CDD32A39-AFC3-49A1-8E8C-86AEABD6B776}"/>
-              </a:ext>
-            </a:extLst>
-          </p:cNvPr>
+            <a:endParaRPr lang="en-US" dirty="0"/>
+          </a:p>
+        </p:txBody>
+      </p:sp>
+      <p:sp>
+        <p:nvSpPr>
+          <p:cNvPr id="3" name="Объект 2"/>
           <p:cNvSpPr>
             <a:spLocks noGrp="1"/>
           </p:cNvSpPr>
@@ -9039,6 +8279,13 @@
               </a:rPr>
               <a:t>, к этому времени может быть уже запущен сайт, выпущено ПО, она начнет зарабатывать деньги и захватывать рынок, что самое главное.</a:t>
             </a:r>
+            <a:endParaRPr lang="ru-RU" b="0" i="0" dirty="0">
+              <a:solidFill>
+                <a:srgbClr val="111111"/>
+              </a:solidFill>
+              <a:effectLst/>
+              <a:latin typeface="-apple-system"/>
+            </a:endParaRPr>
           </a:p>
           <a:p>
             <a:pPr algn="just">
@@ -9065,6 +8312,13 @@
               </a:rPr>
               <a:t>. Это, пожалуй, весьма болезненная проблема практически для всех компаний. Если вы делаете проект, который длится хотя бы несколько месяцев, то у вас обязательно поменяются требования. Конечно, если это не софт, например, для спутника или марсохода. Хотя даже спутникам и марсоходам обычно заливают свежую версию софта, когда они прилетают в точку назначения. Если говорить про коммерческую разработку, то проблема в том, что мы, программисты, аналитики и дизайнеры, никогда не знаем, что нужно не только заказчику, который нам платит, но и пользователям. Обычно все подходят к вопросу так: пока пользователь не попробует функционал сайта или приложения, вы не знаете, нужен он или нет.</a:t>
             </a:r>
+            <a:endParaRPr lang="ru-RU" b="0" i="0" dirty="0">
+              <a:solidFill>
+                <a:srgbClr val="111111"/>
+              </a:solidFill>
+              <a:effectLst/>
+              <a:latin typeface="-apple-system"/>
+            </a:endParaRPr>
           </a:p>
           <a:p>
             <a:pPr algn="just">
@@ -9091,21 +8345,22 @@
               </a:rPr>
               <a:t>. Это головная боль, особенно для крупных компаний, ведь у бизнеса периодически меняются требования, каждый говорит на своем языке. В результате стороны друг друга не понимают.</a:t>
             </a:r>
-          </a:p>
-          <a:p>
-            <a:endParaRPr lang="ru-BY" dirty="0"/>
-          </a:p>
-        </p:txBody>
-      </p:sp>
-      <p:sp>
-        <p:nvSpPr>
-          <p:cNvPr id="4" name="Дата 3">
-            <a:extLst>
-              <a:ext uri="{FF2B5EF4-FFF2-40B4-BE49-F238E27FC236}">
-                <a16:creationId xmlns:a16="http://schemas.microsoft.com/office/drawing/2014/main" id="{742F6379-57B9-4452-8960-9F9665E4165F}"/>
-              </a:ext>
-            </a:extLst>
-          </p:cNvPr>
+            <a:endParaRPr lang="ru-RU" b="0" i="0" dirty="0">
+              <a:solidFill>
+                <a:srgbClr val="111111"/>
+              </a:solidFill>
+              <a:effectLst/>
+              <a:latin typeface="-apple-system"/>
+            </a:endParaRPr>
+          </a:p>
+          <a:p>
+            <a:endParaRPr lang="en-US" dirty="0"/>
+          </a:p>
+        </p:txBody>
+      </p:sp>
+      <p:sp>
+        <p:nvSpPr>
+          <p:cNvPr id="4" name="Дата 3"/>
           <p:cNvSpPr>
             <a:spLocks noGrp="1"/>
           </p:cNvSpPr>
@@ -9121,18 +8376,12 @@
             <a:pPr rtl="0"/>
             <a:fld id="{BE289488-0C23-4DC8-A9FA-240659547385}" type="datetime1">
               <a:rPr lang="ru-RU" smtClean="0"/>
-              <a:t>13.04.2022</a:t>
             </a:fld>
             <a:endParaRPr lang="en-US" dirty="0"/>
           </a:p>
         </p:txBody>
       </p:sp>
     </p:spTree>
-    <p:extLst>
-      <p:ext uri="{BB962C8B-B14F-4D97-AF65-F5344CB8AC3E}">
-        <p14:creationId xmlns:p14="http://schemas.microsoft.com/office/powerpoint/2010/main" val="1314033697"/>
-      </p:ext>
-    </p:extLst>
   </p:cSld>
   <p:clrMapOvr>
     <a:masterClrMapping/>
@@ -9159,13 +8408,7 @@
       </p:grpSpPr>
       <p:sp>
         <p:nvSpPr>
-          <p:cNvPr id="2" name="Заголовок 1">
-            <a:extLst>
-              <a:ext uri="{FF2B5EF4-FFF2-40B4-BE49-F238E27FC236}">
-                <a16:creationId xmlns:a16="http://schemas.microsoft.com/office/drawing/2014/main" id="{9BCCF978-D2B5-4559-9953-2E1D4EACA55A}"/>
-              </a:ext>
-            </a:extLst>
-          </p:cNvPr>
+          <p:cNvPr id="2" name="Заголовок 1"/>
           <p:cNvSpPr>
             <a:spLocks noGrp="1"/>
           </p:cNvSpPr>
@@ -9186,19 +8429,13 @@
               <a:rPr lang="ru-RU" dirty="0"/>
               <a:t> (ценности)</a:t>
             </a:r>
-            <a:endParaRPr lang="ru-BY" dirty="0"/>
-          </a:p>
-        </p:txBody>
-      </p:sp>
-      <p:sp>
-        <p:nvSpPr>
-          <p:cNvPr id="3" name="Объект 2">
-            <a:extLst>
-              <a:ext uri="{FF2B5EF4-FFF2-40B4-BE49-F238E27FC236}">
-                <a16:creationId xmlns:a16="http://schemas.microsoft.com/office/drawing/2014/main" id="{42661461-D28C-472A-8DEB-E5BD8CDA37AB}"/>
-              </a:ext>
-            </a:extLst>
-          </p:cNvPr>
+            <a:endParaRPr lang="en-US" dirty="0"/>
+          </a:p>
+        </p:txBody>
+      </p:sp>
+      <p:sp>
+        <p:nvSpPr>
+          <p:cNvPr id="3" name="Объект 2"/>
           <p:cNvSpPr>
             <a:spLocks noGrp="1"/>
           </p:cNvSpPr>
@@ -9227,6 +8464,13 @@
               </a:rPr>
               <a:t>Если вы хотите построить гибкий процесс, вам нужно взаимодействовать и общаться между собой</a:t>
             </a:r>
+            <a:endParaRPr lang="ru-RU" b="0" i="0" dirty="0">
+              <a:solidFill>
+                <a:srgbClr val="111111"/>
+              </a:solidFill>
+              <a:effectLst/>
+              <a:latin typeface="-apple-system"/>
+            </a:endParaRPr>
           </a:p>
           <a:p>
             <a:pPr marL="457200" indent="-457200" algn="l">
@@ -9243,6 +8487,13 @@
               </a:rPr>
               <a:t>Работающий продукт, который мы делаем, намного важнее, чем документация по нему.</a:t>
             </a:r>
+            <a:endParaRPr lang="ru-RU" b="0" i="0" dirty="0">
+              <a:solidFill>
+                <a:srgbClr val="111111"/>
+              </a:solidFill>
+              <a:effectLst/>
+              <a:latin typeface="-apple-system"/>
+            </a:endParaRPr>
           </a:p>
           <a:p>
             <a:pPr marL="457200" indent="-457200" algn="l">
@@ -9259,6 +8510,13 @@
               </a:rPr>
               <a:t>Сотрудничество и взаимодействие с заказчиком важнее жестких контрактных ограничений.</a:t>
             </a:r>
+            <a:endParaRPr lang="ru-RU" b="0" i="0" dirty="0">
+              <a:solidFill>
+                <a:srgbClr val="111111"/>
+              </a:solidFill>
+              <a:effectLst/>
+              <a:latin typeface="-apple-system"/>
+            </a:endParaRPr>
           </a:p>
           <a:p>
             <a:pPr marL="457200" indent="-457200" algn="l">
@@ -9275,21 +8533,22 @@
               </a:rPr>
               <a:t> Готовность к изменениям во взвешивании со следованием первоначальному плану.</a:t>
             </a:r>
-          </a:p>
-          <a:p>
-            <a:endParaRPr lang="ru-BY" dirty="0"/>
-          </a:p>
-        </p:txBody>
-      </p:sp>
-      <p:sp>
-        <p:nvSpPr>
-          <p:cNvPr id="4" name="Дата 3">
-            <a:extLst>
-              <a:ext uri="{FF2B5EF4-FFF2-40B4-BE49-F238E27FC236}">
-                <a16:creationId xmlns:a16="http://schemas.microsoft.com/office/drawing/2014/main" id="{662D15D2-6CFE-472E-898C-7D959A8EF54F}"/>
-              </a:ext>
-            </a:extLst>
-          </p:cNvPr>
+            <a:endParaRPr lang="ru-RU" b="0" i="0" dirty="0">
+              <a:solidFill>
+                <a:srgbClr val="111111"/>
+              </a:solidFill>
+              <a:effectLst/>
+              <a:latin typeface="-apple-system"/>
+            </a:endParaRPr>
+          </a:p>
+          <a:p>
+            <a:endParaRPr lang="en-US" dirty="0"/>
+          </a:p>
+        </p:txBody>
+      </p:sp>
+      <p:sp>
+        <p:nvSpPr>
+          <p:cNvPr id="4" name="Дата 3"/>
           <p:cNvSpPr>
             <a:spLocks noGrp="1"/>
           </p:cNvSpPr>
@@ -9305,18 +8564,12 @@
             <a:pPr rtl="0"/>
             <a:fld id="{BE289488-0C23-4DC8-A9FA-240659547385}" type="datetime1">
               <a:rPr lang="ru-RU" smtClean="0"/>
-              <a:t>13.04.2022</a:t>
             </a:fld>
             <a:endParaRPr lang="en-US" dirty="0"/>
           </a:p>
         </p:txBody>
       </p:sp>
     </p:spTree>
-    <p:extLst>
-      <p:ext uri="{BB962C8B-B14F-4D97-AF65-F5344CB8AC3E}">
-        <p14:creationId xmlns:p14="http://schemas.microsoft.com/office/powerpoint/2010/main" val="824154104"/>
-      </p:ext>
-    </p:extLst>
   </p:cSld>
   <p:clrMapOvr>
     <a:masterClrMapping/>
@@ -9343,13 +8596,7 @@
       </p:grpSpPr>
       <p:sp>
         <p:nvSpPr>
-          <p:cNvPr id="2" name="Заголовок 1">
-            <a:extLst>
-              <a:ext uri="{FF2B5EF4-FFF2-40B4-BE49-F238E27FC236}">
-                <a16:creationId xmlns:a16="http://schemas.microsoft.com/office/drawing/2014/main" id="{C03E52AB-FA6B-4664-BC69-82FB235C9546}"/>
-              </a:ext>
-            </a:extLst>
-          </p:cNvPr>
+          <p:cNvPr id="2" name="Заголовок 1"/>
           <p:cNvSpPr>
             <a:spLocks noGrp="1"/>
           </p:cNvSpPr>
@@ -9370,19 +8617,13 @@
               <a:rPr lang="ru-RU" dirty="0"/>
               <a:t>методологии)</a:t>
             </a:r>
-            <a:endParaRPr lang="ru-BY" dirty="0"/>
-          </a:p>
-        </p:txBody>
-      </p:sp>
-      <p:sp>
-        <p:nvSpPr>
-          <p:cNvPr id="3" name="Объект 2">
-            <a:extLst>
-              <a:ext uri="{FF2B5EF4-FFF2-40B4-BE49-F238E27FC236}">
-                <a16:creationId xmlns:a16="http://schemas.microsoft.com/office/drawing/2014/main" id="{EA56BEC4-24E0-45C7-AABC-B97DDAE73FA7}"/>
-              </a:ext>
-            </a:extLst>
-          </p:cNvPr>
+            <a:endParaRPr lang="en-US" dirty="0"/>
+          </a:p>
+        </p:txBody>
+      </p:sp>
+      <p:sp>
+        <p:nvSpPr>
+          <p:cNvPr id="3" name="Объект 2"/>
           <p:cNvSpPr>
             <a:spLocks noGrp="1"/>
           </p:cNvSpPr>
@@ -9421,6 +8662,13 @@
               </a:rPr>
               <a:t>Extreme Programming, XP);</a:t>
             </a:r>
+            <a:endParaRPr lang="en-US" b="0" i="0" dirty="0">
+              <a:solidFill>
+                <a:srgbClr val="2C2D30"/>
+              </a:solidFill>
+              <a:effectLst/>
+              <a:latin typeface="Roboto" panose="02000000000000000000" pitchFamily="2" charset="0"/>
+            </a:endParaRPr>
           </a:p>
           <a:p>
             <a:pPr algn="l">
@@ -9447,6 +8695,13 @@
               </a:rPr>
               <a:t>Lean);</a:t>
             </a:r>
+            <a:endParaRPr lang="en-US" b="0" i="0" dirty="0">
+              <a:solidFill>
+                <a:srgbClr val="2C2D30"/>
+              </a:solidFill>
+              <a:effectLst/>
+              <a:latin typeface="Roboto" panose="02000000000000000000" pitchFamily="2" charset="0"/>
+            </a:endParaRPr>
           </a:p>
           <a:p>
             <a:pPr algn="l">
@@ -9473,6 +8728,13 @@
               </a:rPr>
               <a:t>Scrum;</a:t>
             </a:r>
+            <a:endParaRPr lang="en-US" b="1" i="0" u="sng" dirty="0">
+              <a:solidFill>
+                <a:srgbClr val="2C2D30"/>
+              </a:solidFill>
+              <a:effectLst/>
+              <a:latin typeface="Roboto" panose="02000000000000000000" pitchFamily="2" charset="0"/>
+            </a:endParaRPr>
           </a:p>
           <a:p>
             <a:pPr algn="l">
@@ -9499,6 +8761,13 @@
               </a:rPr>
               <a:t>Feature-driven development, FDD);</a:t>
             </a:r>
+            <a:endParaRPr lang="en-US" b="0" i="0" dirty="0">
+              <a:solidFill>
+                <a:srgbClr val="2C2D30"/>
+              </a:solidFill>
+              <a:effectLst/>
+              <a:latin typeface="Roboto" panose="02000000000000000000" pitchFamily="2" charset="0"/>
+            </a:endParaRPr>
           </a:p>
           <a:p>
             <a:pPr algn="l">
@@ -9525,6 +8794,13 @@
               </a:rPr>
               <a:t>Test-driven development, TDD);</a:t>
             </a:r>
+            <a:endParaRPr lang="en-US" b="0" i="0" dirty="0">
+              <a:solidFill>
+                <a:srgbClr val="2C2D30"/>
+              </a:solidFill>
+              <a:effectLst/>
+              <a:latin typeface="Roboto" panose="02000000000000000000" pitchFamily="2" charset="0"/>
+            </a:endParaRPr>
           </a:p>
           <a:p>
             <a:pPr algn="l">
@@ -9571,6 +8847,13 @@
               </a:rPr>
               <a:t>Cleanroom Software Engineering);</a:t>
             </a:r>
+            <a:endParaRPr lang="en-US" b="0" i="0" dirty="0">
+              <a:solidFill>
+                <a:srgbClr val="2C2D30"/>
+              </a:solidFill>
+              <a:effectLst/>
+              <a:latin typeface="Roboto" panose="02000000000000000000" pitchFamily="2" charset="0"/>
+            </a:endParaRPr>
           </a:p>
           <a:p>
             <a:pPr algn="l">
@@ -9607,6 +8890,13 @@
               </a:rPr>
               <a:t>);</a:t>
             </a:r>
+            <a:endParaRPr lang="en-US" b="0" i="0" dirty="0">
+              <a:solidFill>
+                <a:srgbClr val="2C2D30"/>
+              </a:solidFill>
+              <a:effectLst/>
+              <a:latin typeface="Roboto" panose="02000000000000000000" pitchFamily="2" charset="0"/>
+            </a:endParaRPr>
           </a:p>
           <a:p>
             <a:pPr algn="l">
@@ -9633,6 +8923,13 @@
               </a:rPr>
               <a:t>Microsoft Solutions Framework (MSF);</a:t>
             </a:r>
+            <a:endParaRPr lang="en-US" b="0" i="0" dirty="0">
+              <a:solidFill>
+                <a:srgbClr val="2C2D30"/>
+              </a:solidFill>
+              <a:effectLst/>
+              <a:latin typeface="Roboto" panose="02000000000000000000" pitchFamily="2" charset="0"/>
+            </a:endParaRPr>
           </a:p>
           <a:p>
             <a:pPr algn="l">
@@ -9659,6 +8956,13 @@
               </a:rPr>
               <a:t>Dynamic Systems Development Method, DSDM);</a:t>
             </a:r>
+            <a:endParaRPr lang="en-US" b="0" i="0" dirty="0">
+              <a:solidFill>
+                <a:srgbClr val="2C2D30"/>
+              </a:solidFill>
+              <a:effectLst/>
+              <a:latin typeface="Roboto" panose="02000000000000000000" pitchFamily="2" charset="0"/>
+            </a:endParaRPr>
           </a:p>
           <a:p>
             <a:pPr algn="l">
@@ -9685,21 +8989,22 @@
               </a:rPr>
               <a:t>Kanban.</a:t>
             </a:r>
-          </a:p>
-          <a:p>
-            <a:endParaRPr lang="ru-BY" dirty="0"/>
-          </a:p>
-        </p:txBody>
-      </p:sp>
-      <p:sp>
-        <p:nvSpPr>
-          <p:cNvPr id="4" name="Дата 3">
-            <a:extLst>
-              <a:ext uri="{FF2B5EF4-FFF2-40B4-BE49-F238E27FC236}">
-                <a16:creationId xmlns:a16="http://schemas.microsoft.com/office/drawing/2014/main" id="{CE0419DB-7985-49A1-9F19-E02496A11637}"/>
-              </a:ext>
-            </a:extLst>
-          </p:cNvPr>
+            <a:endParaRPr lang="en-US" b="1" i="0" u="sng" dirty="0">
+              <a:solidFill>
+                <a:srgbClr val="2C2D30"/>
+              </a:solidFill>
+              <a:effectLst/>
+              <a:latin typeface="Roboto" panose="02000000000000000000" pitchFamily="2" charset="0"/>
+            </a:endParaRPr>
+          </a:p>
+          <a:p>
+            <a:endParaRPr lang="en-US" dirty="0"/>
+          </a:p>
+        </p:txBody>
+      </p:sp>
+      <p:sp>
+        <p:nvSpPr>
+          <p:cNvPr id="4" name="Дата 3"/>
           <p:cNvSpPr>
             <a:spLocks noGrp="1"/>
           </p:cNvSpPr>
@@ -9715,18 +9020,12 @@
             <a:pPr rtl="0"/>
             <a:fld id="{BE289488-0C23-4DC8-A9FA-240659547385}" type="datetime1">
               <a:rPr lang="ru-RU" smtClean="0"/>
-              <a:t>13.04.2022</a:t>
             </a:fld>
             <a:endParaRPr lang="en-US" dirty="0"/>
           </a:p>
         </p:txBody>
       </p:sp>
     </p:spTree>
-    <p:extLst>
-      <p:ext uri="{BB962C8B-B14F-4D97-AF65-F5344CB8AC3E}">
-        <p14:creationId xmlns:p14="http://schemas.microsoft.com/office/powerpoint/2010/main" val="3531212187"/>
-      </p:ext>
-    </p:extLst>
   </p:cSld>
   <p:clrMapOvr>
     <a:masterClrMapping/>
@@ -9753,13 +9052,7 @@
       </p:grpSpPr>
       <p:sp>
         <p:nvSpPr>
-          <p:cNvPr id="2" name="Заголовок 1">
-            <a:extLst>
-              <a:ext uri="{FF2B5EF4-FFF2-40B4-BE49-F238E27FC236}">
-                <a16:creationId xmlns:a16="http://schemas.microsoft.com/office/drawing/2014/main" id="{0BAE789E-5449-47F1-B127-90ADA0B68A09}"/>
-              </a:ext>
-            </a:extLst>
-          </p:cNvPr>
+          <p:cNvPr id="2" name="Заголовок 1"/>
           <p:cNvSpPr>
             <a:spLocks noGrp="1"/>
           </p:cNvSpPr>
@@ -9776,19 +9069,13 @@
               <a:rPr lang="en-US" dirty="0"/>
               <a:t>SCRUM</a:t>
             </a:r>
-            <a:endParaRPr lang="ru-BY" dirty="0"/>
+            <a:endParaRPr lang="en-US" dirty="0"/>
           </a:p>
         </p:txBody>
       </p:sp>
       <p:pic>
         <p:nvPicPr>
-          <p:cNvPr id="6" name="Объект 5">
-            <a:extLst>
-              <a:ext uri="{FF2B5EF4-FFF2-40B4-BE49-F238E27FC236}">
-                <a16:creationId xmlns:a16="http://schemas.microsoft.com/office/drawing/2014/main" id="{009D5CF5-1B1F-4363-B939-82B39CEC18A2}"/>
-              </a:ext>
-            </a:extLst>
-          </p:cNvPr>
+          <p:cNvPr id="6" name="Объект 5"/>
           <p:cNvPicPr>
             <a:picLocks noGrp="1" noChangeAspect="1"/>
           </p:cNvPicPr>
@@ -9797,7 +9084,7 @@
           </p:nvPr>
         </p:nvPicPr>
         <p:blipFill>
-          <a:blip r:embed="rId2">
+          <a:blip r:embed="rId1">
             <a:extLst>
               <a:ext uri="{28A0092B-C50C-407E-A947-70E740481C1C}">
                 <a14:useLocalDpi xmlns:a14="http://schemas.microsoft.com/office/drawing/2010/main" val="0"/>
@@ -9817,13 +9104,7 @@
       </p:pic>
       <p:sp>
         <p:nvSpPr>
-          <p:cNvPr id="4" name="Дата 3">
-            <a:extLst>
-              <a:ext uri="{FF2B5EF4-FFF2-40B4-BE49-F238E27FC236}">
-                <a16:creationId xmlns:a16="http://schemas.microsoft.com/office/drawing/2014/main" id="{BAAC7E83-5EA6-4155-98E2-967418E15ABF}"/>
-              </a:ext>
-            </a:extLst>
-          </p:cNvPr>
+          <p:cNvPr id="4" name="Дата 3"/>
           <p:cNvSpPr>
             <a:spLocks noGrp="1"/>
           </p:cNvSpPr>
@@ -9839,18 +9120,12 @@
             <a:pPr rtl="0"/>
             <a:fld id="{BE289488-0C23-4DC8-A9FA-240659547385}" type="datetime1">
               <a:rPr lang="ru-RU" smtClean="0"/>
-              <a:t>13.04.2022</a:t>
             </a:fld>
             <a:endParaRPr lang="en-US" dirty="0"/>
           </a:p>
         </p:txBody>
       </p:sp>
     </p:spTree>
-    <p:extLst>
-      <p:ext uri="{BB962C8B-B14F-4D97-AF65-F5344CB8AC3E}">
-        <p14:creationId xmlns:p14="http://schemas.microsoft.com/office/powerpoint/2010/main" val="641644238"/>
-      </p:ext>
-    </p:extLst>
   </p:cSld>
   <p:clrMapOvr>
     <a:masterClrMapping/>
@@ -9877,13 +9152,7 @@
       </p:grpSpPr>
       <p:sp>
         <p:nvSpPr>
-          <p:cNvPr id="2" name="Заголовок 1">
-            <a:extLst>
-              <a:ext uri="{FF2B5EF4-FFF2-40B4-BE49-F238E27FC236}">
-                <a16:creationId xmlns:a16="http://schemas.microsoft.com/office/drawing/2014/main" id="{68D359DE-2256-4457-B965-382A0C4FA787}"/>
-              </a:ext>
-            </a:extLst>
-          </p:cNvPr>
+          <p:cNvPr id="2" name="Заголовок 1"/>
           <p:cNvSpPr>
             <a:spLocks noGrp="1"/>
           </p:cNvSpPr>
@@ -9900,19 +9169,13 @@
               <a:rPr lang="en-US" dirty="0"/>
               <a:t>SCRUM</a:t>
             </a:r>
-            <a:endParaRPr lang="ru-BY" dirty="0"/>
+            <a:endParaRPr lang="en-US" dirty="0"/>
           </a:p>
         </p:txBody>
       </p:sp>
       <p:pic>
         <p:nvPicPr>
-          <p:cNvPr id="6" name="Объект 5">
-            <a:extLst>
-              <a:ext uri="{FF2B5EF4-FFF2-40B4-BE49-F238E27FC236}">
-                <a16:creationId xmlns:a16="http://schemas.microsoft.com/office/drawing/2014/main" id="{8537F336-778C-4264-9585-6F531F3398B8}"/>
-              </a:ext>
-            </a:extLst>
-          </p:cNvPr>
+          <p:cNvPr id="6" name="Объект 5"/>
           <p:cNvPicPr>
             <a:picLocks noGrp="1" noChangeAspect="1"/>
           </p:cNvPicPr>
@@ -9921,7 +9184,7 @@
           </p:nvPr>
         </p:nvPicPr>
         <p:blipFill>
-          <a:blip r:embed="rId2">
+          <a:blip r:embed="rId1">
             <a:extLst>
               <a:ext uri="{28A0092B-C50C-407E-A947-70E740481C1C}">
                 <a14:useLocalDpi xmlns:a14="http://schemas.microsoft.com/office/drawing/2010/main" val="0"/>
@@ -9941,13 +9204,7 @@
       </p:pic>
       <p:sp>
         <p:nvSpPr>
-          <p:cNvPr id="4" name="Дата 3">
-            <a:extLst>
-              <a:ext uri="{FF2B5EF4-FFF2-40B4-BE49-F238E27FC236}">
-                <a16:creationId xmlns:a16="http://schemas.microsoft.com/office/drawing/2014/main" id="{F84452D3-9CF8-4320-A575-A32F8EEC8670}"/>
-              </a:ext>
-            </a:extLst>
-          </p:cNvPr>
+          <p:cNvPr id="4" name="Дата 3"/>
           <p:cNvSpPr>
             <a:spLocks noGrp="1"/>
           </p:cNvSpPr>
@@ -9963,18 +9220,12 @@
             <a:pPr rtl="0"/>
             <a:fld id="{BE289488-0C23-4DC8-A9FA-240659547385}" type="datetime1">
               <a:rPr lang="ru-RU" smtClean="0"/>
-              <a:t>13.04.2022</a:t>
             </a:fld>
             <a:endParaRPr lang="en-US" dirty="0"/>
           </a:p>
         </p:txBody>
       </p:sp>
     </p:spTree>
-    <p:extLst>
-      <p:ext uri="{BB962C8B-B14F-4D97-AF65-F5344CB8AC3E}">
-        <p14:creationId xmlns:p14="http://schemas.microsoft.com/office/powerpoint/2010/main" val="1960342465"/>
-      </p:ext>
-    </p:extLst>
   </p:cSld>
   <p:clrMapOvr>
     <a:masterClrMapping/>
@@ -10001,13 +9252,7 @@
       </p:grpSpPr>
       <p:sp>
         <p:nvSpPr>
-          <p:cNvPr id="2" name="Заголовок 1">
-            <a:extLst>
-              <a:ext uri="{FF2B5EF4-FFF2-40B4-BE49-F238E27FC236}">
-                <a16:creationId xmlns:a16="http://schemas.microsoft.com/office/drawing/2014/main" id="{7B87565E-286B-41B9-8043-DB848F34C79C}"/>
-              </a:ext>
-            </a:extLst>
-          </p:cNvPr>
+          <p:cNvPr id="2" name="Заголовок 1"/>
           <p:cNvSpPr>
             <a:spLocks noGrp="1"/>
           </p:cNvSpPr>
@@ -10024,19 +9269,13 @@
               <a:rPr lang="en-US" dirty="0"/>
               <a:t>Kanban</a:t>
             </a:r>
-            <a:endParaRPr lang="ru-BY" dirty="0"/>
-          </a:p>
-        </p:txBody>
-      </p:sp>
-      <p:sp>
-        <p:nvSpPr>
-          <p:cNvPr id="3" name="Объект 2">
-            <a:extLst>
-              <a:ext uri="{FF2B5EF4-FFF2-40B4-BE49-F238E27FC236}">
-                <a16:creationId xmlns:a16="http://schemas.microsoft.com/office/drawing/2014/main" id="{5D49E59E-42CA-4427-96C7-4BACA14CD558}"/>
-              </a:ext>
-            </a:extLst>
-          </p:cNvPr>
+            <a:endParaRPr lang="en-US" dirty="0"/>
+          </a:p>
+        </p:txBody>
+      </p:sp>
+      <p:sp>
+        <p:nvSpPr>
+          <p:cNvPr id="3" name="Объект 2"/>
           <p:cNvSpPr>
             <a:spLocks noGrp="1"/>
           </p:cNvSpPr>
@@ -10138,19 +9377,13 @@
               </a:rPr>
               <a:t> удобно использовать не только в работе, но и в личных целях — распределять собственные планы или задачи семьи на выходные, наглядно отслеживать прогресс.</a:t>
             </a:r>
-            <a:endParaRPr lang="ru-BY"/>
-          </a:p>
-        </p:txBody>
-      </p:sp>
-      <p:sp>
-        <p:nvSpPr>
-          <p:cNvPr id="4" name="Дата 3">
-            <a:extLst>
-              <a:ext uri="{FF2B5EF4-FFF2-40B4-BE49-F238E27FC236}">
-                <a16:creationId xmlns:a16="http://schemas.microsoft.com/office/drawing/2014/main" id="{9E55E610-50D1-42E2-84E3-6E9AC7BBF0AF}"/>
-              </a:ext>
-            </a:extLst>
-          </p:cNvPr>
+            <a:endParaRPr lang="en-US"/>
+          </a:p>
+        </p:txBody>
+      </p:sp>
+      <p:sp>
+        <p:nvSpPr>
+          <p:cNvPr id="4" name="Дата 3"/>
           <p:cNvSpPr>
             <a:spLocks noGrp="1"/>
           </p:cNvSpPr>
@@ -10166,18 +9399,12 @@
             <a:pPr rtl="0"/>
             <a:fld id="{BE289488-0C23-4DC8-A9FA-240659547385}" type="datetime1">
               <a:rPr lang="ru-RU" smtClean="0"/>
-              <a:t>13.04.2022</a:t>
             </a:fld>
             <a:endParaRPr lang="en-US" dirty="0"/>
           </a:p>
         </p:txBody>
       </p:sp>
     </p:spTree>
-    <p:extLst>
-      <p:ext uri="{BB962C8B-B14F-4D97-AF65-F5344CB8AC3E}">
-        <p14:creationId xmlns:p14="http://schemas.microsoft.com/office/powerpoint/2010/main" val="2113362294"/>
-      </p:ext>
-    </p:extLst>
   </p:cSld>
   <p:clrMapOvr>
     <a:masterClrMapping/>
@@ -10204,13 +9431,7 @@
       </p:grpSpPr>
       <p:sp>
         <p:nvSpPr>
-          <p:cNvPr id="2" name="Заголовок 1">
-            <a:extLst>
-              <a:ext uri="{FF2B5EF4-FFF2-40B4-BE49-F238E27FC236}">
-                <a16:creationId xmlns:a16="http://schemas.microsoft.com/office/drawing/2014/main" id="{C4122EFB-CA05-462D-8EF9-2328321B922E}"/>
-              </a:ext>
-            </a:extLst>
-          </p:cNvPr>
+          <p:cNvPr id="2" name="Заголовок 1"/>
           <p:cNvSpPr>
             <a:spLocks noGrp="1"/>
           </p:cNvSpPr>
@@ -10227,19 +9448,13 @@
               <a:rPr lang="ru-RU" dirty="0"/>
               <a:t>Стандарты, регламентирующие ЖЦ ПО (2/2)</a:t>
             </a:r>
-            <a:endParaRPr lang="ru-BY" dirty="0"/>
-          </a:p>
-        </p:txBody>
-      </p:sp>
-      <p:sp>
-        <p:nvSpPr>
-          <p:cNvPr id="3" name="Объект 2">
-            <a:extLst>
-              <a:ext uri="{FF2B5EF4-FFF2-40B4-BE49-F238E27FC236}">
-                <a16:creationId xmlns:a16="http://schemas.microsoft.com/office/drawing/2014/main" id="{C07A145F-64A8-4669-B778-18510D5665DF}"/>
-              </a:ext>
-            </a:extLst>
-          </p:cNvPr>
+            <a:endParaRPr lang="en-US" dirty="0"/>
+          </a:p>
+        </p:txBody>
+      </p:sp>
+      <p:sp>
+        <p:nvSpPr>
+          <p:cNvPr id="3" name="Объект 2"/>
           <p:cNvSpPr>
             <a:spLocks noGrp="1"/>
           </p:cNvSpPr>
@@ -10266,6 +9481,7 @@
               <a:rPr lang="ru-RU" dirty="0"/>
               <a:t>предлагает итеративную модель разработки, включающую четыре фазы: начало, исследование, построение и внедрение. Каждая фаза может быть разбита на этапы (итерации), в результате которых выпускается версия для внутреннего или внешнего использования. Прохождение через четыре основные фазы называется циклом разработки, каждый цикл завершается генерацией версии системы. Если после этого работа над проектом не прекращается, то полученный продукт продолжает развиваться и снова минует те же фазы. Суть работы в рамках RUP - это создание и сопровождение моделей на базе UML.</a:t>
             </a:r>
+            <a:endParaRPr lang="ru-RU" dirty="0"/>
           </a:p>
           <a:p>
             <a:r>
@@ -10288,6 +9504,7 @@
               <a:rPr lang="ru-RU" dirty="0"/>
               <a:t>. </a:t>
             </a:r>
+            <a:endParaRPr lang="ru-RU" dirty="0"/>
           </a:p>
           <a:p>
             <a:r>
@@ -10306,19 +9523,13 @@
               <a:rPr lang="ru-RU" dirty="0"/>
               <a:t>Экстремальное программирование (самая новая среди рассматриваемых методологий) сформировалось в 1996 году. В основе 3 методологии командная работа, эффективная коммуникация между заказчиком и исполнителем в течение всего проекта по разработке ИС, а разработка ведется с использованием последовательно дорабатываемых прототипов.</a:t>
             </a:r>
-            <a:endParaRPr lang="ru-BY" dirty="0"/>
-          </a:p>
-        </p:txBody>
-      </p:sp>
-      <p:sp>
-        <p:nvSpPr>
-          <p:cNvPr id="4" name="Дата 3">
-            <a:extLst>
-              <a:ext uri="{FF2B5EF4-FFF2-40B4-BE49-F238E27FC236}">
-                <a16:creationId xmlns:a16="http://schemas.microsoft.com/office/drawing/2014/main" id="{FC151A78-0C4C-4EE0-8497-4B521565C1B0}"/>
-              </a:ext>
-            </a:extLst>
-          </p:cNvPr>
+            <a:endParaRPr lang="en-US" dirty="0"/>
+          </a:p>
+        </p:txBody>
+      </p:sp>
+      <p:sp>
+        <p:nvSpPr>
+          <p:cNvPr id="4" name="Дата 3"/>
           <p:cNvSpPr>
             <a:spLocks noGrp="1"/>
           </p:cNvSpPr>
@@ -10334,18 +9545,12 @@
             <a:pPr rtl="0"/>
             <a:fld id="{BE289488-0C23-4DC8-A9FA-240659547385}" type="datetime1">
               <a:rPr lang="ru-RU" smtClean="0"/>
-              <a:t>13.04.2022</a:t>
             </a:fld>
             <a:endParaRPr lang="en-US" dirty="0"/>
           </a:p>
         </p:txBody>
       </p:sp>
     </p:spTree>
-    <p:extLst>
-      <p:ext uri="{BB962C8B-B14F-4D97-AF65-F5344CB8AC3E}">
-        <p14:creationId xmlns:p14="http://schemas.microsoft.com/office/powerpoint/2010/main" val="336059760"/>
-      </p:ext>
-    </p:extLst>
   </p:cSld>
   <p:clrMapOvr>
     <a:masterClrMapping/>
@@ -10372,13 +9577,7 @@
       </p:grpSpPr>
       <p:sp>
         <p:nvSpPr>
-          <p:cNvPr id="2" name="Заголовок 1">
-            <a:extLst>
-              <a:ext uri="{FF2B5EF4-FFF2-40B4-BE49-F238E27FC236}">
-                <a16:creationId xmlns:a16="http://schemas.microsoft.com/office/drawing/2014/main" id="{751E7BA1-3D29-498D-A530-24BEEF43D798}"/>
-              </a:ext>
-            </a:extLst>
-          </p:cNvPr>
+          <p:cNvPr id="2" name="Заголовок 1"/>
           <p:cNvSpPr>
             <a:spLocks noGrp="1"/>
           </p:cNvSpPr>
@@ -10395,19 +9594,13 @@
               <a:rPr lang="ru-RU" dirty="0"/>
               <a:t>Основные этапы жизненного цикла ПО</a:t>
             </a:r>
-            <a:endParaRPr lang="ru-BY" dirty="0"/>
-          </a:p>
-        </p:txBody>
-      </p:sp>
-      <p:sp>
-        <p:nvSpPr>
-          <p:cNvPr id="4" name="Дата 3">
-            <a:extLst>
-              <a:ext uri="{FF2B5EF4-FFF2-40B4-BE49-F238E27FC236}">
-                <a16:creationId xmlns:a16="http://schemas.microsoft.com/office/drawing/2014/main" id="{76D9CDEA-A7BA-4916-B38D-093282E391E6}"/>
-              </a:ext>
-            </a:extLst>
-          </p:cNvPr>
+            <a:endParaRPr lang="en-US" dirty="0"/>
+          </a:p>
+        </p:txBody>
+      </p:sp>
+      <p:sp>
+        <p:nvSpPr>
+          <p:cNvPr id="4" name="Дата 3"/>
           <p:cNvSpPr>
             <a:spLocks noGrp="1"/>
           </p:cNvSpPr>
@@ -10423,7 +9616,6 @@
             <a:pPr rtl="0"/>
             <a:fld id="{BE289488-0C23-4DC8-A9FA-240659547385}" type="datetime1">
               <a:rPr lang="ru-RU" smtClean="0"/>
-              <a:t>13.04.2022</a:t>
             </a:fld>
             <a:endParaRPr lang="en-US" dirty="0"/>
           </a:p>
@@ -10431,13 +9623,7 @@
       </p:sp>
       <p:pic>
         <p:nvPicPr>
-          <p:cNvPr id="5" name="Объект 4">
-            <a:extLst>
-              <a:ext uri="{FF2B5EF4-FFF2-40B4-BE49-F238E27FC236}">
-                <a16:creationId xmlns:a16="http://schemas.microsoft.com/office/drawing/2014/main" id="{C6F88FA1-C293-4C9F-A2F0-A602DCADE529}"/>
-              </a:ext>
-            </a:extLst>
-          </p:cNvPr>
+          <p:cNvPr id="5" name="Объект 4"/>
           <p:cNvPicPr>
             <a:picLocks noGrp="1" noChangeAspect="1"/>
           </p:cNvPicPr>
@@ -10446,9 +9632,8 @@
           </p:nvPr>
         </p:nvPicPr>
         <p:blipFill>
-          <a:blip r:embed="rId2">
+          <a:blip r:embed="rId1">
             <a:lum/>
-            <a:alphaModFix/>
           </a:blip>
           <a:srcRect/>
           <a:stretch>
@@ -10470,11 +9655,6 @@
         </p:spPr>
       </p:pic>
     </p:spTree>
-    <p:extLst>
-      <p:ext uri="{BB962C8B-B14F-4D97-AF65-F5344CB8AC3E}">
-        <p14:creationId xmlns:p14="http://schemas.microsoft.com/office/powerpoint/2010/main" val="1361454677"/>
-      </p:ext>
-    </p:extLst>
   </p:cSld>
   <p:clrMapOvr>
     <a:masterClrMapping/>
@@ -10501,13 +9681,7 @@
       </p:grpSpPr>
       <p:sp>
         <p:nvSpPr>
-          <p:cNvPr id="2" name="Заголовок 1">
-            <a:extLst>
-              <a:ext uri="{FF2B5EF4-FFF2-40B4-BE49-F238E27FC236}">
-                <a16:creationId xmlns:a16="http://schemas.microsoft.com/office/drawing/2014/main" id="{0E32870C-E0F4-49C6-A440-BBC096FA65D5}"/>
-              </a:ext>
-            </a:extLst>
-          </p:cNvPr>
+          <p:cNvPr id="2" name="Заголовок 1"/>
           <p:cNvSpPr>
             <a:spLocks noGrp="1"/>
           </p:cNvSpPr>
@@ -10524,19 +9698,13 @@
               <a:rPr lang="ru-RU" dirty="0"/>
               <a:t>Что такое проект?</a:t>
             </a:r>
-            <a:endParaRPr lang="ru-BY" dirty="0"/>
-          </a:p>
-        </p:txBody>
-      </p:sp>
-      <p:sp>
-        <p:nvSpPr>
-          <p:cNvPr id="3" name="Объект 2">
-            <a:extLst>
-              <a:ext uri="{FF2B5EF4-FFF2-40B4-BE49-F238E27FC236}">
-                <a16:creationId xmlns:a16="http://schemas.microsoft.com/office/drawing/2014/main" id="{A706A4F6-88D7-49AF-A0E8-A550BF9D4AC5}"/>
-              </a:ext>
-            </a:extLst>
-          </p:cNvPr>
+            <a:endParaRPr lang="en-US" dirty="0"/>
+          </a:p>
+        </p:txBody>
+      </p:sp>
+      <p:sp>
+        <p:nvSpPr>
+          <p:cNvPr id="3" name="Объект 2"/>
           <p:cNvSpPr>
             <a:spLocks noGrp="1"/>
           </p:cNvSpPr>
@@ -10554,19 +9722,13 @@
           <a:bodyPr/>
           <a:lstStyle/>
           <a:p>
-            <a:endParaRPr lang="ru-BY" dirty="0"/>
-          </a:p>
-        </p:txBody>
-      </p:sp>
-      <p:sp>
-        <p:nvSpPr>
-          <p:cNvPr id="4" name="Дата 3">
-            <a:extLst>
-              <a:ext uri="{FF2B5EF4-FFF2-40B4-BE49-F238E27FC236}">
-                <a16:creationId xmlns:a16="http://schemas.microsoft.com/office/drawing/2014/main" id="{73006E0C-5E1B-4E9F-89DA-44F35D4BCB23}"/>
-              </a:ext>
-            </a:extLst>
-          </p:cNvPr>
+            <a:endParaRPr lang="en-US" dirty="0"/>
+          </a:p>
+        </p:txBody>
+      </p:sp>
+      <p:sp>
+        <p:nvSpPr>
+          <p:cNvPr id="4" name="Дата 3"/>
           <p:cNvSpPr>
             <a:spLocks noGrp="1"/>
           </p:cNvSpPr>
@@ -10582,7 +9744,6 @@
             <a:pPr rtl="0"/>
             <a:fld id="{BE289488-0C23-4DC8-A9FA-240659547385}" type="datetime1">
               <a:rPr lang="ru-RU" smtClean="0"/>
-              <a:t>13.04.2022</a:t>
             </a:fld>
             <a:endParaRPr lang="en-US" dirty="0"/>
           </a:p>
@@ -10590,16 +9751,8 @@
       </p:sp>
       <p:cxnSp>
         <p:nvCxnSpPr>
-          <p:cNvPr id="8" name="Прямая со стрелкой 7">
-            <a:extLst>
-              <a:ext uri="{FF2B5EF4-FFF2-40B4-BE49-F238E27FC236}">
-                <a16:creationId xmlns:a16="http://schemas.microsoft.com/office/drawing/2014/main" id="{98C12484-ED4F-4451-B272-07D511011983}"/>
-              </a:ext>
-            </a:extLst>
-          </p:cNvPr>
-          <p:cNvCxnSpPr>
-            <a:cxnSpLocks/>
-          </p:cNvCxnSpPr>
+          <p:cNvPr id="8" name="Прямая со стрелкой 7"/>
+          <p:cNvCxnSpPr/>
           <p:nvPr/>
         </p:nvCxnSpPr>
         <p:spPr>
@@ -10634,16 +9787,8 @@
       </p:cxnSp>
       <p:cxnSp>
         <p:nvCxnSpPr>
-          <p:cNvPr id="14" name="Прямая со стрелкой 13">
-            <a:extLst>
-              <a:ext uri="{FF2B5EF4-FFF2-40B4-BE49-F238E27FC236}">
-                <a16:creationId xmlns:a16="http://schemas.microsoft.com/office/drawing/2014/main" id="{7A6951A0-C3F8-43F0-9AA5-C3DCE06A4E9C}"/>
-              </a:ext>
-            </a:extLst>
-          </p:cNvPr>
-          <p:cNvCxnSpPr>
-            <a:cxnSpLocks/>
-          </p:cNvCxnSpPr>
+          <p:cNvPr id="14" name="Прямая со стрелкой 13"/>
+          <p:cNvCxnSpPr/>
           <p:nvPr/>
         </p:nvCxnSpPr>
         <p:spPr>
@@ -10678,16 +9823,8 @@
       </p:cxnSp>
       <p:cxnSp>
         <p:nvCxnSpPr>
-          <p:cNvPr id="17" name="Прямая соединительная линия 16">
-            <a:extLst>
-              <a:ext uri="{FF2B5EF4-FFF2-40B4-BE49-F238E27FC236}">
-                <a16:creationId xmlns:a16="http://schemas.microsoft.com/office/drawing/2014/main" id="{ED2648D7-5065-42E7-943B-6C031236DD75}"/>
-              </a:ext>
-            </a:extLst>
-          </p:cNvPr>
-          <p:cNvCxnSpPr>
-            <a:cxnSpLocks/>
-          </p:cNvCxnSpPr>
+          <p:cNvPr id="17" name="Прямая соединительная линия 16"/>
+          <p:cNvCxnSpPr/>
           <p:nvPr/>
         </p:nvCxnSpPr>
         <p:spPr>
@@ -10721,16 +9858,8 @@
       </p:cxnSp>
       <p:cxnSp>
         <p:nvCxnSpPr>
-          <p:cNvPr id="21" name="Прямая соединительная линия 20">
-            <a:extLst>
-              <a:ext uri="{FF2B5EF4-FFF2-40B4-BE49-F238E27FC236}">
-                <a16:creationId xmlns:a16="http://schemas.microsoft.com/office/drawing/2014/main" id="{7F915AB8-00FF-4324-BA79-DFD29496282B}"/>
-              </a:ext>
-            </a:extLst>
-          </p:cNvPr>
-          <p:cNvCxnSpPr>
-            <a:cxnSpLocks/>
-          </p:cNvCxnSpPr>
+          <p:cNvPr id="21" name="Прямая соединительная линия 20"/>
+          <p:cNvCxnSpPr/>
           <p:nvPr/>
         </p:nvCxnSpPr>
         <p:spPr>
@@ -10764,13 +9893,7 @@
       </p:cxnSp>
       <p:sp>
         <p:nvSpPr>
-          <p:cNvPr id="25" name="TextBox 24">
-            <a:extLst>
-              <a:ext uri="{FF2B5EF4-FFF2-40B4-BE49-F238E27FC236}">
-                <a16:creationId xmlns:a16="http://schemas.microsoft.com/office/drawing/2014/main" id="{2AA230A0-C50D-459B-848A-B0B42FC4493C}"/>
-              </a:ext>
-            </a:extLst>
-          </p:cNvPr>
+          <p:cNvPr id="25" name="TextBox 24"/>
           <p:cNvSpPr txBox="1"/>
           <p:nvPr/>
         </p:nvSpPr>
@@ -10794,19 +9917,13 @@
               <a:rPr lang="ru-RU" dirty="0"/>
               <a:t>Тип.</a:t>
             </a:r>
-            <a:endParaRPr lang="ru-BY" dirty="0"/>
-          </a:p>
-        </p:txBody>
-      </p:sp>
-      <p:sp>
-        <p:nvSpPr>
-          <p:cNvPr id="28" name="TextBox 27">
-            <a:extLst>
-              <a:ext uri="{FF2B5EF4-FFF2-40B4-BE49-F238E27FC236}">
-                <a16:creationId xmlns:a16="http://schemas.microsoft.com/office/drawing/2014/main" id="{A5957F28-C808-4134-8811-C76AED7CE1F0}"/>
-              </a:ext>
-            </a:extLst>
-          </p:cNvPr>
+            <a:endParaRPr lang="en-US" dirty="0"/>
+          </a:p>
+        </p:txBody>
+      </p:sp>
+      <p:sp>
+        <p:nvSpPr>
+          <p:cNvPr id="28" name="TextBox 27"/>
           <p:cNvSpPr txBox="1"/>
           <p:nvPr/>
         </p:nvSpPr>
@@ -10830,19 +9947,13 @@
               <a:rPr lang="ru-RU" dirty="0"/>
               <a:t>Нов.</a:t>
             </a:r>
-            <a:endParaRPr lang="ru-BY" dirty="0"/>
-          </a:p>
-        </p:txBody>
-      </p:sp>
-      <p:sp>
-        <p:nvSpPr>
-          <p:cNvPr id="30" name="TextBox 29">
-            <a:extLst>
-              <a:ext uri="{FF2B5EF4-FFF2-40B4-BE49-F238E27FC236}">
-                <a16:creationId xmlns:a16="http://schemas.microsoft.com/office/drawing/2014/main" id="{579C7B5C-C331-4BA8-9216-49B7E56CE137}"/>
-              </a:ext>
-            </a:extLst>
-          </p:cNvPr>
+            <a:endParaRPr lang="en-US" dirty="0"/>
+          </a:p>
+        </p:txBody>
+      </p:sp>
+      <p:sp>
+        <p:nvSpPr>
+          <p:cNvPr id="30" name="TextBox 29"/>
           <p:cNvSpPr txBox="1"/>
           <p:nvPr/>
         </p:nvSpPr>
@@ -10866,19 +9977,13 @@
               <a:rPr lang="ru-RU" dirty="0"/>
               <a:t>Простой</a:t>
             </a:r>
-            <a:endParaRPr lang="ru-BY" dirty="0"/>
-          </a:p>
-        </p:txBody>
-      </p:sp>
-      <p:sp>
-        <p:nvSpPr>
-          <p:cNvPr id="32" name="TextBox 31">
-            <a:extLst>
-              <a:ext uri="{FF2B5EF4-FFF2-40B4-BE49-F238E27FC236}">
-                <a16:creationId xmlns:a16="http://schemas.microsoft.com/office/drawing/2014/main" id="{9DD1551B-C729-45F4-B45B-062CDD2496F2}"/>
-              </a:ext>
-            </a:extLst>
-          </p:cNvPr>
+            <a:endParaRPr lang="en-US" dirty="0"/>
+          </a:p>
+        </p:txBody>
+      </p:sp>
+      <p:sp>
+        <p:nvSpPr>
+          <p:cNvPr id="32" name="TextBox 31"/>
           <p:cNvSpPr txBox="1"/>
           <p:nvPr/>
         </p:nvSpPr>
@@ -10902,19 +10007,13 @@
               <a:rPr lang="ru-RU" dirty="0"/>
               <a:t>Сложный</a:t>
             </a:r>
-            <a:endParaRPr lang="ru-BY" dirty="0"/>
-          </a:p>
-        </p:txBody>
-      </p:sp>
-      <p:sp>
-        <p:nvSpPr>
-          <p:cNvPr id="33" name="TextBox 32">
-            <a:extLst>
-              <a:ext uri="{FF2B5EF4-FFF2-40B4-BE49-F238E27FC236}">
-                <a16:creationId xmlns:a16="http://schemas.microsoft.com/office/drawing/2014/main" id="{330A6DB4-3D98-4545-972F-BCCA1EBD8682}"/>
-              </a:ext>
-            </a:extLst>
-          </p:cNvPr>
+            <a:endParaRPr lang="en-US" dirty="0"/>
+          </a:p>
+        </p:txBody>
+      </p:sp>
+      <p:sp>
+        <p:nvSpPr>
+          <p:cNvPr id="33" name="TextBox 32"/>
           <p:cNvSpPr txBox="1"/>
           <p:nvPr/>
         </p:nvSpPr>
@@ -10942,7 +10041,7 @@
               </a:rPr>
               <a:t>Проект</a:t>
             </a:r>
-            <a:endParaRPr lang="ru-BY" dirty="0">
+            <a:endParaRPr lang="en-US" dirty="0">
               <a:solidFill>
                 <a:srgbClr val="FF0000"/>
               </a:solidFill>
@@ -10952,13 +10051,7 @@
       </p:sp>
       <p:sp>
         <p:nvSpPr>
-          <p:cNvPr id="36" name="TextBox 35">
-            <a:extLst>
-              <a:ext uri="{FF2B5EF4-FFF2-40B4-BE49-F238E27FC236}">
-                <a16:creationId xmlns:a16="http://schemas.microsoft.com/office/drawing/2014/main" id="{0B1F169F-12FA-4610-B4F7-46824FE6E3D3}"/>
-              </a:ext>
-            </a:extLst>
-          </p:cNvPr>
+          <p:cNvPr id="36" name="TextBox 35"/>
           <p:cNvSpPr txBox="1"/>
           <p:nvPr/>
         </p:nvSpPr>
@@ -10982,19 +10075,13 @@
               <a:rPr lang="ru-RU" dirty="0"/>
               <a:t>Бизнес-процесс</a:t>
             </a:r>
-            <a:endParaRPr lang="ru-BY" dirty="0"/>
-          </a:p>
-        </p:txBody>
-      </p:sp>
-      <p:sp>
-        <p:nvSpPr>
-          <p:cNvPr id="39" name="TextBox 38">
-            <a:extLst>
-              <a:ext uri="{FF2B5EF4-FFF2-40B4-BE49-F238E27FC236}">
-                <a16:creationId xmlns:a16="http://schemas.microsoft.com/office/drawing/2014/main" id="{00D75A0B-22FF-460C-AF4E-E345090DEED6}"/>
-              </a:ext>
-            </a:extLst>
-          </p:cNvPr>
+            <a:endParaRPr lang="en-US" dirty="0"/>
+          </a:p>
+        </p:txBody>
+      </p:sp>
+      <p:sp>
+        <p:nvSpPr>
+          <p:cNvPr id="39" name="TextBox 38"/>
           <p:cNvSpPr txBox="1"/>
           <p:nvPr/>
         </p:nvSpPr>
@@ -11018,19 +10105,13 @@
               <a:rPr lang="ru-RU" dirty="0"/>
               <a:t>Операция</a:t>
             </a:r>
-            <a:endParaRPr lang="ru-BY" dirty="0"/>
-          </a:p>
-        </p:txBody>
-      </p:sp>
-      <p:sp>
-        <p:nvSpPr>
-          <p:cNvPr id="40" name="TextBox 39">
-            <a:extLst>
-              <a:ext uri="{FF2B5EF4-FFF2-40B4-BE49-F238E27FC236}">
-                <a16:creationId xmlns:a16="http://schemas.microsoft.com/office/drawing/2014/main" id="{8B8A93CF-29F9-483C-B513-94A1F5B3202E}"/>
-              </a:ext>
-            </a:extLst>
-          </p:cNvPr>
+            <a:endParaRPr lang="en-US" dirty="0"/>
+          </a:p>
+        </p:txBody>
+      </p:sp>
+      <p:sp>
+        <p:nvSpPr>
+          <p:cNvPr id="40" name="TextBox 39"/>
           <p:cNvSpPr txBox="1"/>
           <p:nvPr/>
         </p:nvSpPr>
@@ -11050,19 +10131,13 @@
           </a:bodyPr>
           <a:lstStyle/>
           <a:p>
-            <a:endParaRPr lang="ru-BY" dirty="0"/>
-          </a:p>
-        </p:txBody>
-      </p:sp>
-      <p:sp>
-        <p:nvSpPr>
-          <p:cNvPr id="41" name="TextBox 40">
-            <a:extLst>
-              <a:ext uri="{FF2B5EF4-FFF2-40B4-BE49-F238E27FC236}">
-                <a16:creationId xmlns:a16="http://schemas.microsoft.com/office/drawing/2014/main" id="{2240AB76-48FE-487E-B1BC-D815A7EA3673}"/>
-              </a:ext>
-            </a:extLst>
-          </p:cNvPr>
+            <a:endParaRPr lang="en-US" dirty="0"/>
+          </a:p>
+        </p:txBody>
+      </p:sp>
+      <p:sp>
+        <p:nvSpPr>
+          <p:cNvPr id="41" name="TextBox 40"/>
           <p:cNvSpPr txBox="1"/>
           <p:nvPr/>
         </p:nvSpPr>
@@ -11086,16 +10161,11 @@
               <a:rPr lang="ru-RU"/>
               <a:t>Оптимизация</a:t>
             </a:r>
-            <a:endParaRPr lang="ru-BY" dirty="0"/>
+            <a:endParaRPr lang="en-US" dirty="0"/>
           </a:p>
         </p:txBody>
       </p:sp>
     </p:spTree>
-    <p:extLst>
-      <p:ext uri="{BB962C8B-B14F-4D97-AF65-F5344CB8AC3E}">
-        <p14:creationId xmlns:p14="http://schemas.microsoft.com/office/powerpoint/2010/main" val="21925706"/>
-      </p:ext>
-    </p:extLst>
   </p:cSld>
   <p:clrMapOvr>
     <a:masterClrMapping/>
@@ -11122,13 +10192,7 @@
       </p:grpSpPr>
       <p:sp>
         <p:nvSpPr>
-          <p:cNvPr id="2" name="Заголовок 1">
-            <a:extLst>
-              <a:ext uri="{FF2B5EF4-FFF2-40B4-BE49-F238E27FC236}">
-                <a16:creationId xmlns:a16="http://schemas.microsoft.com/office/drawing/2014/main" id="{2203D558-09CD-4455-B5A0-1EA4F3927E36}"/>
-              </a:ext>
-            </a:extLst>
-          </p:cNvPr>
+          <p:cNvPr id="2" name="Заголовок 1"/>
           <p:cNvSpPr>
             <a:spLocks noGrp="1"/>
           </p:cNvSpPr>
@@ -11145,19 +10209,13 @@
               <a:rPr lang="ru-RU" dirty="0"/>
               <a:t>Основные методологии</a:t>
             </a:r>
-            <a:endParaRPr lang="ru-BY" dirty="0"/>
-          </a:p>
-        </p:txBody>
-      </p:sp>
-      <p:sp>
-        <p:nvSpPr>
-          <p:cNvPr id="3" name="Объект 2">
-            <a:extLst>
-              <a:ext uri="{FF2B5EF4-FFF2-40B4-BE49-F238E27FC236}">
-                <a16:creationId xmlns:a16="http://schemas.microsoft.com/office/drawing/2014/main" id="{BB60927C-22A4-4976-A247-D8C0E51E2FED}"/>
-              </a:ext>
-            </a:extLst>
-          </p:cNvPr>
+            <a:endParaRPr lang="en-US" dirty="0"/>
+          </a:p>
+        </p:txBody>
+      </p:sp>
+      <p:sp>
+        <p:nvSpPr>
+          <p:cNvPr id="3" name="Объект 2"/>
           <p:cNvSpPr>
             <a:spLocks noGrp="1"/>
           </p:cNvSpPr>
@@ -11188,6 +10246,7 @@
               <a:rPr lang="ru-RU" dirty="0"/>
               <a:t>каскадная модель, или «водопад»;</a:t>
             </a:r>
+            <a:endParaRPr lang="ru-RU" dirty="0"/>
           </a:p>
           <a:p>
             <a:pPr>
@@ -11214,6 +10273,7 @@
               <a:rPr lang="ru-RU" dirty="0"/>
               <a:t>;</a:t>
             </a:r>
+            <a:endParaRPr lang="ru-RU" dirty="0"/>
           </a:p>
           <a:p>
             <a:pPr>
@@ -11232,6 +10292,7 @@
               <a:rPr lang="ru-RU" dirty="0"/>
               <a:t>инкрементная модель;</a:t>
             </a:r>
+            <a:endParaRPr lang="ru-RU" dirty="0"/>
           </a:p>
           <a:p>
             <a:pPr>
@@ -11250,6 +10311,7 @@
               <a:rPr lang="ru-RU" dirty="0"/>
               <a:t>итеративная (или итерационная) модель;</a:t>
             </a:r>
+            <a:endParaRPr lang="ru-RU" dirty="0"/>
           </a:p>
           <a:p>
             <a:pPr>
@@ -11268,6 +10330,7 @@
               <a:rPr lang="ru-RU" dirty="0"/>
               <a:t>спиральная модель;</a:t>
             </a:r>
+            <a:endParaRPr lang="ru-RU" dirty="0"/>
           </a:p>
           <a:p>
             <a:pPr>
@@ -11313,6 +10376,7 @@
               <a:rPr lang="ru-RU" dirty="0"/>
               <a:t>:</a:t>
             </a:r>
+            <a:endParaRPr lang="ru-RU" dirty="0"/>
           </a:p>
           <a:p>
             <a:pPr lvl="1">
@@ -11323,6 +10387,7 @@
               <a:rPr lang="en-US" b="1" u="sng" dirty="0"/>
               <a:t>SCRUM</a:t>
             </a:r>
+            <a:endParaRPr lang="en-US" b="1" u="sng" dirty="0"/>
           </a:p>
           <a:p>
             <a:pPr lvl="1">
@@ -11333,19 +10398,13 @@
               <a:rPr lang="en-US" b="1" u="sng" dirty="0"/>
               <a:t>KANBAN</a:t>
             </a:r>
-            <a:endParaRPr lang="ru-BY" b="1" u="sng" dirty="0"/>
-          </a:p>
-        </p:txBody>
-      </p:sp>
-      <p:sp>
-        <p:nvSpPr>
-          <p:cNvPr id="4" name="Дата 3">
-            <a:extLst>
-              <a:ext uri="{FF2B5EF4-FFF2-40B4-BE49-F238E27FC236}">
-                <a16:creationId xmlns:a16="http://schemas.microsoft.com/office/drawing/2014/main" id="{34DC922D-BD5B-4ED8-BD2C-274F77F28A9E}"/>
-              </a:ext>
-            </a:extLst>
-          </p:cNvPr>
+            <a:endParaRPr lang="en-US" b="1" u="sng" dirty="0"/>
+          </a:p>
+        </p:txBody>
+      </p:sp>
+      <p:sp>
+        <p:nvSpPr>
+          <p:cNvPr id="4" name="Дата 3"/>
           <p:cNvSpPr>
             <a:spLocks noGrp="1"/>
           </p:cNvSpPr>
@@ -11361,18 +10420,12 @@
             <a:pPr rtl="0"/>
             <a:fld id="{BE289488-0C23-4DC8-A9FA-240659547385}" type="datetime1">
               <a:rPr lang="ru-RU" smtClean="0"/>
-              <a:t>13.04.2022</a:t>
             </a:fld>
             <a:endParaRPr lang="en-US" dirty="0"/>
           </a:p>
         </p:txBody>
       </p:sp>
     </p:spTree>
-    <p:extLst>
-      <p:ext uri="{BB962C8B-B14F-4D97-AF65-F5344CB8AC3E}">
-        <p14:creationId xmlns:p14="http://schemas.microsoft.com/office/powerpoint/2010/main" val="4043717967"/>
-      </p:ext>
-    </p:extLst>
   </p:cSld>
   <p:clrMapOvr>
     <a:masterClrMapping/>
@@ -11399,13 +10452,7 @@
       </p:grpSpPr>
       <p:sp>
         <p:nvSpPr>
-          <p:cNvPr id="2" name="Заголовок 1">
-            <a:extLst>
-              <a:ext uri="{FF2B5EF4-FFF2-40B4-BE49-F238E27FC236}">
-                <a16:creationId xmlns:a16="http://schemas.microsoft.com/office/drawing/2014/main" id="{83D8310F-E444-4D17-81F0-1E15F4690975}"/>
-              </a:ext>
-            </a:extLst>
-          </p:cNvPr>
+          <p:cNvPr id="2" name="Заголовок 1"/>
           <p:cNvSpPr>
             <a:spLocks noGrp="1"/>
           </p:cNvSpPr>
@@ -11426,19 +10473,13 @@
               <a:rPr lang="ru-RU" dirty="0"/>
               <a:t> («каскадная», «водопад»)</a:t>
             </a:r>
-            <a:endParaRPr lang="ru-BY" dirty="0"/>
-          </a:p>
-        </p:txBody>
-      </p:sp>
-      <p:sp>
-        <p:nvSpPr>
-          <p:cNvPr id="3" name="Объект 2">
-            <a:extLst>
-              <a:ext uri="{FF2B5EF4-FFF2-40B4-BE49-F238E27FC236}">
-                <a16:creationId xmlns:a16="http://schemas.microsoft.com/office/drawing/2014/main" id="{C9B8901D-E8C4-496B-A50F-CB3CE85CF793}"/>
-              </a:ext>
-            </a:extLst>
-          </p:cNvPr>
+            <a:endParaRPr lang="en-US" dirty="0"/>
+          </a:p>
+        </p:txBody>
+      </p:sp>
+      <p:sp>
+        <p:nvSpPr>
+          <p:cNvPr id="3" name="Объект 2"/>
           <p:cNvSpPr>
             <a:spLocks noGrp="1"/>
           </p:cNvSpPr>
@@ -11461,19 +10502,13 @@
               </a:rPr>
               <a:t>В этой модели разработка осуществляется поэтапно: каждая следующая стадия начинается только после того, как заканчивается предыдущая. Если всё делать правильно, «водопад» будет наиболее быстрой и простой моделью. Применяется уже почти полвека, с 1970-х.</a:t>
             </a:r>
-            <a:endParaRPr lang="ru-BY" dirty="0"/>
-          </a:p>
-        </p:txBody>
-      </p:sp>
-      <p:sp>
-        <p:nvSpPr>
-          <p:cNvPr id="4" name="Дата 3">
-            <a:extLst>
-              <a:ext uri="{FF2B5EF4-FFF2-40B4-BE49-F238E27FC236}">
-                <a16:creationId xmlns:a16="http://schemas.microsoft.com/office/drawing/2014/main" id="{D6560671-16C1-4E6A-856F-21C2AAB398F6}"/>
-              </a:ext>
-            </a:extLst>
-          </p:cNvPr>
+            <a:endParaRPr lang="en-US" dirty="0"/>
+          </a:p>
+        </p:txBody>
+      </p:sp>
+      <p:sp>
+        <p:nvSpPr>
+          <p:cNvPr id="4" name="Дата 3"/>
           <p:cNvSpPr>
             <a:spLocks noGrp="1"/>
           </p:cNvSpPr>
@@ -11489,7 +10524,6 @@
             <a:pPr rtl="0"/>
             <a:fld id="{BE289488-0C23-4DC8-A9FA-240659547385}" type="datetime1">
               <a:rPr lang="ru-RU" smtClean="0"/>
-              <a:t>13.04.2022</a:t>
             </a:fld>
             <a:endParaRPr lang="en-US" dirty="0"/>
           </a:p>
@@ -11497,20 +10531,14 @@
       </p:sp>
       <p:pic>
         <p:nvPicPr>
-          <p:cNvPr id="6" name="Рисунок 5">
-            <a:extLst>
-              <a:ext uri="{FF2B5EF4-FFF2-40B4-BE49-F238E27FC236}">
-                <a16:creationId xmlns:a16="http://schemas.microsoft.com/office/drawing/2014/main" id="{2EF438F7-1FA2-40F8-A99C-C338D3F7A4F3}"/>
-              </a:ext>
-            </a:extLst>
-          </p:cNvPr>
+          <p:cNvPr id="6" name="Рисунок 5"/>
           <p:cNvPicPr>
             <a:picLocks noChangeAspect="1"/>
           </p:cNvPicPr>
           <p:nvPr/>
         </p:nvPicPr>
         <p:blipFill>
-          <a:blip r:embed="rId2">
+          <a:blip r:embed="rId1">
             <a:extLst>
               <a:ext uri="{28A0092B-C50C-407E-A947-70E740481C1C}">
                 <a14:useLocalDpi xmlns:a14="http://schemas.microsoft.com/office/drawing/2010/main" val="0"/>
@@ -11532,11 +10560,6 @@
         </p:spPr>
       </p:pic>
     </p:spTree>
-    <p:extLst>
-      <p:ext uri="{BB962C8B-B14F-4D97-AF65-F5344CB8AC3E}">
-        <p14:creationId xmlns:p14="http://schemas.microsoft.com/office/powerpoint/2010/main" val="2580087023"/>
-      </p:ext>
-    </p:extLst>
   </p:cSld>
   <p:clrMapOvr>
     <a:masterClrMapping/>
@@ -11563,13 +10586,7 @@
       </p:grpSpPr>
       <p:sp>
         <p:nvSpPr>
-          <p:cNvPr id="2" name="Заголовок 1">
-            <a:extLst>
-              <a:ext uri="{FF2B5EF4-FFF2-40B4-BE49-F238E27FC236}">
-                <a16:creationId xmlns:a16="http://schemas.microsoft.com/office/drawing/2014/main" id="{708C0F58-43FE-4FD1-B796-23C9FDC807F0}"/>
-              </a:ext>
-            </a:extLst>
-          </p:cNvPr>
+          <p:cNvPr id="2" name="Заголовок 1"/>
           <p:cNvSpPr>
             <a:spLocks noGrp="1"/>
           </p:cNvSpPr>
@@ -11590,19 +10607,13 @@
               <a:rPr lang="ru-RU" dirty="0"/>
               <a:t>преимущества)</a:t>
             </a:r>
-            <a:endParaRPr lang="ru-BY" dirty="0"/>
-          </a:p>
-        </p:txBody>
-      </p:sp>
-      <p:sp>
-        <p:nvSpPr>
-          <p:cNvPr id="3" name="Объект 2">
-            <a:extLst>
-              <a:ext uri="{FF2B5EF4-FFF2-40B4-BE49-F238E27FC236}">
-                <a16:creationId xmlns:a16="http://schemas.microsoft.com/office/drawing/2014/main" id="{40972DDE-A1DD-42FC-BEEF-7148FE9CBBFA}"/>
-              </a:ext>
-            </a:extLst>
-          </p:cNvPr>
+            <a:endParaRPr lang="en-US" dirty="0"/>
+          </a:p>
+        </p:txBody>
+      </p:sp>
+      <p:sp>
+        <p:nvSpPr>
+          <p:cNvPr id="3" name="Объект 2"/>
           <p:cNvSpPr>
             <a:spLocks noGrp="1"/>
           </p:cNvSpPr>
@@ -11619,6 +10630,7 @@
               <a:rPr lang="ru-RU" b="1" u="sng" dirty="0"/>
               <a:t>Преимущества «водопада»:</a:t>
             </a:r>
+            <a:endParaRPr lang="ru-RU" b="1" u="sng" dirty="0"/>
           </a:p>
           <a:p>
             <a:pPr>
@@ -11633,6 +10645,7 @@
               <a:rPr lang="ru-RU" dirty="0"/>
               <a:t>. Заказчик всегда знает, чем сейчас заняты программисты, может управлять сроками и стоимостью.</a:t>
             </a:r>
+            <a:endParaRPr lang="ru-RU" dirty="0"/>
           </a:p>
           <a:p>
             <a:pPr>
@@ -11647,6 +10660,7 @@
               <a:rPr lang="ru-RU" dirty="0"/>
               <a:t> Все шаги запланированы уже на этапе согласования договора, ПО пишется непрерывно «от и до».</a:t>
             </a:r>
+            <a:endParaRPr lang="ru-RU" dirty="0"/>
           </a:p>
           <a:p>
             <a:pPr>
@@ -11661,19 +10675,13 @@
               <a:rPr lang="ru-RU" dirty="0"/>
               <a:t>. Тестировщики смогут опираться на подробную техническую документацию.</a:t>
             </a:r>
-            <a:endParaRPr lang="ru-BY" dirty="0"/>
-          </a:p>
-        </p:txBody>
-      </p:sp>
-      <p:sp>
-        <p:nvSpPr>
-          <p:cNvPr id="4" name="Дата 3">
-            <a:extLst>
-              <a:ext uri="{FF2B5EF4-FFF2-40B4-BE49-F238E27FC236}">
-                <a16:creationId xmlns:a16="http://schemas.microsoft.com/office/drawing/2014/main" id="{9FE1CC63-D0CA-45E3-8600-C49AC8199F84}"/>
-              </a:ext>
-            </a:extLst>
-          </p:cNvPr>
+            <a:endParaRPr lang="en-US" dirty="0"/>
+          </a:p>
+        </p:txBody>
+      </p:sp>
+      <p:sp>
+        <p:nvSpPr>
+          <p:cNvPr id="4" name="Дата 3"/>
           <p:cNvSpPr>
             <a:spLocks noGrp="1"/>
           </p:cNvSpPr>
@@ -11689,18 +10697,12 @@
             <a:pPr rtl="0"/>
             <a:fld id="{BE289488-0C23-4DC8-A9FA-240659547385}" type="datetime1">
               <a:rPr lang="ru-RU" smtClean="0"/>
-              <a:t>13.04.2022</a:t>
             </a:fld>
             <a:endParaRPr lang="en-US" dirty="0"/>
           </a:p>
         </p:txBody>
       </p:sp>
     </p:spTree>
-    <p:extLst>
-      <p:ext uri="{BB962C8B-B14F-4D97-AF65-F5344CB8AC3E}">
-        <p14:creationId xmlns:p14="http://schemas.microsoft.com/office/powerpoint/2010/main" val="3951389182"/>
-      </p:ext>
-    </p:extLst>
   </p:cSld>
   <p:clrMapOvr>
     <a:masterClrMapping/>
@@ -11751,7 +10753,7 @@
     </a:clrScheme>
     <a:fontScheme name="Retrospect">
       <a:majorFont>
-        <a:latin typeface="Bookman Old Style" panose="020F0302020204030204"/>
+        <a:latin typeface="Bookman Old Style"/>
         <a:ea typeface=""/>
         <a:cs typeface=""/>
         <a:font script="Jpan" typeface="ＭＳ Ｐゴシック"/>
@@ -11786,7 +10788,7 @@
         <a:font script="Geor" typeface="Sylfaen"/>
       </a:majorFont>
       <a:minorFont>
-        <a:latin typeface="Franklin Gothic Book" panose="020F0502020204030204"/>
+        <a:latin typeface="Franklin Gothic Book"/>
         <a:ea typeface=""/>
         <a:cs typeface=""/>
         <a:font script="Jpan" typeface="ＭＳ Ｐゴシック"/>
@@ -11981,11 +10983,9 @@
       </a:bgFillStyleLst>
     </a:fmtScheme>
   </a:themeElements>
-  <a:objectDefaults/>
-  <a:extraClrSchemeLst/>
   <a:extLst>
     <a:ext uri="{05A4C25C-085E-4340-85A3-A5531E510DB2}">
-      <thm15:themeFamily xmlns:thm15="http://schemas.microsoft.com/office/thememl/2012/main" name="Office_41798995_TF56160789" id="{E9416FAF-F856-40AC-9675-C9B0760B1290}" vid="{1EEFFE07-2D5A-4CA5-A479-4D088CDD8AD4}"/>
+      <thm15:themeFamily xmlns:thm15="http://schemas.microsoft.com/office/thememl/2012/main" name="Office Theme" id="{62F939B6-93AF-4DB8-9C6B-D6C7DFDC589F}" vid="{4A3C46E8-61CC-4603-A589-7422A47A8E4A}"/>
     </a:ext>
   </a:extLst>
 </a:theme>
@@ -12034,7 +11034,7 @@
     </a:clrScheme>
     <a:fontScheme name="Office">
       <a:majorFont>
-        <a:latin typeface="Calibri Light" panose="020F0302020204030204"/>
+        <a:latin typeface="Calibri Light"/>
         <a:ea typeface=""/>
         <a:cs typeface=""/>
         <a:font script="Jpan" typeface="游ゴシック Light"/>
@@ -12069,7 +11069,7 @@
         <a:font script="Geor" typeface="Sylfaen"/>
       </a:majorFont>
       <a:minorFont>
-        <a:latin typeface="Calibri" panose="020F0502020204030204"/>
+        <a:latin typeface="Calibri"/>
         <a:ea typeface=""/>
         <a:cs typeface=""/>
         <a:font script="Jpan" typeface="游ゴシック"/>
@@ -12242,8 +11242,6 @@
       </a:bgFillStyleLst>
     </a:fmtScheme>
   </a:themeElements>
-  <a:objectDefaults/>
-  <a:extraClrSchemeLst/>
   <a:extLst>
     <a:ext uri="{05A4C25C-085E-4340-85A3-A5531E510DB2}">
       <thm15:themeFamily xmlns:thm15="http://schemas.microsoft.com/office/thememl/2012/main" name="Office Theme" id="{62F939B6-93AF-4DB8-9C6B-D6C7DFDC589F}" vid="{4A3C46E8-61CC-4603-A589-7422A47A8E4A}"/>
@@ -12295,7 +11293,7 @@
     </a:clrScheme>
     <a:fontScheme name="Office">
       <a:majorFont>
-        <a:latin typeface="Calibri Light" panose="020F0302020204030204"/>
+        <a:latin typeface="Calibri Light"/>
         <a:ea typeface=""/>
         <a:cs typeface=""/>
         <a:font script="Jpan" typeface="游ゴシック Light"/>
@@ -12330,7 +11328,7 @@
         <a:font script="Geor" typeface="Sylfaen"/>
       </a:majorFont>
       <a:minorFont>
-        <a:latin typeface="Calibri" panose="020F0502020204030204"/>
+        <a:latin typeface="Calibri"/>
         <a:ea typeface=""/>
         <a:cs typeface=""/>
         <a:font script="Jpan" typeface="游ゴシック"/>
@@ -12503,8 +11501,6 @@
       </a:bgFillStyleLst>
     </a:fmtScheme>
   </a:themeElements>
-  <a:objectDefaults/>
-  <a:extraClrSchemeLst/>
   <a:extLst>
     <a:ext uri="{05A4C25C-085E-4340-85A3-A5531E510DB2}">
       <thm15:themeFamily xmlns:thm15="http://schemas.microsoft.com/office/thememl/2012/main" name="Office Theme" id="{62F939B6-93AF-4DB8-9C6B-D6C7DFDC589F}" vid="{4A3C46E8-61CC-4603-A589-7422A47A8E4A}"/>
